--- a/Project Presentation.pptx
+++ b/Project Presentation.pptx
@@ -6,7 +6,7 @@
     <p:sldMasterId id="2147483881" r:id="rId2"/>
   </p:sldMasterIdLst>
   <p:notesMasterIdLst>
-    <p:notesMasterId r:id="rId23"/>
+    <p:notesMasterId r:id="rId26"/>
   </p:notesMasterIdLst>
   <p:sldIdLst>
     <p:sldId id="256" r:id="rId3"/>
@@ -26,9 +26,12 @@
     <p:sldId id="274" r:id="rId17"/>
     <p:sldId id="273" r:id="rId18"/>
     <p:sldId id="281" r:id="rId19"/>
-    <p:sldId id="279" r:id="rId20"/>
-    <p:sldId id="280" r:id="rId21"/>
-    <p:sldId id="277" r:id="rId22"/>
+    <p:sldId id="280" r:id="rId20"/>
+    <p:sldId id="279" r:id="rId21"/>
+    <p:sldId id="282" r:id="rId22"/>
+    <p:sldId id="283" r:id="rId23"/>
+    <p:sldId id="284" r:id="rId24"/>
+    <p:sldId id="277" r:id="rId25"/>
   </p:sldIdLst>
   <p:sldSz cx="12192000" cy="6858000"/>
   <p:notesSz cx="6858000" cy="9144000"/>
@@ -150,336 +153,73 @@
 <file path=ppt/changesInfos/changesInfo1.xml><?xml version="1.0" encoding="utf-8"?>
 <pc:chgInfo xmlns:a="http://schemas.openxmlformats.org/drawingml/2006/main" xmlns:r="http://schemas.openxmlformats.org/officeDocument/2006/relationships" xmlns:ac="http://schemas.microsoft.com/office/drawing/2013/main/command" xmlns:pc="http://schemas.microsoft.com/office/powerpoint/2013/main/command">
   <pc:docChgLst>
-    <pc:chgData name="Yarin Ifargan" userId="fa381fb27c5a29d3" providerId="LiveId" clId="{7E083382-3419-434A-BABF-44686F64E288}"/>
-    <pc:docChg chg="undo redo custSel addSld delSld modSld sldOrd addMainMaster modMainMaster">
-      <pc:chgData name="Yarin Ifargan" userId="fa381fb27c5a29d3" providerId="LiveId" clId="{7E083382-3419-434A-BABF-44686F64E288}" dt="2022-06-29T18:42:45.238" v="3315" actId="1076"/>
+    <pc:chgData name="Yarin Ifargan" userId="fa381fb27c5a29d3" providerId="LiveId" clId="{8B86CED2-B106-4055-A0C3-9FCA87BDCA2A}"/>
+    <pc:docChg chg="undo custSel addSld modSld sldOrd">
+      <pc:chgData name="Yarin Ifargan" userId="fa381fb27c5a29d3" providerId="LiveId" clId="{8B86CED2-B106-4055-A0C3-9FCA87BDCA2A}" dt="2022-07-01T13:40:53.352" v="1339" actId="20577"/>
       <pc:docMkLst>
         <pc:docMk/>
       </pc:docMkLst>
-      <pc:sldChg chg="addSp delSp modSp mod setBg">
-        <pc:chgData name="Yarin Ifargan" userId="fa381fb27c5a29d3" providerId="LiveId" clId="{7E083382-3419-434A-BABF-44686F64E288}" dt="2022-06-29T18:42:45.238" v="3315" actId="1076"/>
-        <pc:sldMkLst>
-          <pc:docMk/>
-          <pc:sldMk cId="185066237" sldId="256"/>
-        </pc:sldMkLst>
-        <pc:spChg chg="del">
-          <ac:chgData name="Yarin Ifargan" userId="fa381fb27c5a29d3" providerId="LiveId" clId="{7E083382-3419-434A-BABF-44686F64E288}" dt="2022-06-29T17:48:32.914" v="2568" actId="478"/>
-          <ac:spMkLst>
-            <pc:docMk/>
-            <pc:sldMk cId="185066237" sldId="256"/>
-            <ac:spMk id="3" creationId="{26E318B7-D2EE-EEAC-966C-A513BE276097}"/>
-          </ac:spMkLst>
-        </pc:spChg>
-        <pc:spChg chg="add del mod">
-          <ac:chgData name="Yarin Ifargan" userId="fa381fb27c5a29d3" providerId="LiveId" clId="{7E083382-3419-434A-BABF-44686F64E288}" dt="2022-06-29T15:45:16.019" v="53" actId="478"/>
-          <ac:spMkLst>
-            <pc:docMk/>
-            <pc:sldMk cId="185066237" sldId="256"/>
-            <ac:spMk id="9" creationId="{36422A83-B807-228C-1CF7-CDD8262C989C}"/>
-          </ac:spMkLst>
-        </pc:spChg>
-        <pc:spChg chg="mod">
-          <ac:chgData name="Yarin Ifargan" userId="fa381fb27c5a29d3" providerId="LiveId" clId="{7E083382-3419-434A-BABF-44686F64E288}" dt="2022-06-29T18:39:59.083" v="3295" actId="404"/>
-          <ac:spMkLst>
-            <pc:docMk/>
-            <pc:sldMk cId="185066237" sldId="256"/>
-            <ac:spMk id="12" creationId="{61F4EDE7-DE1E-4DA5-B308-70185929BF8A}"/>
-          </ac:spMkLst>
-        </pc:spChg>
-        <pc:spChg chg="mod">
-          <ac:chgData name="Yarin Ifargan" userId="fa381fb27c5a29d3" providerId="LiveId" clId="{7E083382-3419-434A-BABF-44686F64E288}" dt="2022-06-29T15:52:43.024" v="195" actId="207"/>
-          <ac:spMkLst>
-            <pc:docMk/>
-            <pc:sldMk cId="185066237" sldId="256"/>
-            <ac:spMk id="13" creationId="{A9BA3448-6F73-3D97-558F-124345D7FDC7}"/>
-          </ac:spMkLst>
-        </pc:spChg>
-        <pc:spChg chg="mod">
-          <ac:chgData name="Yarin Ifargan" userId="fa381fb27c5a29d3" providerId="LiveId" clId="{7E083382-3419-434A-BABF-44686F64E288}" dt="2022-06-29T17:44:19.845" v="2466" actId="207"/>
-          <ac:spMkLst>
-            <pc:docMk/>
-            <pc:sldMk cId="185066237" sldId="256"/>
-            <ac:spMk id="14" creationId="{BE4A8A3F-283D-44D6-BCCD-0EE793C77E27}"/>
-          </ac:spMkLst>
-        </pc:spChg>
-        <pc:spChg chg="mod">
-          <ac:chgData name="Yarin Ifargan" userId="fa381fb27c5a29d3" providerId="LiveId" clId="{7E083382-3419-434A-BABF-44686F64E288}" dt="2022-06-29T15:52:43.024" v="195" actId="207"/>
-          <ac:spMkLst>
-            <pc:docMk/>
-            <pc:sldMk cId="185066237" sldId="256"/>
-            <ac:spMk id="15" creationId="{ECEAD3DC-DBEA-FA61-7BD3-7E30B01D7832}"/>
-          </ac:spMkLst>
-        </pc:spChg>
-        <pc:spChg chg="mod">
-          <ac:chgData name="Yarin Ifargan" userId="fa381fb27c5a29d3" providerId="LiveId" clId="{7E083382-3419-434A-BABF-44686F64E288}" dt="2022-06-29T15:52:43.024" v="195" actId="207"/>
-          <ac:spMkLst>
-            <pc:docMk/>
-            <pc:sldMk cId="185066237" sldId="256"/>
-            <ac:spMk id="16" creationId="{9AA1430D-D459-2BBF-354A-F845DA526912}"/>
-          </ac:spMkLst>
-        </pc:spChg>
-        <pc:spChg chg="mod">
-          <ac:chgData name="Yarin Ifargan" userId="fa381fb27c5a29d3" providerId="LiveId" clId="{7E083382-3419-434A-BABF-44686F64E288}" dt="2022-06-29T15:52:43.024" v="195" actId="207"/>
-          <ac:spMkLst>
-            <pc:docMk/>
-            <pc:sldMk cId="185066237" sldId="256"/>
-            <ac:spMk id="17" creationId="{64CECBDE-9210-413E-2E74-C5DCC887E16E}"/>
-          </ac:spMkLst>
-        </pc:spChg>
-        <pc:spChg chg="mod">
-          <ac:chgData name="Yarin Ifargan" userId="fa381fb27c5a29d3" providerId="LiveId" clId="{7E083382-3419-434A-BABF-44686F64E288}" dt="2022-06-29T15:52:43.024" v="195" actId="207"/>
-          <ac:spMkLst>
-            <pc:docMk/>
-            <pc:sldMk cId="185066237" sldId="256"/>
-            <ac:spMk id="18" creationId="{6F3A50D6-23AA-86D6-4E43-12265D20B2CA}"/>
-          </ac:spMkLst>
-        </pc:spChg>
-        <pc:spChg chg="mod">
-          <ac:chgData name="Yarin Ifargan" userId="fa381fb27c5a29d3" providerId="LiveId" clId="{7E083382-3419-434A-BABF-44686F64E288}" dt="2022-06-29T15:52:43.024" v="195" actId="207"/>
-          <ac:spMkLst>
-            <pc:docMk/>
-            <pc:sldMk cId="185066237" sldId="256"/>
-            <ac:spMk id="19" creationId="{16E30534-224A-A256-E1CA-60E1FC345D3C}"/>
-          </ac:spMkLst>
-        </pc:spChg>
-        <pc:spChg chg="mod">
-          <ac:chgData name="Yarin Ifargan" userId="fa381fb27c5a29d3" providerId="LiveId" clId="{7E083382-3419-434A-BABF-44686F64E288}" dt="2022-06-29T15:52:43.024" v="195" actId="207"/>
-          <ac:spMkLst>
-            <pc:docMk/>
-            <pc:sldMk cId="185066237" sldId="256"/>
-            <ac:spMk id="20" creationId="{ACF50C82-4EAD-BF3B-9694-FD7BF4797017}"/>
-          </ac:spMkLst>
-        </pc:spChg>
-        <pc:spChg chg="mod">
-          <ac:chgData name="Yarin Ifargan" userId="fa381fb27c5a29d3" providerId="LiveId" clId="{7E083382-3419-434A-BABF-44686F64E288}" dt="2022-06-29T15:52:43.024" v="195" actId="207"/>
-          <ac:spMkLst>
-            <pc:docMk/>
-            <pc:sldMk cId="185066237" sldId="256"/>
-            <ac:spMk id="21" creationId="{484D5F75-FF69-3408-3725-0FC030F69558}"/>
-          </ac:spMkLst>
-        </pc:spChg>
-        <pc:spChg chg="mod">
-          <ac:chgData name="Yarin Ifargan" userId="fa381fb27c5a29d3" providerId="LiveId" clId="{7E083382-3419-434A-BABF-44686F64E288}" dt="2022-06-29T15:52:43.024" v="195" actId="207"/>
-          <ac:spMkLst>
-            <pc:docMk/>
-            <pc:sldMk cId="185066237" sldId="256"/>
-            <ac:spMk id="22" creationId="{F53A079A-8074-7369-BB86-E0EEB4D95BA2}"/>
-          </ac:spMkLst>
-        </pc:spChg>
-        <pc:spChg chg="mod">
-          <ac:chgData name="Yarin Ifargan" userId="fa381fb27c5a29d3" providerId="LiveId" clId="{7E083382-3419-434A-BABF-44686F64E288}" dt="2022-06-29T15:52:43.024" v="195" actId="207"/>
-          <ac:spMkLst>
-            <pc:docMk/>
-            <pc:sldMk cId="185066237" sldId="256"/>
-            <ac:spMk id="23" creationId="{814E0066-89C4-D886-AFDB-0AF1E1F66F3B}"/>
-          </ac:spMkLst>
-        </pc:spChg>
-        <pc:spChg chg="mod">
-          <ac:chgData name="Yarin Ifargan" userId="fa381fb27c5a29d3" providerId="LiveId" clId="{7E083382-3419-434A-BABF-44686F64E288}" dt="2022-06-29T15:52:43.024" v="195" actId="207"/>
-          <ac:spMkLst>
-            <pc:docMk/>
-            <pc:sldMk cId="185066237" sldId="256"/>
-            <ac:spMk id="24" creationId="{2746660E-5DC1-1F9D-7D82-A5A64F916995}"/>
-          </ac:spMkLst>
-        </pc:spChg>
-        <pc:spChg chg="add mod">
-          <ac:chgData name="Yarin Ifargan" userId="fa381fb27c5a29d3" providerId="LiveId" clId="{7E083382-3419-434A-BABF-44686F64E288}" dt="2022-06-29T18:42:45.238" v="3315" actId="1076"/>
-          <ac:spMkLst>
-            <pc:docMk/>
-            <pc:sldMk cId="185066237" sldId="256"/>
-            <ac:spMk id="25" creationId="{A904F695-222C-A17D-957C-1417A1AC3682}"/>
-          </ac:spMkLst>
-        </pc:spChg>
-        <pc:grpChg chg="add del mod">
-          <ac:chgData name="Yarin Ifargan" userId="fa381fb27c5a29d3" providerId="LiveId" clId="{7E083382-3419-434A-BABF-44686F64E288}" dt="2022-06-29T15:54:36.381" v="222" actId="478"/>
-          <ac:grpSpMkLst>
-            <pc:docMk/>
-            <pc:sldMk cId="185066237" sldId="256"/>
-            <ac:grpSpMk id="10" creationId="{BAECAEF6-1D7C-4DFD-0EDF-2B5FA45D175C}"/>
-          </ac:grpSpMkLst>
-        </pc:grpChg>
-        <pc:picChg chg="add mod">
-          <ac:chgData name="Yarin Ifargan" userId="fa381fb27c5a29d3" providerId="LiveId" clId="{7E083382-3419-434A-BABF-44686F64E288}" dt="2022-06-29T18:40:08.218" v="3298" actId="1076"/>
-          <ac:picMkLst>
-            <pc:docMk/>
-            <pc:sldMk cId="185066237" sldId="256"/>
-            <ac:picMk id="2" creationId="{32241F3C-80B7-CAB6-3571-07665131ABEE}"/>
-          </ac:picMkLst>
-        </pc:picChg>
-        <pc:picChg chg="del">
-          <ac:chgData name="Yarin Ifargan" userId="fa381fb27c5a29d3" providerId="LiveId" clId="{7E083382-3419-434A-BABF-44686F64E288}" dt="2022-06-29T15:27:01.003" v="3" actId="478"/>
-          <ac:picMkLst>
-            <pc:docMk/>
-            <pc:sldMk cId="185066237" sldId="256"/>
-            <ac:picMk id="7" creationId="{AFF2538C-24C8-4078-A124-1E91C97B7BCF}"/>
-          </ac:picMkLst>
-        </pc:picChg>
-        <pc:picChg chg="del">
-          <ac:chgData name="Yarin Ifargan" userId="fa381fb27c5a29d3" providerId="LiveId" clId="{7E083382-3419-434A-BABF-44686F64E288}" dt="2022-06-29T15:27:00.019" v="2" actId="478"/>
-          <ac:picMkLst>
-            <pc:docMk/>
-            <pc:sldMk cId="185066237" sldId="256"/>
-            <ac:picMk id="8" creationId="{3A326CA0-ACB0-4172-BA5E-A84B25FE9710}"/>
-          </ac:picMkLst>
-        </pc:picChg>
-        <pc:picChg chg="del">
-          <ac:chgData name="Yarin Ifargan" userId="fa381fb27c5a29d3" providerId="LiveId" clId="{7E083382-3419-434A-BABF-44686F64E288}" dt="2022-06-29T15:26:47.242" v="1" actId="478"/>
-          <ac:picMkLst>
-            <pc:docMk/>
-            <pc:sldMk cId="185066237" sldId="256"/>
-            <ac:picMk id="11" creationId="{107AC982-8855-4641-A925-D5D3D8AFEA27}"/>
-          </ac:picMkLst>
-        </pc:picChg>
-        <pc:picChg chg="del">
-          <ac:chgData name="Yarin Ifargan" userId="fa381fb27c5a29d3" providerId="LiveId" clId="{7E083382-3419-434A-BABF-44686F64E288}" dt="2022-06-29T15:26:19.204" v="0" actId="478"/>
-          <ac:picMkLst>
-            <pc:docMk/>
-            <pc:sldMk cId="185066237" sldId="256"/>
-            <ac:picMk id="1026" creationId="{5FB09F94-2286-4A41-AADE-56D77572B981}"/>
-          </ac:picMkLst>
-        </pc:picChg>
-      </pc:sldChg>
-      <pc:sldChg chg="addSp delSp modSp mod">
-        <pc:chgData name="Yarin Ifargan" userId="fa381fb27c5a29d3" providerId="LiveId" clId="{7E083382-3419-434A-BABF-44686F64E288}" dt="2022-06-29T17:48:43.825" v="2570" actId="20577"/>
+      <pc:sldChg chg="modSp mod">
+        <pc:chgData name="Yarin Ifargan" userId="fa381fb27c5a29d3" providerId="LiveId" clId="{8B86CED2-B106-4055-A0C3-9FCA87BDCA2A}" dt="2022-07-01T13:28:44.462" v="1089" actId="1076"/>
         <pc:sldMkLst>
           <pc:docMk/>
           <pc:sldMk cId="476041094" sldId="257"/>
         </pc:sldMkLst>
         <pc:spChg chg="mod">
-          <ac:chgData name="Yarin Ifargan" userId="fa381fb27c5a29d3" providerId="LiveId" clId="{7E083382-3419-434A-BABF-44686F64E288}" dt="2022-06-29T15:55:31.299" v="224" actId="207"/>
+          <ac:chgData name="Yarin Ifargan" userId="fa381fb27c5a29d3" providerId="LiveId" clId="{8B86CED2-B106-4055-A0C3-9FCA87BDCA2A}" dt="2022-07-01T13:28:44.462" v="1089" actId="1076"/>
           <ac:spMkLst>
             <pc:docMk/>
             <pc:sldMk cId="476041094" sldId="257"/>
             <ac:spMk id="2" creationId="{CFE7F27B-4361-45A2-A7B6-B9583EE5339C}"/>
           </ac:spMkLst>
         </pc:spChg>
-        <pc:spChg chg="mod">
-          <ac:chgData name="Yarin Ifargan" userId="fa381fb27c5a29d3" providerId="LiveId" clId="{7E083382-3419-434A-BABF-44686F64E288}" dt="2022-06-29T15:55:41.494" v="248" actId="20577"/>
-          <ac:spMkLst>
-            <pc:docMk/>
-            <pc:sldMk cId="476041094" sldId="257"/>
-            <ac:spMk id="3" creationId="{36C40FEC-E18E-4389-92B4-0C0940910073}"/>
-          </ac:spMkLst>
-        </pc:spChg>
-        <pc:spChg chg="del mod">
-          <ac:chgData name="Yarin Ifargan" userId="fa381fb27c5a29d3" providerId="LiveId" clId="{7E083382-3419-434A-BABF-44686F64E288}" dt="2022-06-29T17:46:18.049" v="2546" actId="478"/>
-          <ac:spMkLst>
-            <pc:docMk/>
-            <pc:sldMk cId="476041094" sldId="257"/>
-            <ac:spMk id="4" creationId="{87428026-92BF-482A-872D-146C4A1F0B09}"/>
-          </ac:spMkLst>
-        </pc:spChg>
-        <pc:spChg chg="add mod">
-          <ac:chgData name="Yarin Ifargan" userId="fa381fb27c5a29d3" providerId="LiveId" clId="{7E083382-3419-434A-BABF-44686F64E288}" dt="2022-06-29T17:48:43.825" v="2570" actId="20577"/>
-          <ac:spMkLst>
-            <pc:docMk/>
-            <pc:sldMk cId="476041094" sldId="257"/>
-            <ac:spMk id="7" creationId="{B6A0E00B-B1D8-59F3-4971-DDC542AEB65A}"/>
-          </ac:spMkLst>
-        </pc:spChg>
       </pc:sldChg>
-      <pc:sldChg chg="addSp delSp modSp mod">
-        <pc:chgData name="Yarin Ifargan" userId="fa381fb27c5a29d3" providerId="LiveId" clId="{7E083382-3419-434A-BABF-44686F64E288}" dt="2022-06-29T18:25:54.249" v="3276" actId="1076"/>
+      <pc:sldChg chg="modSp mod">
+        <pc:chgData name="Yarin Ifargan" userId="fa381fb27c5a29d3" providerId="LiveId" clId="{8B86CED2-B106-4055-A0C3-9FCA87BDCA2A}" dt="2022-07-01T13:28:55.030" v="1090" actId="1076"/>
         <pc:sldMkLst>
           <pc:docMk/>
           <pc:sldMk cId="2994357689" sldId="258"/>
         </pc:sldMkLst>
         <pc:spChg chg="mod">
-          <ac:chgData name="Yarin Ifargan" userId="fa381fb27c5a29d3" providerId="LiveId" clId="{7E083382-3419-434A-BABF-44686F64E288}" dt="2022-06-29T18:25:54.249" v="3276" actId="1076"/>
+          <ac:chgData name="Yarin Ifargan" userId="fa381fb27c5a29d3" providerId="LiveId" clId="{8B86CED2-B106-4055-A0C3-9FCA87BDCA2A}" dt="2022-07-01T13:28:55.030" v="1090" actId="1076"/>
           <ac:spMkLst>
             <pc:docMk/>
             <pc:sldMk cId="2994357689" sldId="258"/>
             <ac:spMk id="2" creationId="{C443045F-87E4-42BD-80B1-F9C1AA928244}"/>
           </ac:spMkLst>
         </pc:spChg>
-        <pc:spChg chg="del">
-          <ac:chgData name="Yarin Ifargan" userId="fa381fb27c5a29d3" providerId="LiveId" clId="{7E083382-3419-434A-BABF-44686F64E288}" dt="2022-06-29T17:46:23.379" v="2547" actId="478"/>
-          <ac:spMkLst>
-            <pc:docMk/>
-            <pc:sldMk cId="2994357689" sldId="258"/>
-            <ac:spMk id="7" creationId="{DD215BAE-7A65-4167-814E-3EF9191F262A}"/>
-          </ac:spMkLst>
-        </pc:spChg>
-        <pc:spChg chg="add mod">
-          <ac:chgData name="Yarin Ifargan" userId="fa381fb27c5a29d3" providerId="LiveId" clId="{7E083382-3419-434A-BABF-44686F64E288}" dt="2022-06-29T17:48:55.075" v="2572" actId="20577"/>
-          <ac:spMkLst>
-            <pc:docMk/>
-            <pc:sldMk cId="2994357689" sldId="258"/>
-            <ac:spMk id="11" creationId="{63491057-0A40-FECD-7047-A82AF5D88ABE}"/>
-          </ac:spMkLst>
-        </pc:spChg>
         <pc:graphicFrameChg chg="mod modGraphic">
-          <ac:chgData name="Yarin Ifargan" userId="fa381fb27c5a29d3" providerId="LiveId" clId="{7E083382-3419-434A-BABF-44686F64E288}" dt="2022-06-29T18:03:10.200" v="2931" actId="5793"/>
-          <ac:graphicFrameMkLst>
-            <pc:docMk/>
-            <pc:sldMk cId="2994357689" sldId="258"/>
-            <ac:graphicFrameMk id="6" creationId="{4E505F84-4954-45BF-A576-AC8B59868A1E}"/>
-          </ac:graphicFrameMkLst>
-        </pc:graphicFrameChg>
-        <pc:graphicFrameChg chg="mod modGraphic">
-          <ac:chgData name="Yarin Ifargan" userId="fa381fb27c5a29d3" providerId="LiveId" clId="{7E083382-3419-434A-BABF-44686F64E288}" dt="2022-06-29T18:08:51.576" v="3172" actId="20577"/>
-          <ac:graphicFrameMkLst>
-            <pc:docMk/>
-            <pc:sldMk cId="2994357689" sldId="258"/>
-            <ac:graphicFrameMk id="8" creationId="{21C07789-E428-4C3F-BE6B-5948935B2847}"/>
-          </ac:graphicFrameMkLst>
-        </pc:graphicFrameChg>
-        <pc:graphicFrameChg chg="modGraphic">
-          <ac:chgData name="Yarin Ifargan" userId="fa381fb27c5a29d3" providerId="LiveId" clId="{7E083382-3419-434A-BABF-44686F64E288}" dt="2022-06-29T18:10:30.713" v="3212" actId="20577"/>
+          <ac:chgData name="Yarin Ifargan" userId="fa381fb27c5a29d3" providerId="LiveId" clId="{8B86CED2-B106-4055-A0C3-9FCA87BDCA2A}" dt="2022-07-01T12:52:26.403" v="92" actId="20577"/>
           <ac:graphicFrameMkLst>
             <pc:docMk/>
             <pc:sldMk cId="2994357689" sldId="258"/>
             <ac:graphicFrameMk id="9" creationId="{866DAB66-F318-4798-B725-09D2DA0607DA}"/>
           </ac:graphicFrameMkLst>
         </pc:graphicFrameChg>
-        <pc:graphicFrameChg chg="mod modGraphic">
-          <ac:chgData name="Yarin Ifargan" userId="fa381fb27c5a29d3" providerId="LiveId" clId="{7E083382-3419-434A-BABF-44686F64E288}" dt="2022-06-29T18:14:22.857" v="3254" actId="20577"/>
-          <ac:graphicFrameMkLst>
-            <pc:docMk/>
-            <pc:sldMk cId="2994357689" sldId="258"/>
-            <ac:graphicFrameMk id="10" creationId="{E3A28776-D05C-426B-B971-2DE4F80E9969}"/>
-          </ac:graphicFrameMkLst>
-        </pc:graphicFrameChg>
       </pc:sldChg>
-      <pc:sldChg chg="addSp delSp modSp mod">
-        <pc:chgData name="Yarin Ifargan" userId="fa381fb27c5a29d3" providerId="LiveId" clId="{7E083382-3419-434A-BABF-44686F64E288}" dt="2022-06-29T18:25:28.267" v="3275" actId="1035"/>
+      <pc:sldChg chg="modSp mod">
+        <pc:chgData name="Yarin Ifargan" userId="fa381fb27c5a29d3" providerId="LiveId" clId="{8B86CED2-B106-4055-A0C3-9FCA87BDCA2A}" dt="2022-07-01T13:29:15.543" v="1111" actId="1036"/>
         <pc:sldMkLst>
           <pc:docMk/>
           <pc:sldMk cId="340842010" sldId="259"/>
         </pc:sldMkLst>
         <pc:spChg chg="mod">
-          <ac:chgData name="Yarin Ifargan" userId="fa381fb27c5a29d3" providerId="LiveId" clId="{7E083382-3419-434A-BABF-44686F64E288}" dt="2022-06-29T18:25:28.267" v="3275" actId="1035"/>
+          <ac:chgData name="Yarin Ifargan" userId="fa381fb27c5a29d3" providerId="LiveId" clId="{8B86CED2-B106-4055-A0C3-9FCA87BDCA2A}" dt="2022-07-01T13:29:15.543" v="1111" actId="1036"/>
           <ac:spMkLst>
             <pc:docMk/>
             <pc:sldMk cId="340842010" sldId="259"/>
             <ac:spMk id="2" creationId="{8A114AC2-7E3C-4838-93DF-2824FDE35FAA}"/>
           </ac:spMkLst>
         </pc:spChg>
-        <pc:spChg chg="del">
-          <ac:chgData name="Yarin Ifargan" userId="fa381fb27c5a29d3" providerId="LiveId" clId="{7E083382-3419-434A-BABF-44686F64E288}" dt="2022-06-29T17:46:26.204" v="2548" actId="478"/>
-          <ac:spMkLst>
-            <pc:docMk/>
-            <pc:sldMk cId="340842010" sldId="259"/>
-            <ac:spMk id="4" creationId="{65590029-A7E4-476D-9955-727EE45AA529}"/>
-          </ac:spMkLst>
-        </pc:spChg>
-        <pc:spChg chg="add mod">
-          <ac:chgData name="Yarin Ifargan" userId="fa381fb27c5a29d3" providerId="LiveId" clId="{7E083382-3419-434A-BABF-44686F64E288}" dt="2022-06-29T17:49:01.572" v="2575" actId="20577"/>
-          <ac:spMkLst>
-            <pc:docMk/>
-            <pc:sldMk cId="340842010" sldId="259"/>
-            <ac:spMk id="7" creationId="{6E835C73-5D19-B01C-AE77-556BAA8E3F9B}"/>
-          </ac:spMkLst>
-        </pc:spChg>
       </pc:sldChg>
-      <pc:sldChg chg="addSp delSp modSp mod">
-        <pc:chgData name="Yarin Ifargan" userId="fa381fb27c5a29d3" providerId="LiveId" clId="{7E083382-3419-434A-BABF-44686F64E288}" dt="2022-06-29T17:49:08.009" v="2577" actId="20577"/>
+      <pc:sldChg chg="modSp mod">
+        <pc:chgData name="Yarin Ifargan" userId="fa381fb27c5a29d3" providerId="LiveId" clId="{8B86CED2-B106-4055-A0C3-9FCA87BDCA2A}" dt="2022-07-01T13:29:53.692" v="1160" actId="1036"/>
         <pc:sldMkLst>
           <pc:docMk/>
           <pc:sldMk cId="2516741665" sldId="260"/>
         </pc:sldMkLst>
         <pc:spChg chg="mod">
-          <ac:chgData name="Yarin Ifargan" userId="fa381fb27c5a29d3" providerId="LiveId" clId="{7E083382-3419-434A-BABF-44686F64E288}" dt="2022-06-29T16:04:04.763" v="366" actId="207"/>
+          <ac:chgData name="Yarin Ifargan" userId="fa381fb27c5a29d3" providerId="LiveId" clId="{8B86CED2-B106-4055-A0C3-9FCA87BDCA2A}" dt="2022-07-01T13:29:38.772" v="1130" actId="1036"/>
           <ac:spMkLst>
             <pc:docMk/>
             <pc:sldMk cId="2516741665" sldId="260"/>
@@ -487,38 +227,22 @@
           </ac:spMkLst>
         </pc:spChg>
         <pc:spChg chg="mod">
-          <ac:chgData name="Yarin Ifargan" userId="fa381fb27c5a29d3" providerId="LiveId" clId="{7E083382-3419-434A-BABF-44686F64E288}" dt="2022-06-29T16:05:34.455" v="389" actId="20577"/>
+          <ac:chgData name="Yarin Ifargan" userId="fa381fb27c5a29d3" providerId="LiveId" clId="{8B86CED2-B106-4055-A0C3-9FCA87BDCA2A}" dt="2022-07-01T13:29:53.692" v="1160" actId="1036"/>
           <ac:spMkLst>
             <pc:docMk/>
             <pc:sldMk cId="2516741665" sldId="260"/>
             <ac:spMk id="3" creationId="{394588FC-030F-4905-993D-60DF6F3602A3}"/>
           </ac:spMkLst>
         </pc:spChg>
-        <pc:spChg chg="del">
-          <ac:chgData name="Yarin Ifargan" userId="fa381fb27c5a29d3" providerId="LiveId" clId="{7E083382-3419-434A-BABF-44686F64E288}" dt="2022-06-29T17:46:28.804" v="2549" actId="478"/>
-          <ac:spMkLst>
-            <pc:docMk/>
-            <pc:sldMk cId="2516741665" sldId="260"/>
-            <ac:spMk id="4" creationId="{E8E600F1-3627-41D1-88ED-DAED64E41316}"/>
-          </ac:spMkLst>
-        </pc:spChg>
-        <pc:spChg chg="add mod">
-          <ac:chgData name="Yarin Ifargan" userId="fa381fb27c5a29d3" providerId="LiveId" clId="{7E083382-3419-434A-BABF-44686F64E288}" dt="2022-06-29T17:49:08.009" v="2577" actId="20577"/>
-          <ac:spMkLst>
-            <pc:docMk/>
-            <pc:sldMk cId="2516741665" sldId="260"/>
-            <ac:spMk id="7" creationId="{DDC0DE6F-F0D0-E295-0CCE-F30276CD266A}"/>
-          </ac:spMkLst>
-        </pc:spChg>
       </pc:sldChg>
-      <pc:sldChg chg="addSp delSp modSp mod">
-        <pc:chgData name="Yarin Ifargan" userId="fa381fb27c5a29d3" providerId="LiveId" clId="{7E083382-3419-434A-BABF-44686F64E288}" dt="2022-06-29T18:26:40.958" v="3278" actId="14100"/>
+      <pc:sldChg chg="modSp mod">
+        <pc:chgData name="Yarin Ifargan" userId="fa381fb27c5a29d3" providerId="LiveId" clId="{8B86CED2-B106-4055-A0C3-9FCA87BDCA2A}" dt="2022-07-01T13:30:22.678" v="1216" actId="1036"/>
         <pc:sldMkLst>
           <pc:docMk/>
           <pc:sldMk cId="2488177922" sldId="261"/>
         </pc:sldMkLst>
         <pc:spChg chg="mod">
-          <ac:chgData name="Yarin Ifargan" userId="fa381fb27c5a29d3" providerId="LiveId" clId="{7E083382-3419-434A-BABF-44686F64E288}" dt="2022-06-29T18:26:40.958" v="3278" actId="14100"/>
+          <ac:chgData name="Yarin Ifargan" userId="fa381fb27c5a29d3" providerId="LiveId" clId="{8B86CED2-B106-4055-A0C3-9FCA87BDCA2A}" dt="2022-07-01T13:30:15.119" v="1177" actId="1036"/>
           <ac:spMkLst>
             <pc:docMk/>
             <pc:sldMk cId="2488177922" sldId="261"/>
@@ -526,84 +250,37 @@
           </ac:spMkLst>
         </pc:spChg>
         <pc:spChg chg="mod">
-          <ac:chgData name="Yarin Ifargan" userId="fa381fb27c5a29d3" providerId="LiveId" clId="{7E083382-3419-434A-BABF-44686F64E288}" dt="2022-06-29T16:11:44.951" v="580" actId="20577"/>
+          <ac:chgData name="Yarin Ifargan" userId="fa381fb27c5a29d3" providerId="LiveId" clId="{8B86CED2-B106-4055-A0C3-9FCA87BDCA2A}" dt="2022-07-01T13:30:22.678" v="1216" actId="1036"/>
           <ac:spMkLst>
             <pc:docMk/>
             <pc:sldMk cId="2488177922" sldId="261"/>
             <ac:spMk id="3" creationId="{41C69FA3-DBBF-47AD-B2AE-28FD1C41DAFD}"/>
           </ac:spMkLst>
         </pc:spChg>
-        <pc:spChg chg="del">
-          <ac:chgData name="Yarin Ifargan" userId="fa381fb27c5a29d3" providerId="LiveId" clId="{7E083382-3419-434A-BABF-44686F64E288}" dt="2022-06-29T17:46:31.322" v="2550" actId="478"/>
-          <ac:spMkLst>
-            <pc:docMk/>
-            <pc:sldMk cId="2488177922" sldId="261"/>
-            <ac:spMk id="4" creationId="{3651E1BE-2949-4A27-A9B1-80E718DE0179}"/>
-          </ac:spMkLst>
-        </pc:spChg>
-        <pc:spChg chg="add mod">
-          <ac:chgData name="Yarin Ifargan" userId="fa381fb27c5a29d3" providerId="LiveId" clId="{7E083382-3419-434A-BABF-44686F64E288}" dt="2022-06-29T17:49:14.286" v="2579" actId="20577"/>
-          <ac:spMkLst>
-            <pc:docMk/>
-            <pc:sldMk cId="2488177922" sldId="261"/>
-            <ac:spMk id="7" creationId="{67B69D0A-B444-8977-D8BF-EA4A32396507}"/>
-          </ac:spMkLst>
-        </pc:spChg>
       </pc:sldChg>
-      <pc:sldChg chg="addSp delSp modSp mod">
-        <pc:chgData name="Yarin Ifargan" userId="fa381fb27c5a29d3" providerId="LiveId" clId="{7E083382-3419-434A-BABF-44686F64E288}" dt="2022-06-29T18:28:02.234" v="3289" actId="1076"/>
+      <pc:sldChg chg="modSp mod">
+        <pc:chgData name="Yarin Ifargan" userId="fa381fb27c5a29d3" providerId="LiveId" clId="{8B86CED2-B106-4055-A0C3-9FCA87BDCA2A}" dt="2022-07-01T13:39:22.914" v="1328" actId="1036"/>
         <pc:sldMkLst>
           <pc:docMk/>
           <pc:sldMk cId="1208238032" sldId="262"/>
         </pc:sldMkLst>
         <pc:spChg chg="mod">
-          <ac:chgData name="Yarin Ifargan" userId="fa381fb27c5a29d3" providerId="LiveId" clId="{7E083382-3419-434A-BABF-44686F64E288}" dt="2022-06-29T18:28:02.234" v="3289" actId="1076"/>
+          <ac:chgData name="Yarin Ifargan" userId="fa381fb27c5a29d3" providerId="LiveId" clId="{8B86CED2-B106-4055-A0C3-9FCA87BDCA2A}" dt="2022-07-01T13:39:22.914" v="1328" actId="1036"/>
           <ac:spMkLst>
             <pc:docMk/>
             <pc:sldMk cId="1208238032" sldId="262"/>
             <ac:spMk id="2" creationId="{4CF13148-F621-4A65-9255-EBD14B11DEBB}"/>
           </ac:spMkLst>
         </pc:spChg>
-        <pc:spChg chg="del">
-          <ac:chgData name="Yarin Ifargan" userId="fa381fb27c5a29d3" providerId="LiveId" clId="{7E083382-3419-434A-BABF-44686F64E288}" dt="2022-06-29T17:46:37.747" v="2551" actId="478"/>
-          <ac:spMkLst>
-            <pc:docMk/>
-            <pc:sldMk cId="1208238032" sldId="262"/>
-            <ac:spMk id="4" creationId="{86A483EA-ABE0-414C-BFA2-A9A7708DD8AB}"/>
-          </ac:spMkLst>
-        </pc:spChg>
-        <pc:spChg chg="add mod">
-          <ac:chgData name="Yarin Ifargan" userId="fa381fb27c5a29d3" providerId="LiveId" clId="{7E083382-3419-434A-BABF-44686F64E288}" dt="2022-06-29T17:49:21.934" v="2581" actId="20577"/>
-          <ac:spMkLst>
-            <pc:docMk/>
-            <pc:sldMk cId="1208238032" sldId="262"/>
-            <ac:spMk id="7" creationId="{9DB33765-8CC3-FFE2-CE12-1805E5614DFE}"/>
-          </ac:spMkLst>
-        </pc:spChg>
-        <pc:graphicFrameChg chg="modGraphic">
-          <ac:chgData name="Yarin Ifargan" userId="fa381fb27c5a29d3" providerId="LiveId" clId="{7E083382-3419-434A-BABF-44686F64E288}" dt="2022-06-29T18:15:11.381" v="3255" actId="12385"/>
-          <ac:graphicFrameMkLst>
-            <pc:docMk/>
-            <pc:sldMk cId="1208238032" sldId="262"/>
-            <ac:graphicFrameMk id="5" creationId="{5DFA8157-12F5-4041-94AF-4450492BF3F1}"/>
-          </ac:graphicFrameMkLst>
-        </pc:graphicFrameChg>
       </pc:sldChg>
-      <pc:sldChg chg="del">
-        <pc:chgData name="Yarin Ifargan" userId="fa381fb27c5a29d3" providerId="LiveId" clId="{7E083382-3419-434A-BABF-44686F64E288}" dt="2022-06-29T16:32:06.460" v="924" actId="2696"/>
-        <pc:sldMkLst>
-          <pc:docMk/>
-          <pc:sldMk cId="2436952314" sldId="263"/>
-        </pc:sldMkLst>
-      </pc:sldChg>
-      <pc:sldChg chg="addSp delSp modSp mod">
-        <pc:chgData name="Yarin Ifargan" userId="fa381fb27c5a29d3" providerId="LiveId" clId="{7E083382-3419-434A-BABF-44686F64E288}" dt="2022-06-29T17:49:59.902" v="2593" actId="20577"/>
+      <pc:sldChg chg="modSp mod">
+        <pc:chgData name="Yarin Ifargan" userId="fa381fb27c5a29d3" providerId="LiveId" clId="{8B86CED2-B106-4055-A0C3-9FCA87BDCA2A}" dt="2022-07-01T13:33:00.358" v="1269" actId="14100"/>
         <pc:sldMkLst>
           <pc:docMk/>
           <pc:sldMk cId="1018123257" sldId="264"/>
         </pc:sldMkLst>
         <pc:spChg chg="mod">
-          <ac:chgData name="Yarin Ifargan" userId="fa381fb27c5a29d3" providerId="LiveId" clId="{7E083382-3419-434A-BABF-44686F64E288}" dt="2022-06-29T16:35:04.590" v="963" actId="207"/>
+          <ac:chgData name="Yarin Ifargan" userId="fa381fb27c5a29d3" providerId="LiveId" clId="{8B86CED2-B106-4055-A0C3-9FCA87BDCA2A}" dt="2022-07-01T13:33:00.358" v="1269" actId="14100"/>
           <ac:spMkLst>
             <pc:docMk/>
             <pc:sldMk cId="1018123257" sldId="264"/>
@@ -611,477 +288,135 @@
           </ac:spMkLst>
         </pc:spChg>
         <pc:spChg chg="mod">
-          <ac:chgData name="Yarin Ifargan" userId="fa381fb27c5a29d3" providerId="LiveId" clId="{7E083382-3419-434A-BABF-44686F64E288}" dt="2022-06-29T16:37:22.150" v="1039" actId="20577"/>
+          <ac:chgData name="Yarin Ifargan" userId="fa381fb27c5a29d3" providerId="LiveId" clId="{8B86CED2-B106-4055-A0C3-9FCA87BDCA2A}" dt="2022-07-01T12:57:03.017" v="116" actId="20577"/>
           <ac:spMkLst>
             <pc:docMk/>
             <pc:sldMk cId="1018123257" sldId="264"/>
             <ac:spMk id="3" creationId="{D656A6DF-CA21-415C-BD06-F69D763AD07E}"/>
           </ac:spMkLst>
         </pc:spChg>
-        <pc:spChg chg="del">
-          <ac:chgData name="Yarin Ifargan" userId="fa381fb27c5a29d3" providerId="LiveId" clId="{7E083382-3419-434A-BABF-44686F64E288}" dt="2022-06-29T17:47:07.091" v="2560" actId="478"/>
-          <ac:spMkLst>
-            <pc:docMk/>
-            <pc:sldMk cId="1018123257" sldId="264"/>
-            <ac:spMk id="5" creationId="{BEF1213A-40CF-4B36-A922-8364ADFB6DA5}"/>
-          </ac:spMkLst>
-        </pc:spChg>
-        <pc:spChg chg="add mod">
-          <ac:chgData name="Yarin Ifargan" userId="fa381fb27c5a29d3" providerId="LiveId" clId="{7E083382-3419-434A-BABF-44686F64E288}" dt="2022-06-29T17:49:59.902" v="2593" actId="20577"/>
-          <ac:spMkLst>
-            <pc:docMk/>
-            <pc:sldMk cId="1018123257" sldId="264"/>
-            <ac:spMk id="7" creationId="{8366F843-19A7-0917-37A4-E4FD6B6763E9}"/>
-          </ac:spMkLst>
-        </pc:spChg>
       </pc:sldChg>
-      <pc:sldChg chg="addSp delSp modSp mod">
-        <pc:chgData name="Yarin Ifargan" userId="fa381fb27c5a29d3" providerId="LiveId" clId="{7E083382-3419-434A-BABF-44686F64E288}" dt="2022-06-29T17:49:27.980" v="2583" actId="20577"/>
+      <pc:sldChg chg="modSp mod">
+        <pc:chgData name="Yarin Ifargan" userId="fa381fb27c5a29d3" providerId="LiveId" clId="{8B86CED2-B106-4055-A0C3-9FCA87BDCA2A}" dt="2022-07-01T13:31:15.830" v="1230" actId="14100"/>
         <pc:sldMkLst>
           <pc:docMk/>
           <pc:sldMk cId="3975303512" sldId="265"/>
         </pc:sldMkLst>
         <pc:spChg chg="mod">
-          <ac:chgData name="Yarin Ifargan" userId="fa381fb27c5a29d3" providerId="LiveId" clId="{7E083382-3419-434A-BABF-44686F64E288}" dt="2022-06-29T16:15:30.460" v="623" actId="207"/>
+          <ac:chgData name="Yarin Ifargan" userId="fa381fb27c5a29d3" providerId="LiveId" clId="{8B86CED2-B106-4055-A0C3-9FCA87BDCA2A}" dt="2022-07-01T13:31:15.830" v="1230" actId="14100"/>
           <ac:spMkLst>
             <pc:docMk/>
             <pc:sldMk cId="3975303512" sldId="265"/>
             <ac:spMk id="2" creationId="{F01B0D43-EC2C-4DFC-BFAF-C3A50B8ADD5E}"/>
           </ac:spMkLst>
         </pc:spChg>
-        <pc:spChg chg="del">
-          <ac:chgData name="Yarin Ifargan" userId="fa381fb27c5a29d3" providerId="LiveId" clId="{7E083382-3419-434A-BABF-44686F64E288}" dt="2022-06-29T17:46:46.112" v="2552" actId="478"/>
-          <ac:spMkLst>
-            <pc:docMk/>
-            <pc:sldMk cId="3975303512" sldId="265"/>
-            <ac:spMk id="4" creationId="{A066C140-BE88-4116-8D98-3931DD2C235F}"/>
-          </ac:spMkLst>
-        </pc:spChg>
-        <pc:spChg chg="add mod">
-          <ac:chgData name="Yarin Ifargan" userId="fa381fb27c5a29d3" providerId="LiveId" clId="{7E083382-3419-434A-BABF-44686F64E288}" dt="2022-06-29T17:49:27.980" v="2583" actId="20577"/>
-          <ac:spMkLst>
-            <pc:docMk/>
-            <pc:sldMk cId="3975303512" sldId="265"/>
-            <ac:spMk id="7" creationId="{8F21A375-6B9E-E149-0DFF-7E7D23B3DD11}"/>
-          </ac:spMkLst>
-        </pc:spChg>
       </pc:sldChg>
-      <pc:sldChg chg="addSp delSp modSp mod">
-        <pc:chgData name="Yarin Ifargan" userId="fa381fb27c5a29d3" providerId="LiveId" clId="{7E083382-3419-434A-BABF-44686F64E288}" dt="2022-06-29T17:49:39.590" v="2587" actId="20577"/>
+      <pc:sldChg chg="modSp mod">
+        <pc:chgData name="Yarin Ifargan" userId="fa381fb27c5a29d3" providerId="LiveId" clId="{8B86CED2-B106-4055-A0C3-9FCA87BDCA2A}" dt="2022-07-01T13:31:40.330" v="1235" actId="1076"/>
         <pc:sldMkLst>
           <pc:docMk/>
           <pc:sldMk cId="2527864770" sldId="266"/>
         </pc:sldMkLst>
         <pc:spChg chg="mod">
-          <ac:chgData name="Yarin Ifargan" userId="fa381fb27c5a29d3" providerId="LiveId" clId="{7E083382-3419-434A-BABF-44686F64E288}" dt="2022-06-29T16:24:12.368" v="809" actId="20577"/>
+          <ac:chgData name="Yarin Ifargan" userId="fa381fb27c5a29d3" providerId="LiveId" clId="{8B86CED2-B106-4055-A0C3-9FCA87BDCA2A}" dt="2022-07-01T13:31:40.330" v="1235" actId="1076"/>
           <ac:spMkLst>
             <pc:docMk/>
             <pc:sldMk cId="2527864770" sldId="266"/>
             <ac:spMk id="2" creationId="{4AD6F9C5-E3A9-46CB-A2C0-DAB4289EE23C}"/>
           </ac:spMkLst>
         </pc:spChg>
-        <pc:spChg chg="del mod">
-          <ac:chgData name="Yarin Ifargan" userId="fa381fb27c5a29d3" providerId="LiveId" clId="{7E083382-3419-434A-BABF-44686F64E288}" dt="2022-06-29T17:46:59.140" v="2557" actId="478"/>
-          <ac:spMkLst>
-            <pc:docMk/>
-            <pc:sldMk cId="2527864770" sldId="266"/>
-            <ac:spMk id="4" creationId="{220C4FDD-05E2-479B-B1D4-7D18E0ADDAF3}"/>
-          </ac:spMkLst>
-        </pc:spChg>
-        <pc:spChg chg="add del mod">
-          <ac:chgData name="Yarin Ifargan" userId="fa381fb27c5a29d3" providerId="LiveId" clId="{7E083382-3419-434A-BABF-44686F64E288}" dt="2022-06-29T16:20:59.841" v="704" actId="478"/>
-          <ac:spMkLst>
-            <pc:docMk/>
-            <pc:sldMk cId="2527864770" sldId="266"/>
-            <ac:spMk id="5" creationId="{70F4C650-138B-7D6E-6122-16579FE67AF1}"/>
-          </ac:spMkLst>
-        </pc:spChg>
-        <pc:spChg chg="add mod">
-          <ac:chgData name="Yarin Ifargan" userId="fa381fb27c5a29d3" providerId="LiveId" clId="{7E083382-3419-434A-BABF-44686F64E288}" dt="2022-06-29T17:49:39.590" v="2587" actId="20577"/>
-          <ac:spMkLst>
-            <pc:docMk/>
-            <pc:sldMk cId="2527864770" sldId="266"/>
-            <ac:spMk id="13" creationId="{72686D69-B5B9-2E74-8F60-1F561DA3F1B6}"/>
-          </ac:spMkLst>
-        </pc:spChg>
-        <pc:picChg chg="add mod">
-          <ac:chgData name="Yarin Ifargan" userId="fa381fb27c5a29d3" providerId="LiveId" clId="{7E083382-3419-434A-BABF-44686F64E288}" dt="2022-06-29T16:22:55.079" v="746" actId="14100"/>
-          <ac:picMkLst>
-            <pc:docMk/>
-            <pc:sldMk cId="2527864770" sldId="266"/>
-            <ac:picMk id="7" creationId="{C3A4442A-DED3-C0ED-C4AD-D11D8E394AD3}"/>
-          </ac:picMkLst>
-        </pc:picChg>
-        <pc:picChg chg="add mod">
-          <ac:chgData name="Yarin Ifargan" userId="fa381fb27c5a29d3" providerId="LiveId" clId="{7E083382-3419-434A-BABF-44686F64E288}" dt="2022-06-29T16:23:03.154" v="749" actId="1076"/>
-          <ac:picMkLst>
-            <pc:docMk/>
-            <pc:sldMk cId="2527864770" sldId="266"/>
-            <ac:picMk id="9" creationId="{BFCCF390-B8BA-6B7B-B823-0E789F669F49}"/>
-          </ac:picMkLst>
-        </pc:picChg>
-        <pc:picChg chg="del">
-          <ac:chgData name="Yarin Ifargan" userId="fa381fb27c5a29d3" providerId="LiveId" clId="{7E083382-3419-434A-BABF-44686F64E288}" dt="2022-06-29T16:20:57.041" v="703" actId="478"/>
-          <ac:picMkLst>
-            <pc:docMk/>
-            <pc:sldMk cId="2527864770" sldId="266"/>
-            <ac:picMk id="19" creationId="{0BD504FE-87F4-4F24-A9E9-9DD9474AD5BF}"/>
-          </ac:picMkLst>
-        </pc:picChg>
       </pc:sldChg>
-      <pc:sldChg chg="addSp delSp modSp mod">
-        <pc:chgData name="Yarin Ifargan" userId="fa381fb27c5a29d3" providerId="LiveId" clId="{7E083382-3419-434A-BABF-44686F64E288}" dt="2022-06-29T17:49:45.450" v="2589" actId="20577"/>
+      <pc:sldChg chg="modSp mod">
+        <pc:chgData name="Yarin Ifargan" userId="fa381fb27c5a29d3" providerId="LiveId" clId="{8B86CED2-B106-4055-A0C3-9FCA87BDCA2A}" dt="2022-07-01T13:32:00.593" v="1241" actId="403"/>
         <pc:sldMkLst>
           <pc:docMk/>
           <pc:sldMk cId="1093211738" sldId="267"/>
         </pc:sldMkLst>
         <pc:spChg chg="mod">
-          <ac:chgData name="Yarin Ifargan" userId="fa381fb27c5a29d3" providerId="LiveId" clId="{7E083382-3419-434A-BABF-44686F64E288}" dt="2022-06-29T16:25:32.949" v="832" actId="207"/>
+          <ac:chgData name="Yarin Ifargan" userId="fa381fb27c5a29d3" providerId="LiveId" clId="{8B86CED2-B106-4055-A0C3-9FCA87BDCA2A}" dt="2022-07-01T13:32:00.593" v="1241" actId="403"/>
           <ac:spMkLst>
             <pc:docMk/>
             <pc:sldMk cId="1093211738" sldId="267"/>
             <ac:spMk id="2" creationId="{4AD6F9C5-E3A9-46CB-A2C0-DAB4289EE23C}"/>
           </ac:spMkLst>
         </pc:spChg>
-        <pc:spChg chg="del">
-          <ac:chgData name="Yarin Ifargan" userId="fa381fb27c5a29d3" providerId="LiveId" clId="{7E083382-3419-434A-BABF-44686F64E288}" dt="2022-06-29T17:47:02.641" v="2558" actId="478"/>
-          <ac:spMkLst>
-            <pc:docMk/>
-            <pc:sldMk cId="1093211738" sldId="267"/>
-            <ac:spMk id="4" creationId="{220C4FDD-05E2-479B-B1D4-7D18E0ADDAF3}"/>
-          </ac:spMkLst>
-        </pc:spChg>
-        <pc:spChg chg="add del mod">
-          <ac:chgData name="Yarin Ifargan" userId="fa381fb27c5a29d3" providerId="LiveId" clId="{7E083382-3419-434A-BABF-44686F64E288}" dt="2022-06-29T16:25:19.417" v="829" actId="478"/>
-          <ac:spMkLst>
-            <pc:docMk/>
-            <pc:sldMk cId="1093211738" sldId="267"/>
-            <ac:spMk id="5" creationId="{51D623B1-ACCB-C61D-36A1-4E0979BFFAE5}"/>
-          </ac:spMkLst>
-        </pc:spChg>
-        <pc:spChg chg="add mod">
-          <ac:chgData name="Yarin Ifargan" userId="fa381fb27c5a29d3" providerId="LiveId" clId="{7E083382-3419-434A-BABF-44686F64E288}" dt="2022-06-29T17:49:45.450" v="2589" actId="20577"/>
-          <ac:spMkLst>
-            <pc:docMk/>
-            <pc:sldMk cId="1093211738" sldId="267"/>
-            <ac:spMk id="13" creationId="{99233C30-AC75-3F37-576E-3FBC8199097C}"/>
-          </ac:spMkLst>
-        </pc:spChg>
-        <pc:picChg chg="add mod">
-          <ac:chgData name="Yarin Ifargan" userId="fa381fb27c5a29d3" providerId="LiveId" clId="{7E083382-3419-434A-BABF-44686F64E288}" dt="2022-06-29T16:26:43.410" v="866" actId="1038"/>
-          <ac:picMkLst>
-            <pc:docMk/>
-            <pc:sldMk cId="1093211738" sldId="267"/>
-            <ac:picMk id="7" creationId="{D112829B-4FBD-E3F1-45AE-61F0F571BEDD}"/>
-          </ac:picMkLst>
-        </pc:picChg>
-        <pc:picChg chg="add mod">
-          <ac:chgData name="Yarin Ifargan" userId="fa381fb27c5a29d3" providerId="LiveId" clId="{7E083382-3419-434A-BABF-44686F64E288}" dt="2022-06-29T16:26:29.075" v="838" actId="14100"/>
-          <ac:picMkLst>
-            <pc:docMk/>
-            <pc:sldMk cId="1093211738" sldId="267"/>
-            <ac:picMk id="9" creationId="{EFAD4579-FD08-011E-52B7-4610C85B5B60}"/>
-          </ac:picMkLst>
-        </pc:picChg>
-        <pc:picChg chg="del">
-          <ac:chgData name="Yarin Ifargan" userId="fa381fb27c5a29d3" providerId="LiveId" clId="{7E083382-3419-434A-BABF-44686F64E288}" dt="2022-06-29T16:25:17.194" v="828" actId="478"/>
-          <ac:picMkLst>
-            <pc:docMk/>
-            <pc:sldMk cId="1093211738" sldId="267"/>
-            <ac:picMk id="10" creationId="{6DB9D669-92F7-4BF1-947E-9B824191F3C2}"/>
-          </ac:picMkLst>
-        </pc:picChg>
       </pc:sldChg>
-      <pc:sldChg chg="addSp delSp modSp mod">
-        <pc:chgData name="Yarin Ifargan" userId="fa381fb27c5a29d3" providerId="LiveId" clId="{7E083382-3419-434A-BABF-44686F64E288}" dt="2022-06-29T17:49:50.652" v="2591" actId="20577"/>
+      <pc:sldChg chg="modSp mod">
+        <pc:chgData name="Yarin Ifargan" userId="fa381fb27c5a29d3" providerId="LiveId" clId="{8B86CED2-B106-4055-A0C3-9FCA87BDCA2A}" dt="2022-07-01T13:32:41.555" v="1266" actId="1035"/>
         <pc:sldMkLst>
           <pc:docMk/>
           <pc:sldMk cId="3117013359" sldId="268"/>
         </pc:sldMkLst>
         <pc:spChg chg="mod">
-          <ac:chgData name="Yarin Ifargan" userId="fa381fb27c5a29d3" providerId="LiveId" clId="{7E083382-3419-434A-BABF-44686F64E288}" dt="2022-06-29T16:28:38.618" v="911" actId="207"/>
+          <ac:chgData name="Yarin Ifargan" userId="fa381fb27c5a29d3" providerId="LiveId" clId="{8B86CED2-B106-4055-A0C3-9FCA87BDCA2A}" dt="2022-07-01T13:32:41.555" v="1266" actId="1035"/>
           <ac:spMkLst>
             <pc:docMk/>
             <pc:sldMk cId="3117013359" sldId="268"/>
             <ac:spMk id="2" creationId="{4AD6F9C5-E3A9-46CB-A2C0-DAB4289EE23C}"/>
           </ac:spMkLst>
         </pc:spChg>
-        <pc:spChg chg="del">
-          <ac:chgData name="Yarin Ifargan" userId="fa381fb27c5a29d3" providerId="LiveId" clId="{7E083382-3419-434A-BABF-44686F64E288}" dt="2022-06-29T17:47:04.848" v="2559" actId="478"/>
-          <ac:spMkLst>
-            <pc:docMk/>
-            <pc:sldMk cId="3117013359" sldId="268"/>
-            <ac:spMk id="4" creationId="{220C4FDD-05E2-479B-B1D4-7D18E0ADDAF3}"/>
-          </ac:spMkLst>
-        </pc:spChg>
-        <pc:spChg chg="add del mod">
-          <ac:chgData name="Yarin Ifargan" userId="fa381fb27c5a29d3" providerId="LiveId" clId="{7E083382-3419-434A-BABF-44686F64E288}" dt="2022-06-29T16:28:46.625" v="913" actId="478"/>
-          <ac:spMkLst>
-            <pc:docMk/>
-            <pc:sldMk cId="3117013359" sldId="268"/>
-            <ac:spMk id="5" creationId="{D91FB640-CA3C-E686-78FC-EF83A4D4ABEA}"/>
-          </ac:spMkLst>
-        </pc:spChg>
-        <pc:spChg chg="add mod">
-          <ac:chgData name="Yarin Ifargan" userId="fa381fb27c5a29d3" providerId="LiveId" clId="{7E083382-3419-434A-BABF-44686F64E288}" dt="2022-06-29T17:49:50.652" v="2591" actId="20577"/>
-          <ac:spMkLst>
-            <pc:docMk/>
-            <pc:sldMk cId="3117013359" sldId="268"/>
-            <ac:spMk id="13" creationId="{72A8519C-5383-7162-962C-E2AE2C936DFB}"/>
-          </ac:spMkLst>
-        </pc:spChg>
-        <pc:picChg chg="del">
-          <ac:chgData name="Yarin Ifargan" userId="fa381fb27c5a29d3" providerId="LiveId" clId="{7E083382-3419-434A-BABF-44686F64E288}" dt="2022-06-29T16:28:40.510" v="912" actId="478"/>
-          <ac:picMkLst>
-            <pc:docMk/>
-            <pc:sldMk cId="3117013359" sldId="268"/>
-            <ac:picMk id="7" creationId="{A8CFD4B7-1942-4A6B-9397-BD71C518CF94}"/>
-          </ac:picMkLst>
-        </pc:picChg>
-        <pc:picChg chg="add mod">
-          <ac:chgData name="Yarin Ifargan" userId="fa381fb27c5a29d3" providerId="LiveId" clId="{7E083382-3419-434A-BABF-44686F64E288}" dt="2022-06-29T16:30:42.060" v="921" actId="1076"/>
-          <ac:picMkLst>
-            <pc:docMk/>
-            <pc:sldMk cId="3117013359" sldId="268"/>
-            <ac:picMk id="8" creationId="{23D5065B-F080-A2E3-1908-598A4A8B0EBE}"/>
-          </ac:picMkLst>
-        </pc:picChg>
-        <pc:picChg chg="add mod">
-          <ac:chgData name="Yarin Ifargan" userId="fa381fb27c5a29d3" providerId="LiveId" clId="{7E083382-3419-434A-BABF-44686F64E288}" dt="2022-06-29T16:30:45.226" v="922" actId="1076"/>
-          <ac:picMkLst>
-            <pc:docMk/>
-            <pc:sldMk cId="3117013359" sldId="268"/>
-            <ac:picMk id="10" creationId="{11FD188C-928D-8796-60B6-2B3024DD26CD}"/>
-          </ac:picMkLst>
-        </pc:picChg>
       </pc:sldChg>
-      <pc:sldChg chg="del">
-        <pc:chgData name="Yarin Ifargan" userId="fa381fb27c5a29d3" providerId="LiveId" clId="{7E083382-3419-434A-BABF-44686F64E288}" dt="2022-06-29T16:31:10.306" v="923" actId="2696"/>
-        <pc:sldMkLst>
-          <pc:docMk/>
-          <pc:sldMk cId="2058972918" sldId="269"/>
-        </pc:sldMkLst>
-      </pc:sldChg>
-      <pc:sldChg chg="addSp delSp modSp mod ord">
-        <pc:chgData name="Yarin Ifargan" userId="fa381fb27c5a29d3" providerId="LiveId" clId="{7E083382-3419-434A-BABF-44686F64E288}" dt="2022-06-29T18:28:27.300" v="3294" actId="1076"/>
+      <pc:sldChg chg="modSp mod">
+        <pc:chgData name="Yarin Ifargan" userId="fa381fb27c5a29d3" providerId="LiveId" clId="{8B86CED2-B106-4055-A0C3-9FCA87BDCA2A}" dt="2022-07-01T13:31:24.342" v="1232" actId="1076"/>
         <pc:sldMkLst>
           <pc:docMk/>
           <pc:sldMk cId="3000845378" sldId="270"/>
         </pc:sldMkLst>
         <pc:spChg chg="mod">
-          <ac:chgData name="Yarin Ifargan" userId="fa381fb27c5a29d3" providerId="LiveId" clId="{7E083382-3419-434A-BABF-44686F64E288}" dt="2022-06-29T18:28:27.300" v="3294" actId="1076"/>
+          <ac:chgData name="Yarin Ifargan" userId="fa381fb27c5a29d3" providerId="LiveId" clId="{8B86CED2-B106-4055-A0C3-9FCA87BDCA2A}" dt="2022-07-01T13:31:24.342" v="1232" actId="1076"/>
           <ac:spMkLst>
             <pc:docMk/>
             <pc:sldMk cId="3000845378" sldId="270"/>
             <ac:spMk id="2" creationId="{4AD6F9C5-E3A9-46CB-A2C0-DAB4289EE23C}"/>
           </ac:spMkLst>
         </pc:spChg>
-        <pc:spChg chg="del">
-          <ac:chgData name="Yarin Ifargan" userId="fa381fb27c5a29d3" providerId="LiveId" clId="{7E083382-3419-434A-BABF-44686F64E288}" dt="2022-06-29T17:46:55.778" v="2555" actId="478"/>
-          <ac:spMkLst>
-            <pc:docMk/>
-            <pc:sldMk cId="3000845378" sldId="270"/>
-            <ac:spMk id="4" creationId="{220C4FDD-05E2-479B-B1D4-7D18E0ADDAF3}"/>
-          </ac:spMkLst>
-        </pc:spChg>
-        <pc:spChg chg="add del mod">
-          <ac:chgData name="Yarin Ifargan" userId="fa381fb27c5a29d3" providerId="LiveId" clId="{7E083382-3419-434A-BABF-44686F64E288}" dt="2022-06-29T16:17:01.327" v="630" actId="478"/>
-          <ac:spMkLst>
-            <pc:docMk/>
-            <pc:sldMk cId="3000845378" sldId="270"/>
-            <ac:spMk id="6" creationId="{C05C44E0-4431-FF93-D167-890A03E6155A}"/>
-          </ac:spMkLst>
-        </pc:spChg>
-        <pc:spChg chg="add mod">
-          <ac:chgData name="Yarin Ifargan" userId="fa381fb27c5a29d3" providerId="LiveId" clId="{7E083382-3419-434A-BABF-44686F64E288}" dt="2022-06-29T17:49:34.021" v="2585" actId="20577"/>
-          <ac:spMkLst>
-            <pc:docMk/>
-            <pc:sldMk cId="3000845378" sldId="270"/>
-            <ac:spMk id="13" creationId="{629C9C22-42CF-B628-A90E-5E8B5A26110F}"/>
-          </ac:spMkLst>
-        </pc:spChg>
-        <pc:picChg chg="del">
-          <ac:chgData name="Yarin Ifargan" userId="fa381fb27c5a29d3" providerId="LiveId" clId="{7E083382-3419-434A-BABF-44686F64E288}" dt="2022-06-29T16:16:26.554" v="624" actId="478"/>
-          <ac:picMkLst>
-            <pc:docMk/>
-            <pc:sldMk cId="3000845378" sldId="270"/>
-            <ac:picMk id="5" creationId="{F8358EF3-3647-4345-A6E1-F3CF1462691A}"/>
-          </ac:picMkLst>
-        </pc:picChg>
-        <pc:picChg chg="add mod">
-          <ac:chgData name="Yarin Ifargan" userId="fa381fb27c5a29d3" providerId="LiveId" clId="{7E083382-3419-434A-BABF-44686F64E288}" dt="2022-06-29T16:17:56.062" v="640" actId="14100"/>
-          <ac:picMkLst>
-            <pc:docMk/>
-            <pc:sldMk cId="3000845378" sldId="270"/>
-            <ac:picMk id="8" creationId="{6B2BA2B3-ECA8-EDBF-BC72-B16A4C2EA7C7}"/>
-          </ac:picMkLst>
-        </pc:picChg>
-        <pc:picChg chg="add mod">
-          <ac:chgData name="Yarin Ifargan" userId="fa381fb27c5a29d3" providerId="LiveId" clId="{7E083382-3419-434A-BABF-44686F64E288}" dt="2022-06-29T16:17:58.034" v="641" actId="14100"/>
-          <ac:picMkLst>
-            <pc:docMk/>
-            <pc:sldMk cId="3000845378" sldId="270"/>
-            <ac:picMk id="10" creationId="{15E01BE8-0E88-027E-51B9-51C9F5493E27}"/>
-          </ac:picMkLst>
-        </pc:picChg>
       </pc:sldChg>
-      <pc:sldChg chg="addSp delSp modSp mod">
-        <pc:chgData name="Yarin Ifargan" userId="fa381fb27c5a29d3" providerId="LiveId" clId="{7E083382-3419-434A-BABF-44686F64E288}" dt="2022-06-29T17:50:06.983" v="2595" actId="20577"/>
+      <pc:sldChg chg="modSp mod">
+        <pc:chgData name="Yarin Ifargan" userId="fa381fb27c5a29d3" providerId="LiveId" clId="{8B86CED2-B106-4055-A0C3-9FCA87BDCA2A}" dt="2022-07-01T13:33:14.330" v="1271" actId="1076"/>
         <pc:sldMkLst>
           <pc:docMk/>
           <pc:sldMk cId="683421504" sldId="271"/>
         </pc:sldMkLst>
         <pc:spChg chg="mod">
-          <ac:chgData name="Yarin Ifargan" userId="fa381fb27c5a29d3" providerId="LiveId" clId="{7E083382-3419-434A-BABF-44686F64E288}" dt="2022-06-29T16:48:55.685" v="1190" actId="1076"/>
+          <ac:chgData name="Yarin Ifargan" userId="fa381fb27c5a29d3" providerId="LiveId" clId="{8B86CED2-B106-4055-A0C3-9FCA87BDCA2A}" dt="2022-07-01T13:33:14.330" v="1271" actId="1076"/>
           <ac:spMkLst>
             <pc:docMk/>
             <pc:sldMk cId="683421504" sldId="271"/>
             <ac:spMk id="2" creationId="{B15A6F1E-F0C4-40D9-938D-449EFF727C5C}"/>
           </ac:spMkLst>
         </pc:spChg>
-        <pc:spChg chg="del">
-          <ac:chgData name="Yarin Ifargan" userId="fa381fb27c5a29d3" providerId="LiveId" clId="{7E083382-3419-434A-BABF-44686F64E288}" dt="2022-06-29T17:47:09.464" v="2561" actId="478"/>
-          <ac:spMkLst>
-            <pc:docMk/>
-            <pc:sldMk cId="683421504" sldId="271"/>
-            <ac:spMk id="5" creationId="{F4A4AE90-CB54-4F62-AD39-0124707A7F7A}"/>
-          </ac:spMkLst>
-        </pc:spChg>
         <pc:spChg chg="mod">
-          <ac:chgData name="Yarin Ifargan" userId="fa381fb27c5a29d3" providerId="LiveId" clId="{7E083382-3419-434A-BABF-44686F64E288}" dt="2022-06-29T16:49:08.408" v="1193" actId="1076"/>
+          <ac:chgData name="Yarin Ifargan" userId="fa381fb27c5a29d3" providerId="LiveId" clId="{8B86CED2-B106-4055-A0C3-9FCA87BDCA2A}" dt="2022-07-01T12:57:48.731" v="117" actId="1076"/>
           <ac:spMkLst>
             <pc:docMk/>
             <pc:sldMk cId="683421504" sldId="271"/>
             <ac:spMk id="7" creationId="{0945DB93-B821-4B05-A86B-B2D75F23181F}"/>
           </ac:spMkLst>
         </pc:spChg>
-        <pc:spChg chg="add del mod">
-          <ac:chgData name="Yarin Ifargan" userId="fa381fb27c5a29d3" providerId="LiveId" clId="{7E083382-3419-434A-BABF-44686F64E288}" dt="2022-06-29T16:47:04.431" v="1186" actId="478"/>
-          <ac:spMkLst>
-            <pc:docMk/>
-            <pc:sldMk cId="683421504" sldId="271"/>
-            <ac:spMk id="8" creationId="{5FBE536E-C66A-77DE-1BA2-24CC0B2637AA}"/>
-          </ac:spMkLst>
-        </pc:spChg>
-        <pc:spChg chg="add mod">
-          <ac:chgData name="Yarin Ifargan" userId="fa381fb27c5a29d3" providerId="LiveId" clId="{7E083382-3419-434A-BABF-44686F64E288}" dt="2022-06-29T17:50:06.983" v="2595" actId="20577"/>
-          <ac:spMkLst>
-            <pc:docMk/>
-            <pc:sldMk cId="683421504" sldId="271"/>
-            <ac:spMk id="13" creationId="{29F971B2-DBB4-880D-49CA-DC82320E714D}"/>
-          </ac:spMkLst>
-        </pc:spChg>
-        <pc:graphicFrameChg chg="del">
-          <ac:chgData name="Yarin Ifargan" userId="fa381fb27c5a29d3" providerId="LiveId" clId="{7E083382-3419-434A-BABF-44686F64E288}" dt="2022-06-29T16:47:02.359" v="1185" actId="478"/>
-          <ac:graphicFrameMkLst>
-            <pc:docMk/>
-            <pc:sldMk cId="683421504" sldId="271"/>
-            <ac:graphicFrameMk id="6" creationId="{9A00E360-D35F-4B45-AE28-36BB72BEDD6A}"/>
-          </ac:graphicFrameMkLst>
-        </pc:graphicFrameChg>
-        <pc:picChg chg="add mod">
-          <ac:chgData name="Yarin Ifargan" userId="fa381fb27c5a29d3" providerId="LiveId" clId="{7E083382-3419-434A-BABF-44686F64E288}" dt="2022-06-29T16:49:15.235" v="1195" actId="1076"/>
-          <ac:picMkLst>
-            <pc:docMk/>
-            <pc:sldMk cId="683421504" sldId="271"/>
-            <ac:picMk id="10" creationId="{28717306-00DD-023F-0EB7-5A9331765D94}"/>
-          </ac:picMkLst>
-        </pc:picChg>
       </pc:sldChg>
-      <pc:sldChg chg="del">
-        <pc:chgData name="Yarin Ifargan" userId="fa381fb27c5a29d3" providerId="LiveId" clId="{7E083382-3419-434A-BABF-44686F64E288}" dt="2022-06-29T16:52:18.537" v="1196" actId="2696"/>
-        <pc:sldMkLst>
-          <pc:docMk/>
-          <pc:sldMk cId="1433896918" sldId="272"/>
-        </pc:sldMkLst>
-      </pc:sldChg>
-      <pc:sldChg chg="addSp delSp modSp mod">
-        <pc:chgData name="Yarin Ifargan" userId="fa381fb27c5a29d3" providerId="LiveId" clId="{7E083382-3419-434A-BABF-44686F64E288}" dt="2022-06-29T17:50:22.062" v="2599" actId="20577"/>
+      <pc:sldChg chg="modSp mod">
+        <pc:chgData name="Yarin Ifargan" userId="fa381fb27c5a29d3" providerId="LiveId" clId="{8B86CED2-B106-4055-A0C3-9FCA87BDCA2A}" dt="2022-07-01T13:26:04.947" v="1037" actId="122"/>
         <pc:sldMkLst>
           <pc:docMk/>
           <pc:sldMk cId="927216728" sldId="273"/>
         </pc:sldMkLst>
         <pc:spChg chg="mod">
-          <ac:chgData name="Yarin Ifargan" userId="fa381fb27c5a29d3" providerId="LiveId" clId="{7E083382-3419-434A-BABF-44686F64E288}" dt="2022-06-29T17:20:29.829" v="1618" actId="14100"/>
+          <ac:chgData name="Yarin Ifargan" userId="fa381fb27c5a29d3" providerId="LiveId" clId="{8B86CED2-B106-4055-A0C3-9FCA87BDCA2A}" dt="2022-07-01T13:26:04.947" v="1037" actId="122"/>
           <ac:spMkLst>
             <pc:docMk/>
             <pc:sldMk cId="927216728" sldId="273"/>
             <ac:spMk id="2" creationId="{672D3A6C-4F47-4ACC-9ADB-181B4163E786}"/>
           </ac:spMkLst>
         </pc:spChg>
-        <pc:spChg chg="del">
-          <ac:chgData name="Yarin Ifargan" userId="fa381fb27c5a29d3" providerId="LiveId" clId="{7E083382-3419-434A-BABF-44686F64E288}" dt="2022-06-29T17:47:13.704" v="2563" actId="478"/>
-          <ac:spMkLst>
-            <pc:docMk/>
-            <pc:sldMk cId="927216728" sldId="273"/>
-            <ac:spMk id="4" creationId="{0DED0946-805A-407B-BF89-8D145074B091}"/>
-          </ac:spMkLst>
-        </pc:spChg>
-        <pc:spChg chg="add del mod">
-          <ac:chgData name="Yarin Ifargan" userId="fa381fb27c5a29d3" providerId="LiveId" clId="{7E083382-3419-434A-BABF-44686F64E288}" dt="2022-06-29T16:55:14.363" v="1287" actId="478"/>
-          <ac:spMkLst>
-            <pc:docMk/>
-            <pc:sldMk cId="927216728" sldId="273"/>
-            <ac:spMk id="5" creationId="{92322915-8C5D-23F4-A7E5-9525940D5C39}"/>
-          </ac:spMkLst>
-        </pc:spChg>
-        <pc:spChg chg="mod">
-          <ac:chgData name="Yarin Ifargan" userId="fa381fb27c5a29d3" providerId="LiveId" clId="{7E083382-3419-434A-BABF-44686F64E288}" dt="2022-06-29T17:14:10.091" v="1575" actId="1076"/>
-          <ac:spMkLst>
-            <pc:docMk/>
-            <pc:sldMk cId="927216728" sldId="273"/>
-            <ac:spMk id="6" creationId="{65A5DA82-3E82-4B54-A0B9-4EDBE1FB8FE4}"/>
-          </ac:spMkLst>
-        </pc:spChg>
-        <pc:spChg chg="add mod">
-          <ac:chgData name="Yarin Ifargan" userId="fa381fb27c5a29d3" providerId="LiveId" clId="{7E083382-3419-434A-BABF-44686F64E288}" dt="2022-06-29T17:50:22.062" v="2599" actId="20577"/>
-          <ac:spMkLst>
-            <pc:docMk/>
-            <pc:sldMk cId="927216728" sldId="273"/>
-            <ac:spMk id="16" creationId="{5AC28B67-26CD-E78B-3531-0F25EDAD69E1}"/>
-          </ac:spMkLst>
-        </pc:spChg>
-        <pc:picChg chg="add mod ord">
-          <ac:chgData name="Yarin Ifargan" userId="fa381fb27c5a29d3" providerId="LiveId" clId="{7E083382-3419-434A-BABF-44686F64E288}" dt="2022-06-29T17:12:20.188" v="1563" actId="14100"/>
-          <ac:picMkLst>
-            <pc:docMk/>
-            <pc:sldMk cId="927216728" sldId="273"/>
-            <ac:picMk id="8" creationId="{2BC5F017-380C-9D73-FCA2-ED855C44E485}"/>
-          </ac:picMkLst>
-        </pc:picChg>
-        <pc:picChg chg="add mod modCrop">
-          <ac:chgData name="Yarin Ifargan" userId="fa381fb27c5a29d3" providerId="LiveId" clId="{7E083382-3419-434A-BABF-44686F64E288}" dt="2022-06-29T17:10:54.544" v="1550" actId="1076"/>
-          <ac:picMkLst>
-            <pc:docMk/>
-            <pc:sldMk cId="927216728" sldId="273"/>
-            <ac:picMk id="10" creationId="{2F53F9DE-F447-4A1A-86E3-E4CB105826AB}"/>
-          </ac:picMkLst>
-        </pc:picChg>
-        <pc:picChg chg="del">
-          <ac:chgData name="Yarin Ifargan" userId="fa381fb27c5a29d3" providerId="LiveId" clId="{7E083382-3419-434A-BABF-44686F64E288}" dt="2022-06-29T16:55:09.017" v="1286" actId="478"/>
-          <ac:picMkLst>
-            <pc:docMk/>
-            <pc:sldMk cId="927216728" sldId="273"/>
-            <ac:picMk id="11" creationId="{B3ECFA78-A79E-4AD9-8975-6C24F69D2FC0}"/>
-          </ac:picMkLst>
-        </pc:picChg>
-        <pc:picChg chg="add mod">
-          <ac:chgData name="Yarin Ifargan" userId="fa381fb27c5a29d3" providerId="LiveId" clId="{7E083382-3419-434A-BABF-44686F64E288}" dt="2022-06-29T17:11:43.471" v="1557" actId="1076"/>
-          <ac:picMkLst>
-            <pc:docMk/>
-            <pc:sldMk cId="927216728" sldId="273"/>
-            <ac:picMk id="13" creationId="{91E08947-F38B-6E1C-25BA-8FC24FCE4A49}"/>
-          </ac:picMkLst>
-        </pc:picChg>
       </pc:sldChg>
-      <pc:sldChg chg="addSp delSp modSp mod">
-        <pc:chgData name="Yarin Ifargan" userId="fa381fb27c5a29d3" providerId="LiveId" clId="{7E083382-3419-434A-BABF-44686F64E288}" dt="2022-06-29T17:50:12.423" v="2597" actId="20577"/>
+      <pc:sldChg chg="modSp mod">
+        <pc:chgData name="Yarin Ifargan" userId="fa381fb27c5a29d3" providerId="LiveId" clId="{8B86CED2-B106-4055-A0C3-9FCA87BDCA2A}" dt="2022-07-01T13:33:31.602" v="1274" actId="14100"/>
         <pc:sldMkLst>
           <pc:docMk/>
           <pc:sldMk cId="2144983693" sldId="274"/>
         </pc:sldMkLst>
         <pc:spChg chg="mod">
-          <ac:chgData name="Yarin Ifargan" userId="fa381fb27c5a29d3" providerId="LiveId" clId="{7E083382-3419-434A-BABF-44686F64E288}" dt="2022-06-29T16:43:05.373" v="1091" actId="207"/>
+          <ac:chgData name="Yarin Ifargan" userId="fa381fb27c5a29d3" providerId="LiveId" clId="{8B86CED2-B106-4055-A0C3-9FCA87BDCA2A}" dt="2022-07-01T13:33:31.602" v="1274" actId="14100"/>
           <ac:spMkLst>
             <pc:docMk/>
             <pc:sldMk cId="2144983693" sldId="274"/>
@@ -1089,288 +424,100 @@
           </ac:spMkLst>
         </pc:spChg>
         <pc:spChg chg="mod">
-          <ac:chgData name="Yarin Ifargan" userId="fa381fb27c5a29d3" providerId="LiveId" clId="{7E083382-3419-434A-BABF-44686F64E288}" dt="2022-06-29T16:43:47.372" v="1126" actId="20577"/>
+          <ac:chgData name="Yarin Ifargan" userId="fa381fb27c5a29d3" providerId="LiveId" clId="{8B86CED2-B106-4055-A0C3-9FCA87BDCA2A}" dt="2022-07-01T12:58:44.105" v="140" actId="20577"/>
           <ac:spMkLst>
             <pc:docMk/>
             <pc:sldMk cId="2144983693" sldId="274"/>
             <ac:spMk id="3" creationId="{42D8E535-B47F-4CBA-BFF5-56A006D8252A}"/>
           </ac:spMkLst>
         </pc:spChg>
-        <pc:spChg chg="del">
-          <ac:chgData name="Yarin Ifargan" userId="fa381fb27c5a29d3" providerId="LiveId" clId="{7E083382-3419-434A-BABF-44686F64E288}" dt="2022-06-29T17:47:11.797" v="2562" actId="478"/>
-          <ac:spMkLst>
-            <pc:docMk/>
-            <pc:sldMk cId="2144983693" sldId="274"/>
-            <ac:spMk id="4" creationId="{D3AD8CDA-61E8-47BC-B889-2603FB03FB44}"/>
-          </ac:spMkLst>
-        </pc:spChg>
-        <pc:spChg chg="add mod">
-          <ac:chgData name="Yarin Ifargan" userId="fa381fb27c5a29d3" providerId="LiveId" clId="{7E083382-3419-434A-BABF-44686F64E288}" dt="2022-06-29T17:50:12.423" v="2597" actId="20577"/>
-          <ac:spMkLst>
-            <pc:docMk/>
-            <pc:sldMk cId="2144983693" sldId="274"/>
-            <ac:spMk id="8" creationId="{8D0F74E4-3851-FB30-D972-B1D9A5A5B7E4}"/>
-          </ac:spMkLst>
-        </pc:spChg>
       </pc:sldChg>
-      <pc:sldChg chg="del">
-        <pc:chgData name="Yarin Ifargan" userId="fa381fb27c5a29d3" providerId="LiveId" clId="{7E083382-3419-434A-BABF-44686F64E288}" dt="2022-06-29T17:25:15.216" v="1692" actId="2696"/>
-        <pc:sldMkLst>
-          <pc:docMk/>
-          <pc:sldMk cId="1008894221" sldId="275"/>
-        </pc:sldMkLst>
-      </pc:sldChg>
-      <pc:sldChg chg="del">
-        <pc:chgData name="Yarin Ifargan" userId="fa381fb27c5a29d3" providerId="LiveId" clId="{7E083382-3419-434A-BABF-44686F64E288}" dt="2022-06-29T17:24:10.399" v="1691" actId="2696"/>
-        <pc:sldMkLst>
-          <pc:docMk/>
-          <pc:sldMk cId="1272172345" sldId="276"/>
-        </pc:sldMkLst>
-      </pc:sldChg>
-      <pc:sldChg chg="addSp delSp modSp mod">
-        <pc:chgData name="Yarin Ifargan" userId="fa381fb27c5a29d3" providerId="LiveId" clId="{7E083382-3419-434A-BABF-44686F64E288}" dt="2022-06-29T17:50:48.002" v="2608" actId="20577"/>
+      <pc:sldChg chg="modSp mod">
+        <pc:chgData name="Yarin Ifargan" userId="fa381fb27c5a29d3" providerId="LiveId" clId="{8B86CED2-B106-4055-A0C3-9FCA87BDCA2A}" dt="2022-07-01T13:40:53.352" v="1339" actId="20577"/>
         <pc:sldMkLst>
           <pc:docMk/>
           <pc:sldMk cId="1990674482" sldId="277"/>
         </pc:sldMkLst>
         <pc:spChg chg="mod">
-          <ac:chgData name="Yarin Ifargan" userId="fa381fb27c5a29d3" providerId="LiveId" clId="{7E083382-3419-434A-BABF-44686F64E288}" dt="2022-06-29T17:33:17.123" v="1829" actId="207"/>
+          <ac:chgData name="Yarin Ifargan" userId="fa381fb27c5a29d3" providerId="LiveId" clId="{8B86CED2-B106-4055-A0C3-9FCA87BDCA2A}" dt="2022-07-01T13:35:42.675" v="1283" actId="14100"/>
           <ac:spMkLst>
             <pc:docMk/>
             <pc:sldMk cId="1990674482" sldId="277"/>
             <ac:spMk id="2" creationId="{282F48E7-2B6F-4107-B2B6-490AA0047B15}"/>
           </ac:spMkLst>
         </pc:spChg>
-        <pc:spChg chg="add del mod">
-          <ac:chgData name="Yarin Ifargan" userId="fa381fb27c5a29d3" providerId="LiveId" clId="{7E083382-3419-434A-BABF-44686F64E288}" dt="2022-06-29T17:33:55.660" v="1839"/>
-          <ac:spMkLst>
-            <pc:docMk/>
-            <pc:sldMk cId="1990674482" sldId="277"/>
-            <ac:spMk id="4" creationId="{B36850A3-B95F-4ED5-9514-3C76DD899396}"/>
-          </ac:spMkLst>
-        </pc:spChg>
-        <pc:spChg chg="del">
-          <ac:chgData name="Yarin Ifargan" userId="fa381fb27c5a29d3" providerId="LiveId" clId="{7E083382-3419-434A-BABF-44686F64E288}" dt="2022-06-29T17:33:33.794" v="1834" actId="478"/>
-          <ac:spMkLst>
-            <pc:docMk/>
-            <pc:sldMk cId="1990674482" sldId="277"/>
-            <ac:spMk id="7" creationId="{03BB469B-392C-488B-9AA4-ACC5560378FD}"/>
-          </ac:spMkLst>
-        </pc:spChg>
-        <pc:spChg chg="del mod">
-          <ac:chgData name="Yarin Ifargan" userId="fa381fb27c5a29d3" providerId="LiveId" clId="{7E083382-3419-434A-BABF-44686F64E288}" dt="2022-06-29T17:33:41.377" v="1837" actId="478"/>
-          <ac:spMkLst>
-            <pc:docMk/>
-            <pc:sldMk cId="1990674482" sldId="277"/>
-            <ac:spMk id="12" creationId="{01F7A51A-4DF4-4AA1-A815-55EF1F95ABED}"/>
-          </ac:spMkLst>
-        </pc:spChg>
-        <pc:spChg chg="del">
-          <ac:chgData name="Yarin Ifargan" userId="fa381fb27c5a29d3" providerId="LiveId" clId="{7E083382-3419-434A-BABF-44686F64E288}" dt="2022-06-29T17:33:27.925" v="1832" actId="478"/>
-          <ac:spMkLst>
-            <pc:docMk/>
-            <pc:sldMk cId="1990674482" sldId="277"/>
-            <ac:spMk id="13" creationId="{9D2E67EE-F379-4C58-9D5F-1FA3F44401D7}"/>
-          </ac:spMkLst>
-        </pc:spChg>
-        <pc:spChg chg="add mod">
-          <ac:chgData name="Yarin Ifargan" userId="fa381fb27c5a29d3" providerId="LiveId" clId="{7E083382-3419-434A-BABF-44686F64E288}" dt="2022-06-29T17:41:38.991" v="2338" actId="20577"/>
+        <pc:spChg chg="mod">
+          <ac:chgData name="Yarin Ifargan" userId="fa381fb27c5a29d3" providerId="LiveId" clId="{8B86CED2-B106-4055-A0C3-9FCA87BDCA2A}" dt="2022-07-01T13:38:38.004" v="1317" actId="20577"/>
           <ac:spMkLst>
             <pc:docMk/>
             <pc:sldMk cId="1990674482" sldId="277"/>
             <ac:spMk id="14" creationId="{984FB7B5-3FF9-4716-7AC1-73075F373E6D}"/>
           </ac:spMkLst>
         </pc:spChg>
-        <pc:spChg chg="add mod">
-          <ac:chgData name="Yarin Ifargan" userId="fa381fb27c5a29d3" providerId="LiveId" clId="{7E083382-3419-434A-BABF-44686F64E288}" dt="2022-06-29T17:50:48.002" v="2608" actId="20577"/>
+        <pc:spChg chg="mod">
+          <ac:chgData name="Yarin Ifargan" userId="fa381fb27c5a29d3" providerId="LiveId" clId="{8B86CED2-B106-4055-A0C3-9FCA87BDCA2A}" dt="2022-07-01T13:40:53.352" v="1339" actId="20577"/>
           <ac:spMkLst>
             <pc:docMk/>
             <pc:sldMk cId="1990674482" sldId="277"/>
             <ac:spMk id="15" creationId="{4712E19C-8273-192A-B5B0-52B6C4DEE53F}"/>
           </ac:spMkLst>
         </pc:spChg>
-        <pc:spChg chg="del">
-          <ac:chgData name="Yarin Ifargan" userId="fa381fb27c5a29d3" providerId="LiveId" clId="{7E083382-3419-434A-BABF-44686F64E288}" dt="2022-06-29T17:47:25.043" v="2567" actId="478"/>
-          <ac:spMkLst>
-            <pc:docMk/>
-            <pc:sldMk cId="1990674482" sldId="277"/>
-            <ac:spMk id="16" creationId="{183A569D-2787-44B7-99FD-9410B4738C95}"/>
-          </ac:spMkLst>
-        </pc:spChg>
-        <pc:picChg chg="del">
-          <ac:chgData name="Yarin Ifargan" userId="fa381fb27c5a29d3" providerId="LiveId" clId="{7E083382-3419-434A-BABF-44686F64E288}" dt="2022-06-29T17:33:21.578" v="1830" actId="478"/>
-          <ac:picMkLst>
-            <pc:docMk/>
-            <pc:sldMk cId="1990674482" sldId="277"/>
-            <ac:picMk id="10" creationId="{579640AE-CA80-44C2-8FE4-12A0DDC327B0}"/>
-          </ac:picMkLst>
-        </pc:picChg>
-        <pc:picChg chg="del">
-          <ac:chgData name="Yarin Ifargan" userId="fa381fb27c5a29d3" providerId="LiveId" clId="{7E083382-3419-434A-BABF-44686F64E288}" dt="2022-06-29T17:33:23.389" v="1831" actId="478"/>
-          <ac:picMkLst>
-            <pc:docMk/>
-            <pc:sldMk cId="1990674482" sldId="277"/>
-            <ac:picMk id="11" creationId="{EEC7504D-3F66-47B1-8E85-CECDCC608C1C}"/>
-          </ac:picMkLst>
-        </pc:picChg>
       </pc:sldChg>
-      <pc:sldChg chg="del">
-        <pc:chgData name="Yarin Ifargan" userId="fa381fb27c5a29d3" providerId="LiveId" clId="{7E083382-3419-434A-BABF-44686F64E288}" dt="2022-06-29T17:32:36.265" v="1794" actId="2696"/>
-        <pc:sldMkLst>
-          <pc:docMk/>
-          <pc:sldMk cId="1495528210" sldId="278"/>
-        </pc:sldMkLst>
-      </pc:sldChg>
-      <pc:sldChg chg="add del">
-        <pc:chgData name="Yarin Ifargan" userId="fa381fb27c5a29d3" providerId="LiveId" clId="{7E083382-3419-434A-BABF-44686F64E288}" dt="2022-06-29T15:50:58.490" v="179" actId="2696"/>
-        <pc:sldMkLst>
-          <pc:docMk/>
-          <pc:sldMk cId="661389234" sldId="279"/>
-        </pc:sldMkLst>
-      </pc:sldChg>
-      <pc:sldChg chg="addSp delSp modSp add mod">
-        <pc:chgData name="Yarin Ifargan" userId="fa381fb27c5a29d3" providerId="LiveId" clId="{7E083382-3419-434A-BABF-44686F64E288}" dt="2022-06-29T17:50:36.761" v="2603" actId="20577"/>
+      <pc:sldChg chg="modSp mod">
+        <pc:chgData name="Yarin Ifargan" userId="fa381fb27c5a29d3" providerId="LiveId" clId="{8B86CED2-B106-4055-A0C3-9FCA87BDCA2A}" dt="2022-07-01T13:40:11.056" v="1331" actId="20577"/>
         <pc:sldMkLst>
           <pc:docMk/>
           <pc:sldMk cId="3611714866" sldId="279"/>
         </pc:sldMkLst>
         <pc:spChg chg="mod">
-          <ac:chgData name="Yarin Ifargan" userId="fa381fb27c5a29d3" providerId="LiveId" clId="{7E083382-3419-434A-BABF-44686F64E288}" dt="2022-06-29T17:21:00.100" v="1622" actId="1076"/>
+          <ac:chgData name="Yarin Ifargan" userId="fa381fb27c5a29d3" providerId="LiveId" clId="{8B86CED2-B106-4055-A0C3-9FCA87BDCA2A}" dt="2022-07-01T13:35:07.809" v="1279" actId="122"/>
           <ac:spMkLst>
             <pc:docMk/>
             <pc:sldMk cId="3611714866" sldId="279"/>
             <ac:spMk id="2" creationId="{672D3A6C-4F47-4ACC-9ADB-181B4163E786}"/>
           </ac:spMkLst>
         </pc:spChg>
-        <pc:spChg chg="del">
-          <ac:chgData name="Yarin Ifargan" userId="fa381fb27c5a29d3" providerId="LiveId" clId="{7E083382-3419-434A-BABF-44686F64E288}" dt="2022-06-29T17:47:19.480" v="2565" actId="478"/>
-          <ac:spMkLst>
-            <pc:docMk/>
-            <pc:sldMk cId="3611714866" sldId="279"/>
-            <ac:spMk id="4" creationId="{0DED0946-805A-407B-BF89-8D145074B091}"/>
-          </ac:spMkLst>
-        </pc:spChg>
         <pc:spChg chg="mod">
-          <ac:chgData name="Yarin Ifargan" userId="fa381fb27c5a29d3" providerId="LiveId" clId="{7E083382-3419-434A-BABF-44686F64E288}" dt="2022-06-29T17:16:01.936" v="1588" actId="20577"/>
-          <ac:spMkLst>
-            <pc:docMk/>
-            <pc:sldMk cId="3611714866" sldId="279"/>
-            <ac:spMk id="6" creationId="{65A5DA82-3E82-4B54-A0B9-4EDBE1FB8FE4}"/>
-          </ac:spMkLst>
-        </pc:spChg>
-        <pc:spChg chg="add mod">
-          <ac:chgData name="Yarin Ifargan" userId="fa381fb27c5a29d3" providerId="LiveId" clId="{7E083382-3419-434A-BABF-44686F64E288}" dt="2022-06-29T17:50:36.761" v="2603" actId="20577"/>
+          <ac:chgData name="Yarin Ifargan" userId="fa381fb27c5a29d3" providerId="LiveId" clId="{8B86CED2-B106-4055-A0C3-9FCA87BDCA2A}" dt="2022-07-01T13:40:11.056" v="1331" actId="20577"/>
           <ac:spMkLst>
             <pc:docMk/>
             <pc:sldMk cId="3611714866" sldId="279"/>
             <ac:spMk id="14" creationId="{64936663-C2C3-6F4E-754E-B6C6022361A0}"/>
           </ac:spMkLst>
         </pc:spChg>
-        <pc:picChg chg="add mod">
-          <ac:chgData name="Yarin Ifargan" userId="fa381fb27c5a29d3" providerId="LiveId" clId="{7E083382-3419-434A-BABF-44686F64E288}" dt="2022-06-29T17:18:05.349" v="1599" actId="1076"/>
-          <ac:picMkLst>
-            <pc:docMk/>
-            <pc:sldMk cId="3611714866" sldId="279"/>
-            <ac:picMk id="5" creationId="{DDB403BA-BB84-5851-3AA9-302062EAA679}"/>
-          </ac:picMkLst>
-        </pc:picChg>
-        <pc:picChg chg="del">
-          <ac:chgData name="Yarin Ifargan" userId="fa381fb27c5a29d3" providerId="LiveId" clId="{7E083382-3419-434A-BABF-44686F64E288}" dt="2022-06-29T17:16:08.690" v="1589" actId="478"/>
-          <ac:picMkLst>
-            <pc:docMk/>
-            <pc:sldMk cId="3611714866" sldId="279"/>
-            <ac:picMk id="8" creationId="{2BC5F017-380C-9D73-FCA2-ED855C44E485}"/>
-          </ac:picMkLst>
-        </pc:picChg>
-        <pc:picChg chg="add mod">
-          <ac:chgData name="Yarin Ifargan" userId="fa381fb27c5a29d3" providerId="LiveId" clId="{7E083382-3419-434A-BABF-44686F64E288}" dt="2022-06-29T17:18:09.065" v="1600" actId="1076"/>
-          <ac:picMkLst>
-            <pc:docMk/>
-            <pc:sldMk cId="3611714866" sldId="279"/>
-            <ac:picMk id="9" creationId="{26056A2B-C2A0-2200-FCCC-00FFAE1BBA27}"/>
-          </ac:picMkLst>
-        </pc:picChg>
-        <pc:picChg chg="del">
-          <ac:chgData name="Yarin Ifargan" userId="fa381fb27c5a29d3" providerId="LiveId" clId="{7E083382-3419-434A-BABF-44686F64E288}" dt="2022-06-29T17:16:10.521" v="1590" actId="478"/>
-          <ac:picMkLst>
-            <pc:docMk/>
-            <pc:sldMk cId="3611714866" sldId="279"/>
-            <ac:picMk id="10" creationId="{2F53F9DE-F447-4A1A-86E3-E4CB105826AB}"/>
-          </ac:picMkLst>
-        </pc:picChg>
-        <pc:picChg chg="del">
-          <ac:chgData name="Yarin Ifargan" userId="fa381fb27c5a29d3" providerId="LiveId" clId="{7E083382-3419-434A-BABF-44686F64E288}" dt="2022-06-29T17:16:12.031" v="1591" actId="478"/>
-          <ac:picMkLst>
-            <pc:docMk/>
-            <pc:sldMk cId="3611714866" sldId="279"/>
-            <ac:picMk id="13" creationId="{91E08947-F38B-6E1C-25BA-8FC24FCE4A49}"/>
-          </ac:picMkLst>
-        </pc:picChg>
       </pc:sldChg>
-      <pc:sldChg chg="addSp delSp modSp add mod">
-        <pc:chgData name="Yarin Ifargan" userId="fa381fb27c5a29d3" providerId="LiveId" clId="{7E083382-3419-434A-BABF-44686F64E288}" dt="2022-06-29T17:50:42.574" v="2605" actId="20577"/>
+      <pc:sldChg chg="modSp mod ord">
+        <pc:chgData name="Yarin Ifargan" userId="fa381fb27c5a29d3" providerId="LiveId" clId="{8B86CED2-B106-4055-A0C3-9FCA87BDCA2A}" dt="2022-07-01T13:40:01.888" v="1330" actId="20577"/>
         <pc:sldMkLst>
           <pc:docMk/>
           <pc:sldMk cId="1063757167" sldId="280"/>
         </pc:sldMkLst>
         <pc:spChg chg="mod">
-          <ac:chgData name="Yarin Ifargan" userId="fa381fb27c5a29d3" providerId="LiveId" clId="{7E083382-3419-434A-BABF-44686F64E288}" dt="2022-06-29T17:21:31.930" v="1668" actId="20577"/>
+          <ac:chgData name="Yarin Ifargan" userId="fa381fb27c5a29d3" providerId="LiveId" clId="{8B86CED2-B106-4055-A0C3-9FCA87BDCA2A}" dt="2022-07-01T13:24:30.481" v="1032" actId="122"/>
           <ac:spMkLst>
             <pc:docMk/>
             <pc:sldMk cId="1063757167" sldId="280"/>
             <ac:spMk id="2" creationId="{672D3A6C-4F47-4ACC-9ADB-181B4163E786}"/>
           </ac:spMkLst>
         </pc:spChg>
-        <pc:spChg chg="del">
-          <ac:chgData name="Yarin Ifargan" userId="fa381fb27c5a29d3" providerId="LiveId" clId="{7E083382-3419-434A-BABF-44686F64E288}" dt="2022-06-29T17:47:21.910" v="2566" actId="478"/>
-          <ac:spMkLst>
-            <pc:docMk/>
-            <pc:sldMk cId="1063757167" sldId="280"/>
-            <ac:spMk id="4" creationId="{0DED0946-805A-407B-BF89-8D145074B091}"/>
-          </ac:spMkLst>
-        </pc:spChg>
-        <pc:spChg chg="del">
-          <ac:chgData name="Yarin Ifargan" userId="fa381fb27c5a29d3" providerId="LiveId" clId="{7E083382-3419-434A-BABF-44686F64E288}" dt="2022-06-29T17:21:38.581" v="1669" actId="478"/>
-          <ac:spMkLst>
-            <pc:docMk/>
-            <pc:sldMk cId="1063757167" sldId="280"/>
-            <ac:spMk id="6" creationId="{65A5DA82-3E82-4B54-A0B9-4EDBE1FB8FE4}"/>
-          </ac:spMkLst>
-        </pc:spChg>
-        <pc:spChg chg="add mod">
-          <ac:chgData name="Yarin Ifargan" userId="fa381fb27c5a29d3" providerId="LiveId" clId="{7E083382-3419-434A-BABF-44686F64E288}" dt="2022-06-29T17:50:42.574" v="2605" actId="20577"/>
+        <pc:spChg chg="mod">
+          <ac:chgData name="Yarin Ifargan" userId="fa381fb27c5a29d3" providerId="LiveId" clId="{8B86CED2-B106-4055-A0C3-9FCA87BDCA2A}" dt="2022-07-01T13:40:01.888" v="1330" actId="20577"/>
           <ac:spMkLst>
             <pc:docMk/>
             <pc:sldMk cId="1063757167" sldId="280"/>
             <ac:spMk id="13" creationId="{10D2E289-DE07-47D8-24E0-DC555E170BE0}"/>
           </ac:spMkLst>
         </pc:spChg>
-        <pc:picChg chg="del">
-          <ac:chgData name="Yarin Ifargan" userId="fa381fb27c5a29d3" providerId="LiveId" clId="{7E083382-3419-434A-BABF-44686F64E288}" dt="2022-06-29T17:22:07.847" v="1670" actId="478"/>
-          <ac:picMkLst>
-            <pc:docMk/>
-            <pc:sldMk cId="1063757167" sldId="280"/>
-            <ac:picMk id="5" creationId="{DDB403BA-BB84-5851-3AA9-302062EAA679}"/>
-          </ac:picMkLst>
-        </pc:picChg>
-        <pc:picChg chg="add mod">
-          <ac:chgData name="Yarin Ifargan" userId="fa381fb27c5a29d3" providerId="LiveId" clId="{7E083382-3419-434A-BABF-44686F64E288}" dt="2022-06-29T17:23:07.251" v="1690" actId="1036"/>
+        <pc:picChg chg="mod">
+          <ac:chgData name="Yarin Ifargan" userId="fa381fb27c5a29d3" providerId="LiveId" clId="{8B86CED2-B106-4055-A0C3-9FCA87BDCA2A}" dt="2022-07-01T13:02:35.787" v="155" actId="1038"/>
           <ac:picMkLst>
             <pc:docMk/>
             <pc:sldMk cId="1063757167" sldId="280"/>
             <ac:picMk id="7" creationId="{3DC99A5E-682D-DFB2-F8F5-09EC1113838F}"/>
           </ac:picMkLst>
         </pc:picChg>
-        <pc:picChg chg="del">
-          <ac:chgData name="Yarin Ifargan" userId="fa381fb27c5a29d3" providerId="LiveId" clId="{7E083382-3419-434A-BABF-44686F64E288}" dt="2022-06-29T17:22:12.488" v="1671" actId="478"/>
-          <ac:picMkLst>
-            <pc:docMk/>
-            <pc:sldMk cId="1063757167" sldId="280"/>
-            <ac:picMk id="9" creationId="{26056A2B-C2A0-2200-FCCC-00FFAE1BBA27}"/>
-          </ac:picMkLst>
-        </pc:picChg>
-        <pc:picChg chg="add mod">
-          <ac:chgData name="Yarin Ifargan" userId="fa381fb27c5a29d3" providerId="LiveId" clId="{7E083382-3419-434A-BABF-44686F64E288}" dt="2022-06-29T17:22:58.648" v="1677" actId="1076"/>
+        <pc:picChg chg="mod">
+          <ac:chgData name="Yarin Ifargan" userId="fa381fb27c5a29d3" providerId="LiveId" clId="{8B86CED2-B106-4055-A0C3-9FCA87BDCA2A}" dt="2022-07-01T13:02:47.529" v="182" actId="1036"/>
           <ac:picMkLst>
             <pc:docMk/>
             <pc:sldMk cId="1063757167" sldId="280"/>
@@ -1378,605 +525,242 @@
           </ac:picMkLst>
         </pc:picChg>
       </pc:sldChg>
-      <pc:sldChg chg="new del">
-        <pc:chgData name="Yarin Ifargan" userId="fa381fb27c5a29d3" providerId="LiveId" clId="{7E083382-3419-434A-BABF-44686F64E288}" dt="2022-06-29T15:50:51.714" v="178" actId="2696"/>
-        <pc:sldMkLst>
-          <pc:docMk/>
-          <pc:sldMk cId="2734586751" sldId="280"/>
-        </pc:sldMkLst>
-      </pc:sldChg>
-      <pc:sldChg chg="addSp delSp modSp add mod">
-        <pc:chgData name="Yarin Ifargan" userId="fa381fb27c5a29d3" providerId="LiveId" clId="{7E083382-3419-434A-BABF-44686F64E288}" dt="2022-06-29T17:50:29.534" v="2601" actId="20577"/>
+      <pc:sldChg chg="addSp modSp mod">
+        <pc:chgData name="Yarin Ifargan" userId="fa381fb27c5a29d3" providerId="LiveId" clId="{8B86CED2-B106-4055-A0C3-9FCA87BDCA2A}" dt="2022-07-01T13:34:02.006" v="1276" actId="14100"/>
         <pc:sldMkLst>
           <pc:docMk/>
           <pc:sldMk cId="1239209422" sldId="281"/>
         </pc:sldMkLst>
-        <pc:spChg chg="del">
-          <ac:chgData name="Yarin Ifargan" userId="fa381fb27c5a29d3" providerId="LiveId" clId="{7E083382-3419-434A-BABF-44686F64E288}" dt="2022-06-29T17:47:16.078" v="2564" actId="478"/>
+        <pc:spChg chg="mod">
+          <ac:chgData name="Yarin Ifargan" userId="fa381fb27c5a29d3" providerId="LiveId" clId="{8B86CED2-B106-4055-A0C3-9FCA87BDCA2A}" dt="2022-07-01T13:34:02.006" v="1276" actId="14100"/>
           <ac:spMkLst>
             <pc:docMk/>
             <pc:sldMk cId="1239209422" sldId="281"/>
-            <ac:spMk id="4" creationId="{0DED0946-805A-407B-BF89-8D145074B091}"/>
+            <ac:spMk id="2" creationId="{672D3A6C-4F47-4ACC-9ADB-181B4163E786}"/>
+          </ac:spMkLst>
+        </pc:spChg>
+        <pc:picChg chg="add mod">
+          <ac:chgData name="Yarin Ifargan" userId="fa381fb27c5a29d3" providerId="LiveId" clId="{8B86CED2-B106-4055-A0C3-9FCA87BDCA2A}" dt="2022-07-01T13:01:16.078" v="142" actId="1076"/>
+          <ac:picMkLst>
+            <pc:docMk/>
+            <pc:sldMk cId="1239209422" sldId="281"/>
+            <ac:picMk id="4" creationId="{DEA18540-EB07-6D61-B9D5-C55F1D2D01BF}"/>
+          </ac:picMkLst>
+        </pc:picChg>
+      </pc:sldChg>
+      <pc:sldChg chg="addSp delSp modSp add mod">
+        <pc:chgData name="Yarin Ifargan" userId="fa381fb27c5a29d3" providerId="LiveId" clId="{8B86CED2-B106-4055-A0C3-9FCA87BDCA2A}" dt="2022-07-01T13:40:32.333" v="1333" actId="20577"/>
+        <pc:sldMkLst>
+          <pc:docMk/>
+          <pc:sldMk cId="4254740732" sldId="282"/>
+        </pc:sldMkLst>
+        <pc:spChg chg="mod">
+          <ac:chgData name="Yarin Ifargan" userId="fa381fb27c5a29d3" providerId="LiveId" clId="{8B86CED2-B106-4055-A0C3-9FCA87BDCA2A}" dt="2022-07-01T13:06:55.779" v="274" actId="1076"/>
+          <ac:spMkLst>
+            <pc:docMk/>
+            <pc:sldMk cId="4254740732" sldId="282"/>
+            <ac:spMk id="2" creationId="{672D3A6C-4F47-4ACC-9ADB-181B4163E786}"/>
           </ac:spMkLst>
         </pc:spChg>
         <pc:spChg chg="mod">
-          <ac:chgData name="Yarin Ifargan" userId="fa381fb27c5a29d3" providerId="LiveId" clId="{7E083382-3419-434A-BABF-44686F64E288}" dt="2022-06-29T17:28:55.775" v="1776" actId="20577"/>
+          <ac:chgData name="Yarin Ifargan" userId="fa381fb27c5a29d3" providerId="LiveId" clId="{8B86CED2-B106-4055-A0C3-9FCA87BDCA2A}" dt="2022-07-01T13:09:08.758" v="379" actId="20577"/>
           <ac:spMkLst>
             <pc:docMk/>
-            <pc:sldMk cId="1239209422" sldId="281"/>
+            <pc:sldMk cId="4254740732" sldId="282"/>
             <ac:spMk id="6" creationId="{65A5DA82-3E82-4B54-A0B9-4EDBE1FB8FE4}"/>
           </ac:spMkLst>
         </pc:spChg>
-        <pc:spChg chg="add mod">
-          <ac:chgData name="Yarin Ifargan" userId="fa381fb27c5a29d3" providerId="LiveId" clId="{7E083382-3419-434A-BABF-44686F64E288}" dt="2022-06-29T17:50:29.534" v="2601" actId="20577"/>
+        <pc:spChg chg="mod">
+          <ac:chgData name="Yarin Ifargan" userId="fa381fb27c5a29d3" providerId="LiveId" clId="{8B86CED2-B106-4055-A0C3-9FCA87BDCA2A}" dt="2022-07-01T13:40:32.333" v="1333" actId="20577"/>
           <ac:spMkLst>
             <pc:docMk/>
-            <pc:sldMk cId="1239209422" sldId="281"/>
-            <ac:spMk id="14" creationId="{97BA96A1-4E13-4F5D-AED7-C13354B9571E}"/>
+            <pc:sldMk cId="4254740732" sldId="282"/>
+            <ac:spMk id="14" creationId="{64936663-C2C3-6F4E-754E-B6C6022361A0}"/>
           </ac:spMkLst>
         </pc:spChg>
         <pc:picChg chg="add mod">
-          <ac:chgData name="Yarin Ifargan" userId="fa381fb27c5a29d3" providerId="LiveId" clId="{7E083382-3419-434A-BABF-44686F64E288}" dt="2022-06-29T17:31:06.010" v="1792" actId="14100"/>
+          <ac:chgData name="Yarin Ifargan" userId="fa381fb27c5a29d3" providerId="LiveId" clId="{8B86CED2-B106-4055-A0C3-9FCA87BDCA2A}" dt="2022-07-01T13:11:11.410" v="388" actId="14100"/>
           <ac:picMkLst>
             <pc:docMk/>
-            <pc:sldMk cId="1239209422" sldId="281"/>
-            <ac:picMk id="5" creationId="{730A8167-FC9C-C7D8-008C-E5530A06068A}"/>
+            <pc:sldMk cId="4254740732" sldId="282"/>
+            <ac:picMk id="4" creationId="{5A198990-D0CC-AD33-6A4B-E59E8640D30C}"/>
+          </ac:picMkLst>
+        </pc:picChg>
+        <pc:picChg chg="add del">
+          <ac:chgData name="Yarin Ifargan" userId="fa381fb27c5a29d3" providerId="LiveId" clId="{8B86CED2-B106-4055-A0C3-9FCA87BDCA2A}" dt="2022-07-01T13:10:39.240" v="384" actId="478"/>
+          <ac:picMkLst>
+            <pc:docMk/>
+            <pc:sldMk cId="4254740732" sldId="282"/>
+            <ac:picMk id="5" creationId="{DDB403BA-BB84-5851-3AA9-302062EAA679}"/>
+          </ac:picMkLst>
+        </pc:picChg>
+        <pc:picChg chg="add mod">
+          <ac:chgData name="Yarin Ifargan" userId="fa381fb27c5a29d3" providerId="LiveId" clId="{8B86CED2-B106-4055-A0C3-9FCA87BDCA2A}" dt="2022-07-01T13:11:42.987" v="392" actId="1076"/>
+          <ac:picMkLst>
+            <pc:docMk/>
+            <pc:sldMk cId="4254740732" sldId="282"/>
+            <ac:picMk id="8" creationId="{FDD39C82-1BA8-E43B-A7FD-541365D94315}"/>
+          </ac:picMkLst>
+        </pc:picChg>
+        <pc:picChg chg="add del">
+          <ac:chgData name="Yarin Ifargan" userId="fa381fb27c5a29d3" providerId="LiveId" clId="{8B86CED2-B106-4055-A0C3-9FCA87BDCA2A}" dt="2022-07-01T13:10:39.846" v="385" actId="478"/>
+          <ac:picMkLst>
+            <pc:docMk/>
+            <pc:sldMk cId="4254740732" sldId="282"/>
+            <ac:picMk id="9" creationId="{26056A2B-C2A0-2200-FCCC-00FFAE1BBA27}"/>
+          </ac:picMkLst>
+        </pc:picChg>
+        <pc:picChg chg="add mod">
+          <ac:chgData name="Yarin Ifargan" userId="fa381fb27c5a29d3" providerId="LiveId" clId="{8B86CED2-B106-4055-A0C3-9FCA87BDCA2A}" dt="2022-07-01T13:13:15.641" v="409" actId="1035"/>
+          <ac:picMkLst>
+            <pc:docMk/>
+            <pc:sldMk cId="4254740732" sldId="282"/>
+            <ac:picMk id="11" creationId="{8108F5CB-089D-3254-F606-243C759C7C3C}"/>
+          </ac:picMkLst>
+        </pc:picChg>
+      </pc:sldChg>
+      <pc:sldChg chg="addSp delSp modSp add mod">
+        <pc:chgData name="Yarin Ifargan" userId="fa381fb27c5a29d3" providerId="LiveId" clId="{8B86CED2-B106-4055-A0C3-9FCA87BDCA2A}" dt="2022-07-01T13:40:41.270" v="1335" actId="20577"/>
+        <pc:sldMkLst>
+          <pc:docMk/>
+          <pc:sldMk cId="3288842387" sldId="283"/>
+        </pc:sldMkLst>
+        <pc:spChg chg="mod">
+          <ac:chgData name="Yarin Ifargan" userId="fa381fb27c5a29d3" providerId="LiveId" clId="{8B86CED2-B106-4055-A0C3-9FCA87BDCA2A}" dt="2022-07-01T13:19:40.355" v="666" actId="20577"/>
+          <ac:spMkLst>
+            <pc:docMk/>
+            <pc:sldMk cId="3288842387" sldId="283"/>
+            <ac:spMk id="6" creationId="{65A5DA82-3E82-4B54-A0B9-4EDBE1FB8FE4}"/>
+          </ac:spMkLst>
+        </pc:spChg>
+        <pc:spChg chg="mod">
+          <ac:chgData name="Yarin Ifargan" userId="fa381fb27c5a29d3" providerId="LiveId" clId="{8B86CED2-B106-4055-A0C3-9FCA87BDCA2A}" dt="2022-07-01T13:40:41.270" v="1335" actId="20577"/>
+          <ac:spMkLst>
+            <pc:docMk/>
+            <pc:sldMk cId="3288842387" sldId="283"/>
+            <ac:spMk id="14" creationId="{64936663-C2C3-6F4E-754E-B6C6022361A0}"/>
+          </ac:spMkLst>
+        </pc:spChg>
+        <pc:picChg chg="del">
+          <ac:chgData name="Yarin Ifargan" userId="fa381fb27c5a29d3" providerId="LiveId" clId="{8B86CED2-B106-4055-A0C3-9FCA87BDCA2A}" dt="2022-07-01T13:14:08.126" v="411" actId="478"/>
+          <ac:picMkLst>
+            <pc:docMk/>
+            <pc:sldMk cId="3288842387" sldId="283"/>
+            <ac:picMk id="4" creationId="{5A198990-D0CC-AD33-6A4B-E59E8640D30C}"/>
+          </ac:picMkLst>
+        </pc:picChg>
+        <pc:picChg chg="add mod">
+          <ac:chgData name="Yarin Ifargan" userId="fa381fb27c5a29d3" providerId="LiveId" clId="{8B86CED2-B106-4055-A0C3-9FCA87BDCA2A}" dt="2022-07-01T13:15:37.700" v="455" actId="1037"/>
+          <ac:picMkLst>
+            <pc:docMk/>
+            <pc:sldMk cId="3288842387" sldId="283"/>
+            <ac:picMk id="5" creationId="{625069C5-6A49-2EA1-6D12-7BA1547A85A8}"/>
           </ac:picMkLst>
         </pc:picChg>
         <pc:picChg chg="del">
-          <ac:chgData name="Yarin Ifargan" userId="fa381fb27c5a29d3" providerId="LiveId" clId="{7E083382-3419-434A-BABF-44686F64E288}" dt="2022-06-29T17:29:05.672" v="1778" actId="478"/>
+          <ac:chgData name="Yarin Ifargan" userId="fa381fb27c5a29d3" providerId="LiveId" clId="{8B86CED2-B106-4055-A0C3-9FCA87BDCA2A}" dt="2022-07-01T13:14:08.737" v="412" actId="478"/>
           <ac:picMkLst>
             <pc:docMk/>
-            <pc:sldMk cId="1239209422" sldId="281"/>
-            <ac:picMk id="8" creationId="{2BC5F017-380C-9D73-FCA2-ED855C44E485}"/>
+            <pc:sldMk cId="3288842387" sldId="283"/>
+            <ac:picMk id="8" creationId="{FDD39C82-1BA8-E43B-A7FD-541365D94315}"/>
           </ac:picMkLst>
         </pc:picChg>
-        <pc:picChg chg="add mod modCrop">
-          <ac:chgData name="Yarin Ifargan" userId="fa381fb27c5a29d3" providerId="LiveId" clId="{7E083382-3419-434A-BABF-44686F64E288}" dt="2022-06-29T17:31:17.858" v="1793" actId="732"/>
+        <pc:picChg chg="add mod ord">
+          <ac:chgData name="Yarin Ifargan" userId="fa381fb27c5a29d3" providerId="LiveId" clId="{8B86CED2-B106-4055-A0C3-9FCA87BDCA2A}" dt="2022-07-01T13:17:26.725" v="582" actId="14100"/>
           <ac:picMkLst>
             <pc:docMk/>
-            <pc:sldMk cId="1239209422" sldId="281"/>
-            <ac:picMk id="9" creationId="{FCCE913A-2C5A-5C62-D2D5-0F7C2E7A0AC4}"/>
+            <pc:sldMk cId="3288842387" sldId="283"/>
+            <ac:picMk id="9" creationId="{D63005C9-22D1-94E8-EDD8-B3B13ED35D98}"/>
           </ac:picMkLst>
         </pc:picChg>
         <pc:picChg chg="del">
-          <ac:chgData name="Yarin Ifargan" userId="fa381fb27c5a29d3" providerId="LiveId" clId="{7E083382-3419-434A-BABF-44686F64E288}" dt="2022-06-29T17:29:04.699" v="1777" actId="478"/>
+          <ac:chgData name="Yarin Ifargan" userId="fa381fb27c5a29d3" providerId="LiveId" clId="{8B86CED2-B106-4055-A0C3-9FCA87BDCA2A}" dt="2022-07-01T13:14:09.524" v="413" actId="478"/>
           <ac:picMkLst>
             <pc:docMk/>
-            <pc:sldMk cId="1239209422" sldId="281"/>
-            <ac:picMk id="10" creationId="{2F53F9DE-F447-4A1A-86E3-E4CB105826AB}"/>
+            <pc:sldMk cId="3288842387" sldId="283"/>
+            <ac:picMk id="11" creationId="{8108F5CB-089D-3254-F606-243C759C7C3C}"/>
+          </ac:picMkLst>
+        </pc:picChg>
+        <pc:picChg chg="add mod">
+          <ac:chgData name="Yarin Ifargan" userId="fa381fb27c5a29d3" providerId="LiveId" clId="{8B86CED2-B106-4055-A0C3-9FCA87BDCA2A}" dt="2022-07-01T13:17:18.678" v="581" actId="14100"/>
+          <ac:picMkLst>
+            <pc:docMk/>
+            <pc:sldMk cId="3288842387" sldId="283"/>
+            <ac:picMk id="12" creationId="{21C347DE-D6BF-7F73-9E17-A4033553CCAC}"/>
+          </ac:picMkLst>
+        </pc:picChg>
+      </pc:sldChg>
+      <pc:sldChg chg="addSp delSp modSp add mod ord">
+        <pc:chgData name="Yarin Ifargan" userId="fa381fb27c5a29d3" providerId="LiveId" clId="{8B86CED2-B106-4055-A0C3-9FCA87BDCA2A}" dt="2022-07-01T13:40:47.985" v="1337" actId="20577"/>
+        <pc:sldMkLst>
+          <pc:docMk/>
+          <pc:sldMk cId="28286465" sldId="284"/>
+        </pc:sldMkLst>
+        <pc:spChg chg="mod">
+          <ac:chgData name="Yarin Ifargan" userId="fa381fb27c5a29d3" providerId="LiveId" clId="{8B86CED2-B106-4055-A0C3-9FCA87BDCA2A}" dt="2022-07-01T13:20:15.851" v="673" actId="20577"/>
+          <ac:spMkLst>
+            <pc:docMk/>
+            <pc:sldMk cId="28286465" sldId="284"/>
+            <ac:spMk id="6" creationId="{65A5DA82-3E82-4B54-A0B9-4EDBE1FB8FE4}"/>
+          </ac:spMkLst>
+        </pc:spChg>
+        <pc:spChg chg="mod">
+          <ac:chgData name="Yarin Ifargan" userId="fa381fb27c5a29d3" providerId="LiveId" clId="{8B86CED2-B106-4055-A0C3-9FCA87BDCA2A}" dt="2022-07-01T13:40:47.985" v="1337" actId="20577"/>
+          <ac:spMkLst>
+            <pc:docMk/>
+            <pc:sldMk cId="28286465" sldId="284"/>
+            <ac:spMk id="14" creationId="{64936663-C2C3-6F4E-754E-B6C6022361A0}"/>
+          </ac:spMkLst>
+        </pc:spChg>
+        <pc:picChg chg="add mod ord">
+          <ac:chgData name="Yarin Ifargan" userId="fa381fb27c5a29d3" providerId="LiveId" clId="{8B86CED2-B106-4055-A0C3-9FCA87BDCA2A}" dt="2022-07-01T13:23:55.110" v="1031" actId="166"/>
+          <ac:picMkLst>
+            <pc:docMk/>
+            <pc:sldMk cId="28286465" sldId="284"/>
+            <ac:picMk id="4" creationId="{A29AB7E3-08FE-074E-3A6D-F7EBE8C51CEA}"/>
           </ac:picMkLst>
         </pc:picChg>
         <pc:picChg chg="del">
-          <ac:chgData name="Yarin Ifargan" userId="fa381fb27c5a29d3" providerId="LiveId" clId="{7E083382-3419-434A-BABF-44686F64E288}" dt="2022-06-29T17:29:06.595" v="1779" actId="478"/>
+          <ac:chgData name="Yarin Ifargan" userId="fa381fb27c5a29d3" providerId="LiveId" clId="{8B86CED2-B106-4055-A0C3-9FCA87BDCA2A}" dt="2022-07-01T13:23:38.894" v="928" actId="478"/>
           <ac:picMkLst>
             <pc:docMk/>
-            <pc:sldMk cId="1239209422" sldId="281"/>
-            <ac:picMk id="13" creationId="{91E08947-F38B-6E1C-25BA-8FC24FCE4A49}"/>
+            <pc:sldMk cId="28286465" sldId="284"/>
+            <ac:picMk id="5" creationId="{625069C5-6A49-2EA1-6D12-7BA1547A85A8}"/>
+          </ac:picMkLst>
+        </pc:picChg>
+        <pc:picChg chg="add mod">
+          <ac:chgData name="Yarin Ifargan" userId="fa381fb27c5a29d3" providerId="LiveId" clId="{8B86CED2-B106-4055-A0C3-9FCA87BDCA2A}" dt="2022-07-01T13:22:54.194" v="923" actId="1037"/>
+          <ac:picMkLst>
+            <pc:docMk/>
+            <pc:sldMk cId="28286465" sldId="284"/>
+            <ac:picMk id="8" creationId="{65573CA7-052D-7030-4FDB-38DEC06AE03C}"/>
+          </ac:picMkLst>
+        </pc:picChg>
+        <pc:picChg chg="del">
+          <ac:chgData name="Yarin Ifargan" userId="fa381fb27c5a29d3" providerId="LiveId" clId="{8B86CED2-B106-4055-A0C3-9FCA87BDCA2A}" dt="2022-07-01T13:21:41.800" v="681" actId="478"/>
+          <ac:picMkLst>
+            <pc:docMk/>
+            <pc:sldMk cId="28286465" sldId="284"/>
+            <ac:picMk id="9" creationId="{D63005C9-22D1-94E8-EDD8-B3B13ED35D98}"/>
+          </ac:picMkLst>
+        </pc:picChg>
+        <pc:picChg chg="add mod">
+          <ac:chgData name="Yarin Ifargan" userId="fa381fb27c5a29d3" providerId="LiveId" clId="{8B86CED2-B106-4055-A0C3-9FCA87BDCA2A}" dt="2022-07-01T13:23:51.660" v="1030" actId="1037"/>
+          <ac:picMkLst>
+            <pc:docMk/>
+            <pc:sldMk cId="28286465" sldId="284"/>
+            <ac:picMk id="11" creationId="{CD6C2A06-15EE-FC77-C037-19AD732809A8}"/>
+          </ac:picMkLst>
+        </pc:picChg>
+        <pc:picChg chg="del">
+          <ac:chgData name="Yarin Ifargan" userId="fa381fb27c5a29d3" providerId="LiveId" clId="{8B86CED2-B106-4055-A0C3-9FCA87BDCA2A}" dt="2022-07-01T13:22:25.633" v="730" actId="478"/>
+          <ac:picMkLst>
+            <pc:docMk/>
+            <pc:sldMk cId="28286465" sldId="284"/>
+            <ac:picMk id="12" creationId="{21C347DE-D6BF-7F73-9E17-A4033553CCAC}"/>
           </ac:picMkLst>
         </pc:picChg>
       </pc:sldChg>
-      <pc:sldMasterChg chg="addSp delSp modSp mod setBg modSldLayout">
-        <pc:chgData name="Yarin Ifargan" userId="fa381fb27c5a29d3" providerId="LiveId" clId="{7E083382-3419-434A-BABF-44686F64E288}" dt="2022-06-29T15:54:28.064" v="220"/>
-        <pc:sldMasterMkLst>
-          <pc:docMk/>
-          <pc:sldMasterMk cId="617913177" sldId="2147483863"/>
-        </pc:sldMasterMkLst>
-        <pc:spChg chg="del">
-          <ac:chgData name="Yarin Ifargan" userId="fa381fb27c5a29d3" providerId="LiveId" clId="{7E083382-3419-434A-BABF-44686F64E288}" dt="2022-06-29T15:53:55.742" v="207" actId="478"/>
-          <ac:spMkLst>
-            <pc:docMk/>
-            <pc:sldMasterMk cId="617913177" sldId="2147483863"/>
-            <ac:spMk id="2" creationId="{00000000-0000-0000-0000-000000000000}"/>
-          </ac:spMkLst>
-        </pc:spChg>
-        <pc:spChg chg="del">
-          <ac:chgData name="Yarin Ifargan" userId="fa381fb27c5a29d3" providerId="LiveId" clId="{7E083382-3419-434A-BABF-44686F64E288}" dt="2022-06-29T15:53:59.018" v="209" actId="478"/>
-          <ac:spMkLst>
-            <pc:docMk/>
-            <pc:sldMasterMk cId="617913177" sldId="2147483863"/>
-            <ac:spMk id="3" creationId="{00000000-0000-0000-0000-000000000000}"/>
-          </ac:spMkLst>
-        </pc:spChg>
-        <pc:spChg chg="del">
-          <ac:chgData name="Yarin Ifargan" userId="fa381fb27c5a29d3" providerId="LiveId" clId="{7E083382-3419-434A-BABF-44686F64E288}" dt="2022-06-29T15:54:15.766" v="214" actId="478"/>
-          <ac:spMkLst>
-            <pc:docMk/>
-            <pc:sldMasterMk cId="617913177" sldId="2147483863"/>
-            <ac:spMk id="4" creationId="{00000000-0000-0000-0000-000000000000}"/>
-          </ac:spMkLst>
-        </pc:spChg>
-        <pc:spChg chg="del">
-          <ac:chgData name="Yarin Ifargan" userId="fa381fb27c5a29d3" providerId="LiveId" clId="{7E083382-3419-434A-BABF-44686F64E288}" dt="2022-06-29T15:54:14.265" v="213" actId="478"/>
-          <ac:spMkLst>
-            <pc:docMk/>
-            <pc:sldMasterMk cId="617913177" sldId="2147483863"/>
-            <ac:spMk id="5" creationId="{00000000-0000-0000-0000-000000000000}"/>
-          </ac:spMkLst>
-        </pc:spChg>
-        <pc:spChg chg="del">
-          <ac:chgData name="Yarin Ifargan" userId="fa381fb27c5a29d3" providerId="LiveId" clId="{7E083382-3419-434A-BABF-44686F64E288}" dt="2022-06-29T15:53:57.538" v="208" actId="478"/>
-          <ac:spMkLst>
-            <pc:docMk/>
-            <pc:sldMasterMk cId="617913177" sldId="2147483863"/>
-            <ac:spMk id="6" creationId="{00000000-0000-0000-0000-000000000000}"/>
-          </ac:spMkLst>
-        </pc:spChg>
-        <pc:spChg chg="mod">
-          <ac:chgData name="Yarin Ifargan" userId="fa381fb27c5a29d3" providerId="LiveId" clId="{7E083382-3419-434A-BABF-44686F64E288}" dt="2022-06-29T15:54:02.409" v="210"/>
-          <ac:spMkLst>
-            <pc:docMk/>
-            <pc:sldMasterMk cId="617913177" sldId="2147483863"/>
-            <ac:spMk id="9" creationId="{6D1F5402-B25F-0571-CD0E-15FF7CD424CD}"/>
-          </ac:spMkLst>
-        </pc:spChg>
-        <pc:spChg chg="mod">
-          <ac:chgData name="Yarin Ifargan" userId="fa381fb27c5a29d3" providerId="LiveId" clId="{7E083382-3419-434A-BABF-44686F64E288}" dt="2022-06-29T15:54:02.409" v="210"/>
-          <ac:spMkLst>
-            <pc:docMk/>
-            <pc:sldMasterMk cId="617913177" sldId="2147483863"/>
-            <ac:spMk id="10" creationId="{3F30EB2C-D924-DE0C-B562-B300FECE2F68}"/>
-          </ac:spMkLst>
-        </pc:spChg>
-        <pc:spChg chg="mod">
-          <ac:chgData name="Yarin Ifargan" userId="fa381fb27c5a29d3" providerId="LiveId" clId="{7E083382-3419-434A-BABF-44686F64E288}" dt="2022-06-29T15:54:02.409" v="210"/>
-          <ac:spMkLst>
-            <pc:docMk/>
-            <pc:sldMasterMk cId="617913177" sldId="2147483863"/>
-            <ac:spMk id="11" creationId="{26CA8A39-FA9B-F0C9-1D85-4FA473809DF1}"/>
-          </ac:spMkLst>
-        </pc:spChg>
-        <pc:spChg chg="mod">
-          <ac:chgData name="Yarin Ifargan" userId="fa381fb27c5a29d3" providerId="LiveId" clId="{7E083382-3419-434A-BABF-44686F64E288}" dt="2022-06-29T15:54:02.409" v="210"/>
-          <ac:spMkLst>
-            <pc:docMk/>
-            <pc:sldMasterMk cId="617913177" sldId="2147483863"/>
-            <ac:spMk id="12" creationId="{991ACAC5-4B69-A346-10DC-D44039104B6C}"/>
-          </ac:spMkLst>
-        </pc:spChg>
-        <pc:spChg chg="mod">
-          <ac:chgData name="Yarin Ifargan" userId="fa381fb27c5a29d3" providerId="LiveId" clId="{7E083382-3419-434A-BABF-44686F64E288}" dt="2022-06-29T15:54:02.409" v="210"/>
-          <ac:spMkLst>
-            <pc:docMk/>
-            <pc:sldMasterMk cId="617913177" sldId="2147483863"/>
-            <ac:spMk id="13" creationId="{A427DD81-2972-104C-381F-AC79727F46CC}"/>
-          </ac:spMkLst>
-        </pc:spChg>
-        <pc:spChg chg="mod">
-          <ac:chgData name="Yarin Ifargan" userId="fa381fb27c5a29d3" providerId="LiveId" clId="{7E083382-3419-434A-BABF-44686F64E288}" dt="2022-06-29T15:54:02.409" v="210"/>
-          <ac:spMkLst>
-            <pc:docMk/>
-            <pc:sldMasterMk cId="617913177" sldId="2147483863"/>
-            <ac:spMk id="14" creationId="{DAC8BE13-13C0-66BB-0902-AAE6D66520C8}"/>
-          </ac:spMkLst>
-        </pc:spChg>
-        <pc:spChg chg="mod">
-          <ac:chgData name="Yarin Ifargan" userId="fa381fb27c5a29d3" providerId="LiveId" clId="{7E083382-3419-434A-BABF-44686F64E288}" dt="2022-06-29T15:54:02.409" v="210"/>
-          <ac:spMkLst>
-            <pc:docMk/>
-            <pc:sldMasterMk cId="617913177" sldId="2147483863"/>
-            <ac:spMk id="15" creationId="{3843AC5C-A742-C8E1-EE8F-35EA6D03D36C}"/>
-          </ac:spMkLst>
-        </pc:spChg>
-        <pc:spChg chg="mod">
-          <ac:chgData name="Yarin Ifargan" userId="fa381fb27c5a29d3" providerId="LiveId" clId="{7E083382-3419-434A-BABF-44686F64E288}" dt="2022-06-29T15:54:02.409" v="210"/>
-          <ac:spMkLst>
-            <pc:docMk/>
-            <pc:sldMasterMk cId="617913177" sldId="2147483863"/>
-            <ac:spMk id="16" creationId="{FE5C1448-D71B-AE43-22CD-E503E5AD618B}"/>
-          </ac:spMkLst>
-        </pc:spChg>
-        <pc:spChg chg="mod">
-          <ac:chgData name="Yarin Ifargan" userId="fa381fb27c5a29d3" providerId="LiveId" clId="{7E083382-3419-434A-BABF-44686F64E288}" dt="2022-06-29T15:54:02.409" v="210"/>
-          <ac:spMkLst>
-            <pc:docMk/>
-            <pc:sldMasterMk cId="617913177" sldId="2147483863"/>
-            <ac:spMk id="17" creationId="{0FE239AF-07D6-D2E0-0FA7-E61AA7BA3313}"/>
-          </ac:spMkLst>
-        </pc:spChg>
-        <pc:spChg chg="mod">
-          <ac:chgData name="Yarin Ifargan" userId="fa381fb27c5a29d3" providerId="LiveId" clId="{7E083382-3419-434A-BABF-44686F64E288}" dt="2022-06-29T15:54:02.409" v="210"/>
-          <ac:spMkLst>
-            <pc:docMk/>
-            <pc:sldMasterMk cId="617913177" sldId="2147483863"/>
-            <ac:spMk id="18" creationId="{BA7A8E82-EA10-5B77-AC69-956D77ECF784}"/>
-          </ac:spMkLst>
-        </pc:spChg>
-        <pc:spChg chg="mod">
-          <ac:chgData name="Yarin Ifargan" userId="fa381fb27c5a29d3" providerId="LiveId" clId="{7E083382-3419-434A-BABF-44686F64E288}" dt="2022-06-29T15:54:02.409" v="210"/>
-          <ac:spMkLst>
-            <pc:docMk/>
-            <pc:sldMasterMk cId="617913177" sldId="2147483863"/>
-            <ac:spMk id="19" creationId="{4697F039-73BC-9AAD-C54F-F18C372B74A9}"/>
-          </ac:spMkLst>
-        </pc:spChg>
-        <pc:grpChg chg="add mod">
-          <ac:chgData name="Yarin Ifargan" userId="fa381fb27c5a29d3" providerId="LiveId" clId="{7E083382-3419-434A-BABF-44686F64E288}" dt="2022-06-29T15:54:07.098" v="212" actId="1076"/>
-          <ac:grpSpMkLst>
-            <pc:docMk/>
-            <pc:sldMasterMk cId="617913177" sldId="2147483863"/>
-            <ac:grpSpMk id="8" creationId="{6C82F0F5-D8F6-2426-1672-C74C74C8E6F6}"/>
-          </ac:grpSpMkLst>
-        </pc:grpChg>
-        <pc:picChg chg="del">
-          <ac:chgData name="Yarin Ifargan" userId="fa381fb27c5a29d3" providerId="LiveId" clId="{7E083382-3419-434A-BABF-44686F64E288}" dt="2022-06-29T15:53:54.237" v="206" actId="478"/>
-          <ac:picMkLst>
-            <pc:docMk/>
-            <pc:sldMasterMk cId="617913177" sldId="2147483863"/>
-            <ac:picMk id="7" creationId="{00000000-0000-0000-0000-000000000000}"/>
-          </ac:picMkLst>
-        </pc:picChg>
-        <pc:sldLayoutChg chg="delSp modSp mod setBg">
-          <pc:chgData name="Yarin Ifargan" userId="fa381fb27c5a29d3" providerId="LiveId" clId="{7E083382-3419-434A-BABF-44686F64E288}" dt="2022-06-29T15:54:28.064" v="220"/>
-          <pc:sldLayoutMkLst>
-            <pc:docMk/>
-            <pc:sldMasterMk cId="617913177" sldId="2147483863"/>
-            <pc:sldLayoutMk cId="2012487544" sldId="2147483864"/>
-          </pc:sldLayoutMkLst>
-          <pc:spChg chg="mod">
-            <ac:chgData name="Yarin Ifargan" userId="fa381fb27c5a29d3" providerId="LiveId" clId="{7E083382-3419-434A-BABF-44686F64E288}" dt="2022-06-29T15:53:48.404" v="205" actId="6549"/>
-            <ac:spMkLst>
-              <pc:docMk/>
-              <pc:sldMasterMk cId="617913177" sldId="2147483863"/>
-              <pc:sldLayoutMk cId="2012487544" sldId="2147483864"/>
-              <ac:spMk id="2" creationId="{00000000-0000-0000-0000-000000000000}"/>
-            </ac:spMkLst>
-          </pc:spChg>
-          <pc:spChg chg="del">
-            <ac:chgData name="Yarin Ifargan" userId="fa381fb27c5a29d3" providerId="LiveId" clId="{7E083382-3419-434A-BABF-44686F64E288}" dt="2022-06-29T15:53:47.614" v="204" actId="478"/>
-            <ac:spMkLst>
-              <pc:docMk/>
-              <pc:sldMasterMk cId="617913177" sldId="2147483863"/>
-              <pc:sldLayoutMk cId="2012487544" sldId="2147483864"/>
-              <ac:spMk id="6" creationId="{00000000-0000-0000-0000-000000000000}"/>
-            </ac:spMkLst>
-          </pc:spChg>
-          <pc:picChg chg="del">
-            <ac:chgData name="Yarin Ifargan" userId="fa381fb27c5a29d3" providerId="LiveId" clId="{7E083382-3419-434A-BABF-44686F64E288}" dt="2022-06-29T15:53:43.800" v="203" actId="478"/>
-            <ac:picMkLst>
-              <pc:docMk/>
-              <pc:sldMasterMk cId="617913177" sldId="2147483863"/>
-              <pc:sldLayoutMk cId="2012487544" sldId="2147483864"/>
-              <ac:picMk id="7" creationId="{00000000-0000-0000-0000-000000000000}"/>
-            </ac:picMkLst>
-          </pc:picChg>
-        </pc:sldLayoutChg>
-        <pc:sldLayoutChg chg="setBg">
-          <pc:chgData name="Yarin Ifargan" userId="fa381fb27c5a29d3" providerId="LiveId" clId="{7E083382-3419-434A-BABF-44686F64E288}" dt="2022-06-29T15:54:28.064" v="220"/>
-          <pc:sldLayoutMkLst>
-            <pc:docMk/>
-            <pc:sldMasterMk cId="617913177" sldId="2147483863"/>
-            <pc:sldLayoutMk cId="446538228" sldId="2147483865"/>
-          </pc:sldLayoutMkLst>
-        </pc:sldLayoutChg>
-        <pc:sldLayoutChg chg="setBg">
-          <pc:chgData name="Yarin Ifargan" userId="fa381fb27c5a29d3" providerId="LiveId" clId="{7E083382-3419-434A-BABF-44686F64E288}" dt="2022-06-29T15:54:28.064" v="220"/>
-          <pc:sldLayoutMkLst>
-            <pc:docMk/>
-            <pc:sldMasterMk cId="617913177" sldId="2147483863"/>
-            <pc:sldLayoutMk cId="987535207" sldId="2147483866"/>
-          </pc:sldLayoutMkLst>
-        </pc:sldLayoutChg>
-        <pc:sldLayoutChg chg="setBg">
-          <pc:chgData name="Yarin Ifargan" userId="fa381fb27c5a29d3" providerId="LiveId" clId="{7E083382-3419-434A-BABF-44686F64E288}" dt="2022-06-29T15:54:28.064" v="220"/>
-          <pc:sldLayoutMkLst>
-            <pc:docMk/>
-            <pc:sldMasterMk cId="617913177" sldId="2147483863"/>
-            <pc:sldLayoutMk cId="2334110398" sldId="2147483867"/>
-          </pc:sldLayoutMkLst>
-        </pc:sldLayoutChg>
-        <pc:sldLayoutChg chg="setBg">
-          <pc:chgData name="Yarin Ifargan" userId="fa381fb27c5a29d3" providerId="LiveId" clId="{7E083382-3419-434A-BABF-44686F64E288}" dt="2022-06-29T15:54:28.064" v="220"/>
-          <pc:sldLayoutMkLst>
-            <pc:docMk/>
-            <pc:sldMasterMk cId="617913177" sldId="2147483863"/>
-            <pc:sldLayoutMk cId="2990375245" sldId="2147483868"/>
-          </pc:sldLayoutMkLst>
-        </pc:sldLayoutChg>
-        <pc:sldLayoutChg chg="setBg">
-          <pc:chgData name="Yarin Ifargan" userId="fa381fb27c5a29d3" providerId="LiveId" clId="{7E083382-3419-434A-BABF-44686F64E288}" dt="2022-06-29T15:54:28.064" v="220"/>
-          <pc:sldLayoutMkLst>
-            <pc:docMk/>
-            <pc:sldMasterMk cId="617913177" sldId="2147483863"/>
-            <pc:sldLayoutMk cId="3222497515" sldId="2147483869"/>
-          </pc:sldLayoutMkLst>
-        </pc:sldLayoutChg>
-        <pc:sldLayoutChg chg="setBg">
-          <pc:chgData name="Yarin Ifargan" userId="fa381fb27c5a29d3" providerId="LiveId" clId="{7E083382-3419-434A-BABF-44686F64E288}" dt="2022-06-29T15:54:28.064" v="220"/>
-          <pc:sldLayoutMkLst>
-            <pc:docMk/>
-            <pc:sldMasterMk cId="617913177" sldId="2147483863"/>
-            <pc:sldLayoutMk cId="1687687864" sldId="2147483870"/>
-          </pc:sldLayoutMkLst>
-        </pc:sldLayoutChg>
-        <pc:sldLayoutChg chg="setBg">
-          <pc:chgData name="Yarin Ifargan" userId="fa381fb27c5a29d3" providerId="LiveId" clId="{7E083382-3419-434A-BABF-44686F64E288}" dt="2022-06-29T15:54:28.064" v="220"/>
-          <pc:sldLayoutMkLst>
-            <pc:docMk/>
-            <pc:sldMasterMk cId="617913177" sldId="2147483863"/>
-            <pc:sldLayoutMk cId="2054476862" sldId="2147483871"/>
-          </pc:sldLayoutMkLst>
-        </pc:sldLayoutChg>
-        <pc:sldLayoutChg chg="setBg">
-          <pc:chgData name="Yarin Ifargan" userId="fa381fb27c5a29d3" providerId="LiveId" clId="{7E083382-3419-434A-BABF-44686F64E288}" dt="2022-06-29T15:54:28.064" v="220"/>
-          <pc:sldLayoutMkLst>
-            <pc:docMk/>
-            <pc:sldMasterMk cId="617913177" sldId="2147483863"/>
-            <pc:sldLayoutMk cId="1381331201" sldId="2147483872"/>
-          </pc:sldLayoutMkLst>
-        </pc:sldLayoutChg>
-        <pc:sldLayoutChg chg="setBg">
-          <pc:chgData name="Yarin Ifargan" userId="fa381fb27c5a29d3" providerId="LiveId" clId="{7E083382-3419-434A-BABF-44686F64E288}" dt="2022-06-29T15:54:28.064" v="220"/>
-          <pc:sldLayoutMkLst>
-            <pc:docMk/>
-            <pc:sldMasterMk cId="617913177" sldId="2147483863"/>
-            <pc:sldLayoutMk cId="3261703298" sldId="2147483873"/>
-          </pc:sldLayoutMkLst>
-        </pc:sldLayoutChg>
-        <pc:sldLayoutChg chg="setBg">
-          <pc:chgData name="Yarin Ifargan" userId="fa381fb27c5a29d3" providerId="LiveId" clId="{7E083382-3419-434A-BABF-44686F64E288}" dt="2022-06-29T15:54:28.064" v="220"/>
-          <pc:sldLayoutMkLst>
-            <pc:docMk/>
-            <pc:sldMasterMk cId="617913177" sldId="2147483863"/>
-            <pc:sldLayoutMk cId="2045993592" sldId="2147483874"/>
-          </pc:sldLayoutMkLst>
-        </pc:sldLayoutChg>
-        <pc:sldLayoutChg chg="setBg">
-          <pc:chgData name="Yarin Ifargan" userId="fa381fb27c5a29d3" providerId="LiveId" clId="{7E083382-3419-434A-BABF-44686F64E288}" dt="2022-06-29T15:54:28.064" v="220"/>
-          <pc:sldLayoutMkLst>
-            <pc:docMk/>
-            <pc:sldMasterMk cId="617913177" sldId="2147483863"/>
-            <pc:sldLayoutMk cId="2873792400" sldId="2147483875"/>
-          </pc:sldLayoutMkLst>
-        </pc:sldLayoutChg>
-        <pc:sldLayoutChg chg="setBg">
-          <pc:chgData name="Yarin Ifargan" userId="fa381fb27c5a29d3" providerId="LiveId" clId="{7E083382-3419-434A-BABF-44686F64E288}" dt="2022-06-29T15:54:28.064" v="220"/>
-          <pc:sldLayoutMkLst>
-            <pc:docMk/>
-            <pc:sldMasterMk cId="617913177" sldId="2147483863"/>
-            <pc:sldLayoutMk cId="1953007466" sldId="2147483876"/>
-          </pc:sldLayoutMkLst>
-        </pc:sldLayoutChg>
-        <pc:sldLayoutChg chg="setBg">
-          <pc:chgData name="Yarin Ifargan" userId="fa381fb27c5a29d3" providerId="LiveId" clId="{7E083382-3419-434A-BABF-44686F64E288}" dt="2022-06-29T15:54:28.064" v="220"/>
-          <pc:sldLayoutMkLst>
-            <pc:docMk/>
-            <pc:sldMasterMk cId="617913177" sldId="2147483863"/>
-            <pc:sldLayoutMk cId="1664185925" sldId="2147483877"/>
-          </pc:sldLayoutMkLst>
-        </pc:sldLayoutChg>
-        <pc:sldLayoutChg chg="setBg">
-          <pc:chgData name="Yarin Ifargan" userId="fa381fb27c5a29d3" providerId="LiveId" clId="{7E083382-3419-434A-BABF-44686F64E288}" dt="2022-06-29T15:54:28.064" v="220"/>
-          <pc:sldLayoutMkLst>
-            <pc:docMk/>
-            <pc:sldMasterMk cId="617913177" sldId="2147483863"/>
-            <pc:sldLayoutMk cId="1593801158" sldId="2147483878"/>
-          </pc:sldLayoutMkLst>
-        </pc:sldLayoutChg>
-        <pc:sldLayoutChg chg="setBg">
-          <pc:chgData name="Yarin Ifargan" userId="fa381fb27c5a29d3" providerId="LiveId" clId="{7E083382-3419-434A-BABF-44686F64E288}" dt="2022-06-29T15:54:28.064" v="220"/>
-          <pc:sldLayoutMkLst>
-            <pc:docMk/>
-            <pc:sldMasterMk cId="617913177" sldId="2147483863"/>
-            <pc:sldLayoutMk cId="620489976" sldId="2147483879"/>
-          </pc:sldLayoutMkLst>
-        </pc:sldLayoutChg>
-        <pc:sldLayoutChg chg="setBg">
-          <pc:chgData name="Yarin Ifargan" userId="fa381fb27c5a29d3" providerId="LiveId" clId="{7E083382-3419-434A-BABF-44686F64E288}" dt="2022-06-29T15:54:28.064" v="220"/>
-          <pc:sldLayoutMkLst>
-            <pc:docMk/>
-            <pc:sldMasterMk cId="617913177" sldId="2147483863"/>
-            <pc:sldLayoutMk cId="434232158" sldId="2147483880"/>
-          </pc:sldLayoutMkLst>
-        </pc:sldLayoutChg>
-      </pc:sldMasterChg>
-      <pc:sldMasterChg chg="addSp delSp modSp new mod setBg addSldLayout modSldLayout">
-        <pc:chgData name="Yarin Ifargan" userId="fa381fb27c5a29d3" providerId="LiveId" clId="{7E083382-3419-434A-BABF-44686F64E288}" dt="2022-06-29T15:54:28.064" v="220"/>
-        <pc:sldMasterMkLst>
-          <pc:docMk/>
-          <pc:sldMasterMk cId="3304771659" sldId="2147483881"/>
-        </pc:sldMasterMkLst>
-        <pc:spChg chg="del">
-          <ac:chgData name="Yarin Ifargan" userId="fa381fb27c5a29d3" providerId="LiveId" clId="{7E083382-3419-434A-BABF-44686F64E288}" dt="2022-06-29T15:47:15.864" v="57" actId="478"/>
-          <ac:spMkLst>
-            <pc:docMk/>
-            <pc:sldMasterMk cId="3304771659" sldId="2147483881"/>
-            <ac:spMk id="2" creationId="{776F21EA-6CAF-ED0D-522F-313B807920F2}"/>
-          </ac:spMkLst>
-        </pc:spChg>
-        <pc:spChg chg="del">
-          <ac:chgData name="Yarin Ifargan" userId="fa381fb27c5a29d3" providerId="LiveId" clId="{7E083382-3419-434A-BABF-44686F64E288}" dt="2022-06-29T15:47:17.749" v="58" actId="478"/>
-          <ac:spMkLst>
-            <pc:docMk/>
-            <pc:sldMasterMk cId="3304771659" sldId="2147483881"/>
-            <ac:spMk id="3" creationId="{880CEBEA-B60E-B4DD-748E-B23C3BEBEE85}"/>
-          </ac:spMkLst>
-        </pc:spChg>
-        <pc:spChg chg="mod">
-          <ac:chgData name="Yarin Ifargan" userId="fa381fb27c5a29d3" providerId="LiveId" clId="{7E083382-3419-434A-BABF-44686F64E288}" dt="2022-06-29T15:47:19.904" v="59"/>
-          <ac:spMkLst>
-            <pc:docMk/>
-            <pc:sldMasterMk cId="3304771659" sldId="2147483881"/>
-            <ac:spMk id="8" creationId="{0AC954BC-3FCF-666E-7EBE-E59634197E83}"/>
-          </ac:spMkLst>
-        </pc:spChg>
-        <pc:spChg chg="mod">
-          <ac:chgData name="Yarin Ifargan" userId="fa381fb27c5a29d3" providerId="LiveId" clId="{7E083382-3419-434A-BABF-44686F64E288}" dt="2022-06-29T15:47:19.904" v="59"/>
-          <ac:spMkLst>
-            <pc:docMk/>
-            <pc:sldMasterMk cId="3304771659" sldId="2147483881"/>
-            <ac:spMk id="9" creationId="{C52FF0F4-B4C7-00E1-A719-D36927CAD8B5}"/>
-          </ac:spMkLst>
-        </pc:spChg>
-        <pc:spChg chg="mod">
-          <ac:chgData name="Yarin Ifargan" userId="fa381fb27c5a29d3" providerId="LiveId" clId="{7E083382-3419-434A-BABF-44686F64E288}" dt="2022-06-29T15:47:19.904" v="59"/>
-          <ac:spMkLst>
-            <pc:docMk/>
-            <pc:sldMasterMk cId="3304771659" sldId="2147483881"/>
-            <ac:spMk id="10" creationId="{4498A807-1A68-91CD-3074-ABE0BA9C67E7}"/>
-          </ac:spMkLst>
-        </pc:spChg>
-        <pc:spChg chg="mod">
-          <ac:chgData name="Yarin Ifargan" userId="fa381fb27c5a29d3" providerId="LiveId" clId="{7E083382-3419-434A-BABF-44686F64E288}" dt="2022-06-29T15:47:19.904" v="59"/>
-          <ac:spMkLst>
-            <pc:docMk/>
-            <pc:sldMasterMk cId="3304771659" sldId="2147483881"/>
-            <ac:spMk id="11" creationId="{AD85572D-198D-53D0-7270-EE738F6DC3F2}"/>
-          </ac:spMkLst>
-        </pc:spChg>
-        <pc:spChg chg="mod">
-          <ac:chgData name="Yarin Ifargan" userId="fa381fb27c5a29d3" providerId="LiveId" clId="{7E083382-3419-434A-BABF-44686F64E288}" dt="2022-06-29T15:47:19.904" v="59"/>
-          <ac:spMkLst>
-            <pc:docMk/>
-            <pc:sldMasterMk cId="3304771659" sldId="2147483881"/>
-            <ac:spMk id="12" creationId="{5E179E76-4696-48D8-08B0-5922A4E93EEC}"/>
-          </ac:spMkLst>
-        </pc:spChg>
-        <pc:spChg chg="mod">
-          <ac:chgData name="Yarin Ifargan" userId="fa381fb27c5a29d3" providerId="LiveId" clId="{7E083382-3419-434A-BABF-44686F64E288}" dt="2022-06-29T15:47:19.904" v="59"/>
-          <ac:spMkLst>
-            <pc:docMk/>
-            <pc:sldMasterMk cId="3304771659" sldId="2147483881"/>
-            <ac:spMk id="13" creationId="{A632E9C7-95BD-0ADF-C603-F84A727FD0D9}"/>
-          </ac:spMkLst>
-        </pc:spChg>
-        <pc:spChg chg="mod">
-          <ac:chgData name="Yarin Ifargan" userId="fa381fb27c5a29d3" providerId="LiveId" clId="{7E083382-3419-434A-BABF-44686F64E288}" dt="2022-06-29T15:47:19.904" v="59"/>
-          <ac:spMkLst>
-            <pc:docMk/>
-            <pc:sldMasterMk cId="3304771659" sldId="2147483881"/>
-            <ac:spMk id="14" creationId="{F93C63FA-AAA5-354F-CE6F-0052F7E652C5}"/>
-          </ac:spMkLst>
-        </pc:spChg>
-        <pc:spChg chg="mod">
-          <ac:chgData name="Yarin Ifargan" userId="fa381fb27c5a29d3" providerId="LiveId" clId="{7E083382-3419-434A-BABF-44686F64E288}" dt="2022-06-29T15:47:19.904" v="59"/>
-          <ac:spMkLst>
-            <pc:docMk/>
-            <pc:sldMasterMk cId="3304771659" sldId="2147483881"/>
-            <ac:spMk id="15" creationId="{09AA8168-255A-BA8F-F451-72A9A50B8D56}"/>
-          </ac:spMkLst>
-        </pc:spChg>
-        <pc:spChg chg="mod">
-          <ac:chgData name="Yarin Ifargan" userId="fa381fb27c5a29d3" providerId="LiveId" clId="{7E083382-3419-434A-BABF-44686F64E288}" dt="2022-06-29T15:47:19.904" v="59"/>
-          <ac:spMkLst>
-            <pc:docMk/>
-            <pc:sldMasterMk cId="3304771659" sldId="2147483881"/>
-            <ac:spMk id="16" creationId="{94C355AA-2C7A-CB62-559B-08B0A5BA776C}"/>
-          </ac:spMkLst>
-        </pc:spChg>
-        <pc:spChg chg="mod">
-          <ac:chgData name="Yarin Ifargan" userId="fa381fb27c5a29d3" providerId="LiveId" clId="{7E083382-3419-434A-BABF-44686F64E288}" dt="2022-06-29T15:47:19.904" v="59"/>
-          <ac:spMkLst>
-            <pc:docMk/>
-            <pc:sldMasterMk cId="3304771659" sldId="2147483881"/>
-            <ac:spMk id="17" creationId="{6625AE1D-5A80-E3FE-B939-B5293B9A9DF1}"/>
-          </ac:spMkLst>
-        </pc:spChg>
-        <pc:spChg chg="mod">
-          <ac:chgData name="Yarin Ifargan" userId="fa381fb27c5a29d3" providerId="LiveId" clId="{7E083382-3419-434A-BABF-44686F64E288}" dt="2022-06-29T15:47:19.904" v="59"/>
-          <ac:spMkLst>
-            <pc:docMk/>
-            <pc:sldMasterMk cId="3304771659" sldId="2147483881"/>
-            <ac:spMk id="18" creationId="{0D8232C2-1A23-C54E-32C2-446CA394C453}"/>
-          </ac:spMkLst>
-        </pc:spChg>
-        <pc:grpChg chg="add mod">
-          <ac:chgData name="Yarin Ifargan" userId="fa381fb27c5a29d3" providerId="LiveId" clId="{7E083382-3419-434A-BABF-44686F64E288}" dt="2022-06-29T15:49:19.381" v="170" actId="1037"/>
-          <ac:grpSpMkLst>
-            <pc:docMk/>
-            <pc:sldMasterMk cId="3304771659" sldId="2147483881"/>
-            <ac:grpSpMk id="7" creationId="{CCB24DD6-C9E0-7C04-0F1A-737C46238B68}"/>
-          </ac:grpSpMkLst>
-        </pc:grpChg>
-        <pc:sldLayoutChg chg="new replId setBg">
-          <pc:chgData name="Yarin Ifargan" userId="fa381fb27c5a29d3" providerId="LiveId" clId="{7E083382-3419-434A-BABF-44686F64E288}" dt="2022-06-29T15:54:28.064" v="220"/>
-          <pc:sldLayoutMkLst>
-            <pc:docMk/>
-            <pc:sldMasterMk cId="3304771659" sldId="2147483881"/>
-            <pc:sldLayoutMk cId="673877375" sldId="2147483882"/>
-          </pc:sldLayoutMkLst>
-        </pc:sldLayoutChg>
-        <pc:sldLayoutChg chg="new replId setBg">
-          <pc:chgData name="Yarin Ifargan" userId="fa381fb27c5a29d3" providerId="LiveId" clId="{7E083382-3419-434A-BABF-44686F64E288}" dt="2022-06-29T15:54:28.064" v="220"/>
-          <pc:sldLayoutMkLst>
-            <pc:docMk/>
-            <pc:sldMasterMk cId="3304771659" sldId="2147483881"/>
-            <pc:sldLayoutMk cId="2887790389" sldId="2147483883"/>
-          </pc:sldLayoutMkLst>
-        </pc:sldLayoutChg>
-        <pc:sldLayoutChg chg="new replId setBg">
-          <pc:chgData name="Yarin Ifargan" userId="fa381fb27c5a29d3" providerId="LiveId" clId="{7E083382-3419-434A-BABF-44686F64E288}" dt="2022-06-29T15:54:28.064" v="220"/>
-          <pc:sldLayoutMkLst>
-            <pc:docMk/>
-            <pc:sldMasterMk cId="3304771659" sldId="2147483881"/>
-            <pc:sldLayoutMk cId="1894063302" sldId="2147483884"/>
-          </pc:sldLayoutMkLst>
-        </pc:sldLayoutChg>
-        <pc:sldLayoutChg chg="new replId setBg">
-          <pc:chgData name="Yarin Ifargan" userId="fa381fb27c5a29d3" providerId="LiveId" clId="{7E083382-3419-434A-BABF-44686F64E288}" dt="2022-06-29T15:54:28.064" v="220"/>
-          <pc:sldLayoutMkLst>
-            <pc:docMk/>
-            <pc:sldMasterMk cId="3304771659" sldId="2147483881"/>
-            <pc:sldLayoutMk cId="905737270" sldId="2147483885"/>
-          </pc:sldLayoutMkLst>
-        </pc:sldLayoutChg>
-        <pc:sldLayoutChg chg="new replId setBg">
-          <pc:chgData name="Yarin Ifargan" userId="fa381fb27c5a29d3" providerId="LiveId" clId="{7E083382-3419-434A-BABF-44686F64E288}" dt="2022-06-29T15:54:28.064" v="220"/>
-          <pc:sldLayoutMkLst>
-            <pc:docMk/>
-            <pc:sldMasterMk cId="3304771659" sldId="2147483881"/>
-            <pc:sldLayoutMk cId="4149988264" sldId="2147483886"/>
-          </pc:sldLayoutMkLst>
-        </pc:sldLayoutChg>
-        <pc:sldLayoutChg chg="new replId setBg">
-          <pc:chgData name="Yarin Ifargan" userId="fa381fb27c5a29d3" providerId="LiveId" clId="{7E083382-3419-434A-BABF-44686F64E288}" dt="2022-06-29T15:54:28.064" v="220"/>
-          <pc:sldLayoutMkLst>
-            <pc:docMk/>
-            <pc:sldMasterMk cId="3304771659" sldId="2147483881"/>
-            <pc:sldLayoutMk cId="3597787623" sldId="2147483887"/>
-          </pc:sldLayoutMkLst>
-        </pc:sldLayoutChg>
-        <pc:sldLayoutChg chg="new replId setBg">
-          <pc:chgData name="Yarin Ifargan" userId="fa381fb27c5a29d3" providerId="LiveId" clId="{7E083382-3419-434A-BABF-44686F64E288}" dt="2022-06-29T15:54:28.064" v="220"/>
-          <pc:sldLayoutMkLst>
-            <pc:docMk/>
-            <pc:sldMasterMk cId="3304771659" sldId="2147483881"/>
-            <pc:sldLayoutMk cId="556485318" sldId="2147483888"/>
-          </pc:sldLayoutMkLst>
-        </pc:sldLayoutChg>
-        <pc:sldLayoutChg chg="new replId setBg">
-          <pc:chgData name="Yarin Ifargan" userId="fa381fb27c5a29d3" providerId="LiveId" clId="{7E083382-3419-434A-BABF-44686F64E288}" dt="2022-06-29T15:54:28.064" v="220"/>
-          <pc:sldLayoutMkLst>
-            <pc:docMk/>
-            <pc:sldMasterMk cId="3304771659" sldId="2147483881"/>
-            <pc:sldLayoutMk cId="3380633628" sldId="2147483889"/>
-          </pc:sldLayoutMkLst>
-        </pc:sldLayoutChg>
-        <pc:sldLayoutChg chg="new replId setBg">
-          <pc:chgData name="Yarin Ifargan" userId="fa381fb27c5a29d3" providerId="LiveId" clId="{7E083382-3419-434A-BABF-44686F64E288}" dt="2022-06-29T15:54:28.064" v="220"/>
-          <pc:sldLayoutMkLst>
-            <pc:docMk/>
-            <pc:sldMasterMk cId="3304771659" sldId="2147483881"/>
-            <pc:sldLayoutMk cId="1796940452" sldId="2147483890"/>
-          </pc:sldLayoutMkLst>
-        </pc:sldLayoutChg>
-        <pc:sldLayoutChg chg="new replId setBg">
-          <pc:chgData name="Yarin Ifargan" userId="fa381fb27c5a29d3" providerId="LiveId" clId="{7E083382-3419-434A-BABF-44686F64E288}" dt="2022-06-29T15:54:28.064" v="220"/>
-          <pc:sldLayoutMkLst>
-            <pc:docMk/>
-            <pc:sldMasterMk cId="3304771659" sldId="2147483881"/>
-            <pc:sldLayoutMk cId="2172278252" sldId="2147483891"/>
-          </pc:sldLayoutMkLst>
-        </pc:sldLayoutChg>
-        <pc:sldLayoutChg chg="new replId setBg">
-          <pc:chgData name="Yarin Ifargan" userId="fa381fb27c5a29d3" providerId="LiveId" clId="{7E083382-3419-434A-BABF-44686F64E288}" dt="2022-06-29T15:54:28.064" v="220"/>
-          <pc:sldLayoutMkLst>
-            <pc:docMk/>
-            <pc:sldMasterMk cId="3304771659" sldId="2147483881"/>
-            <pc:sldLayoutMk cId="1644631672" sldId="2147483892"/>
-          </pc:sldLayoutMkLst>
-        </pc:sldLayoutChg>
-      </pc:sldMasterChg>
     </pc:docChg>
   </pc:docChgLst>
 </pc:chgInfo>
@@ -2064,7 +848,7 @@
           <a:p>
             <a:fld id="{6578E9C4-7133-4DA1-94F5-28AA3956FF8C}" type="datetimeFigureOut">
               <a:rPr lang="he-IL" smtClean="0"/>
-              <a:t>ל'/סיון/תשפ"ב</a:t>
+              <a:t>ב'/תמוז/תשפ"ב</a:t>
             </a:fld>
             <a:endParaRPr lang="he-IL"/>
           </a:p>
@@ -2480,7 +1264,7 @@
           <a:p>
             <a:fld id="{D7B5778F-B5AD-4CA5-894F-24A925F9F029}" type="datetime1">
               <a:rPr lang="en-US" smtClean="0"/>
-              <a:t>6/29/2022</a:t>
+              <a:t>7/1/2022</a:t>
             </a:fld>
             <a:endParaRPr lang="en-US"/>
           </a:p>
@@ -2739,7 +1523,7 @@
           <a:p>
             <a:fld id="{0C4F3E6C-9D66-44EE-9079-34FDE798CFCA}" type="datetime1">
               <a:rPr lang="en-US" smtClean="0"/>
-              <a:t>6/29/2022</a:t>
+              <a:t>7/1/2022</a:t>
             </a:fld>
             <a:endParaRPr lang="en-US"/>
           </a:p>
@@ -2995,7 +1779,7 @@
           <a:p>
             <a:fld id="{E6F81802-9EF5-4B5E-96FB-8C1DCD80CE53}" type="datetime1">
               <a:rPr lang="en-US" smtClean="0"/>
-              <a:t>6/29/2022</a:t>
+              <a:t>7/1/2022</a:t>
             </a:fld>
             <a:endParaRPr lang="en-US"/>
           </a:p>
@@ -3323,7 +2107,7 @@
           <a:p>
             <a:fld id="{6B18463D-843B-462A-982B-C6DCF96C7D26}" type="datetime1">
               <a:rPr lang="en-US" smtClean="0"/>
-              <a:t>6/29/2022</a:t>
+              <a:t>7/1/2022</a:t>
             </a:fld>
             <a:endParaRPr lang="en-US"/>
           </a:p>
@@ -3811,7 +2595,7 @@
           <a:p>
             <a:fld id="{81D17AA6-51B2-4253-A60D-EC6A6BE496BD}" type="datetime1">
               <a:rPr lang="en-US" smtClean="0"/>
-              <a:t>6/29/2022</a:t>
+              <a:t>7/1/2022</a:t>
             </a:fld>
             <a:endParaRPr lang="en-US"/>
           </a:p>
@@ -4393,7 +3177,7 @@
           <a:p>
             <a:fld id="{5F053C3C-CB44-40E9-8AE6-E7FC99B64932}" type="datetime1">
               <a:rPr lang="en-US" smtClean="0"/>
-              <a:t>6/29/2022</a:t>
+              <a:t>7/1/2022</a:t>
             </a:fld>
             <a:endParaRPr lang="en-US"/>
           </a:p>
@@ -5212,7 +3996,7 @@
           <a:p>
             <a:fld id="{C5781A12-C8AE-40BE-9E19-EE8B7DB4DC32}" type="datetime1">
               <a:rPr lang="en-US" smtClean="0"/>
-              <a:t>6/29/2022</a:t>
+              <a:t>7/1/2022</a:t>
             </a:fld>
             <a:endParaRPr lang="en-US"/>
           </a:p>
@@ -5422,7 +4206,7 @@
           <a:p>
             <a:fld id="{152BE8D2-8C2D-4DCF-A4AD-89BD299413CF}" type="datetime1">
               <a:rPr lang="en-US" smtClean="0"/>
-              <a:t>6/29/2022</a:t>
+              <a:t>7/1/2022</a:t>
             </a:fld>
             <a:endParaRPr lang="en-US"/>
           </a:p>
@@ -5670,7 +4454,7 @@
           <a:p>
             <a:fld id="{F8C345ED-7223-42FC-B6E8-3BEF9C83361F}" type="datetime1">
               <a:rPr lang="en-US" smtClean="0"/>
-              <a:t>6/29/2022</a:t>
+              <a:t>7/1/2022</a:t>
             </a:fld>
             <a:endParaRPr lang="en-US"/>
           </a:p>
@@ -5900,7 +4684,7 @@
           <a:p>
             <a:fld id="{F1162C31-0D9E-4D66-A295-F6354D02C1D0}" type="datetime1">
               <a:rPr lang="en-US" smtClean="0"/>
-              <a:t>6/29/2022</a:t>
+              <a:t>7/1/2022</a:t>
             </a:fld>
             <a:endParaRPr lang="he-IL"/>
           </a:p>
@@ -6114,7 +4898,7 @@
           <a:p>
             <a:fld id="{429E8C17-F2B0-42A2-B885-E15FAFAE7815}" type="datetime1">
               <a:rPr lang="en-US" smtClean="0"/>
-              <a:t>6/29/2022</a:t>
+              <a:t>7/1/2022</a:t>
             </a:fld>
             <a:endParaRPr lang="he-IL"/>
           </a:p>
@@ -6320,7 +5104,7 @@
           <a:p>
             <a:fld id="{361DF6A3-C522-4B7E-87EE-70998F6C03DA}" type="datetime1">
               <a:rPr lang="en-US" smtClean="0"/>
-              <a:t>6/29/2022</a:t>
+              <a:t>7/1/2022</a:t>
             </a:fld>
             <a:endParaRPr lang="en-US"/>
           </a:p>
@@ -6605,7 +5389,7 @@
           <a:p>
             <a:fld id="{ED8E6866-D229-49FA-8DE7-6B42FCCD3CF5}" type="datetime1">
               <a:rPr lang="en-US" smtClean="0"/>
-              <a:t>6/29/2022</a:t>
+              <a:t>7/1/2022</a:t>
             </a:fld>
             <a:endParaRPr lang="he-IL"/>
           </a:p>
@@ -6884,7 +5668,7 @@
           <a:p>
             <a:fld id="{19E10D23-F029-4E0F-96F0-22F224ED2496}" type="datetime1">
               <a:rPr lang="en-US" smtClean="0"/>
-              <a:t>6/29/2022</a:t>
+              <a:t>7/1/2022</a:t>
             </a:fld>
             <a:endParaRPr lang="he-IL"/>
           </a:p>
@@ -7311,7 +6095,7 @@
           <a:p>
             <a:fld id="{69FFE3EB-290B-4A59-8BBA-DDD419ACF74D}" type="datetime1">
               <a:rPr lang="en-US" smtClean="0"/>
-              <a:t>6/29/2022</a:t>
+              <a:t>7/1/2022</a:t>
             </a:fld>
             <a:endParaRPr lang="he-IL"/>
           </a:p>
@@ -7460,7 +6244,7 @@
           <a:p>
             <a:fld id="{B8345AC2-BE6B-4A1C-99EE-30DB110B38DA}" type="datetime1">
               <a:rPr lang="en-US" smtClean="0"/>
-              <a:t>6/29/2022</a:t>
+              <a:t>7/1/2022</a:t>
             </a:fld>
             <a:endParaRPr lang="he-IL"/>
           </a:p>
@@ -7573,7 +6357,7 @@
           <a:p>
             <a:fld id="{7EC71159-AC5C-45B5-A170-0C831F5066D9}" type="datetime1">
               <a:rPr lang="en-US" smtClean="0"/>
-              <a:t>6/29/2022</a:t>
+              <a:t>7/1/2022</a:t>
             </a:fld>
             <a:endParaRPr lang="he-IL"/>
           </a:p>
@@ -7893,7 +6677,7 @@
           <a:p>
             <a:fld id="{ECFB2532-E772-4B21-BDAE-DEA46E999B52}" type="datetime1">
               <a:rPr lang="en-US" smtClean="0"/>
-              <a:t>6/29/2022</a:t>
+              <a:t>7/1/2022</a:t>
             </a:fld>
             <a:endParaRPr lang="he-IL"/>
           </a:p>
@@ -8190,7 +6974,7 @@
           <a:p>
             <a:fld id="{2056772D-045F-45A3-A53C-233E4267915E}" type="datetime1">
               <a:rPr lang="en-US" smtClean="0"/>
-              <a:t>6/29/2022</a:t>
+              <a:t>7/1/2022</a:t>
             </a:fld>
             <a:endParaRPr lang="he-IL"/>
           </a:p>
@@ -8404,7 +7188,7 @@
           <a:p>
             <a:fld id="{C4B4F18C-9C94-4559-80A1-017F4A0E1F46}" type="datetime1">
               <a:rPr lang="en-US" smtClean="0"/>
-              <a:t>6/29/2022</a:t>
+              <a:t>7/1/2022</a:t>
             </a:fld>
             <a:endParaRPr lang="he-IL"/>
           </a:p>
@@ -8618,7 +7402,7 @@
           <a:p>
             <a:fld id="{7EC7953E-50B1-418B-BC72-C5024490FA62}" type="datetime1">
               <a:rPr lang="en-US" smtClean="0"/>
-              <a:t>6/29/2022</a:t>
+              <a:t>7/1/2022</a:t>
             </a:fld>
             <a:endParaRPr lang="he-IL"/>
           </a:p>
@@ -8928,7 +7712,7 @@
           <a:p>
             <a:fld id="{4D770D0F-BA1A-443A-A2BD-D3CA66AA0224}" type="datetime1">
               <a:rPr lang="en-US" smtClean="0"/>
-              <a:t>6/29/2022</a:t>
+              <a:t>7/1/2022</a:t>
             </a:fld>
             <a:endParaRPr lang="en-US"/>
           </a:p>
@@ -9198,7 +7982,7 @@
           <a:p>
             <a:fld id="{FC0A5785-D3F8-4A61-B7AC-AB3EB80AF88D}" type="datetime1">
               <a:rPr lang="en-US" smtClean="0"/>
-              <a:t>6/29/2022</a:t>
+              <a:t>7/1/2022</a:t>
             </a:fld>
             <a:endParaRPr lang="en-US"/>
           </a:p>
@@ -9616,7 +8400,7 @@
           <a:p>
             <a:fld id="{DAED8763-BE83-4162-A04B-BA49CFE0FCC5}" type="datetime1">
               <a:rPr lang="en-US" smtClean="0"/>
-              <a:t>6/29/2022</a:t>
+              <a:t>7/1/2022</a:t>
             </a:fld>
             <a:endParaRPr lang="en-US"/>
           </a:p>
@@ -9766,7 +8550,7 @@
           <a:p>
             <a:fld id="{9F265871-F3BF-403A-962F-360F09E40D1E}" type="datetime1">
               <a:rPr lang="en-US" smtClean="0"/>
-              <a:t>6/29/2022</a:t>
+              <a:t>7/1/2022</a:t>
             </a:fld>
             <a:endParaRPr lang="en-US"/>
           </a:p>
@@ -9885,7 +8669,7 @@
           <a:p>
             <a:fld id="{7DF77BD8-BF63-4B13-815B-BD32BBE8DBDF}" type="datetime1">
               <a:rPr lang="en-US" smtClean="0"/>
-              <a:t>6/29/2022</a:t>
+              <a:t>7/1/2022</a:t>
             </a:fld>
             <a:endParaRPr lang="en-US"/>
           </a:p>
@@ -10167,7 +8951,7 @@
           <a:p>
             <a:fld id="{338881B6-3F46-4E58-88CD-90BE4F32A5A5}" type="datetime1">
               <a:rPr lang="en-US" smtClean="0"/>
-              <a:t>6/29/2022</a:t>
+              <a:t>7/1/2022</a:t>
             </a:fld>
             <a:endParaRPr lang="en-US"/>
           </a:p>
@@ -10457,7 +9241,7 @@
           <a:p>
             <a:fld id="{BBF932FC-3650-4E96-8CAA-17208A2F6D01}" type="datetime1">
               <a:rPr lang="en-US" smtClean="0"/>
-              <a:t>6/29/2022</a:t>
+              <a:t>7/1/2022</a:t>
             </a:fld>
             <a:endParaRPr lang="en-US"/>
           </a:p>
@@ -12476,7 +11260,7 @@
           <a:p>
             <a:fld id="{51834818-B938-483E-84FE-AEC8C7106C11}" type="datetime1">
               <a:rPr lang="en-US" smtClean="0"/>
-              <a:t>6/29/2022</a:t>
+              <a:t>7/1/2022</a:t>
             </a:fld>
             <a:endParaRPr lang="he-IL"/>
           </a:p>
@@ -14797,8 +13581,8 @@
         </p:nvSpPr>
         <p:spPr>
           <a:xfrm>
-            <a:off x="685799" y="556555"/>
-            <a:ext cx="10960331" cy="1293028"/>
+            <a:off x="615834" y="755338"/>
+            <a:ext cx="10960331" cy="631767"/>
           </a:xfrm>
         </p:spPr>
         <p:txBody>
@@ -14807,7 +13591,7 @@
           </a:bodyPr>
           <a:lstStyle/>
           <a:p>
-            <a:pPr algn="just"/>
+            <a:pPr algn="ctr"/>
             <a:r>
               <a:rPr lang="en-US" sz="3000" b="1" cap="none" spc="-150" dirty="0">
                 <a:ln w="9525">
@@ -15014,8 +13798,8 @@
         </p:nvSpPr>
         <p:spPr>
           <a:xfrm>
-            <a:off x="685799" y="556555"/>
-            <a:ext cx="10960331" cy="1293028"/>
+            <a:off x="615834" y="756265"/>
+            <a:ext cx="10960331" cy="631767"/>
           </a:xfrm>
         </p:spPr>
         <p:txBody>
@@ -15024,9 +13808,9 @@
           </a:bodyPr>
           <a:lstStyle/>
           <a:p>
-            <a:pPr algn="just"/>
-            <a:r>
-              <a:rPr lang="en-US" sz="3000" b="1" cap="none" spc="-150" dirty="0">
+            <a:pPr algn="ctr"/>
+            <a:r>
+              <a:rPr lang="en-US" sz="3600" b="1" cap="none" spc="-150" dirty="0">
                 <a:ln w="9525">
                   <a:solidFill>
                     <a:schemeClr val="bg1"/>
@@ -15046,7 +13830,7 @@
               </a:rPr>
               <a:t>DETECTING OUTLIERS</a:t>
             </a:r>
-            <a:endParaRPr lang="en-US" sz="3000" dirty="0"/>
+            <a:endParaRPr lang="en-US" sz="3600" dirty="0"/>
           </a:p>
         </p:txBody>
       </p:sp>
@@ -15231,19 +14015,19 @@
         </p:nvSpPr>
         <p:spPr>
           <a:xfrm>
-            <a:off x="685799" y="556555"/>
-            <a:ext cx="10960331" cy="1293028"/>
+            <a:off x="546261" y="912194"/>
+            <a:ext cx="11042766" cy="631767"/>
           </a:xfrm>
         </p:spPr>
         <p:txBody>
           <a:bodyPr>
-            <a:normAutofit/>
+            <a:normAutofit fontScale="90000"/>
           </a:bodyPr>
           <a:lstStyle/>
           <a:p>
-            <a:pPr algn="just"/>
-            <a:r>
-              <a:rPr lang="en-US" sz="3000" b="1" cap="none" spc="-150" dirty="0">
+            <a:pPr algn="ctr"/>
+            <a:r>
+              <a:rPr lang="en-US" sz="3600" b="1" cap="none" spc="-150" dirty="0">
                 <a:ln w="9525">
                   <a:solidFill>
                     <a:schemeClr val="bg1"/>
@@ -15263,7 +14047,7 @@
               </a:rPr>
               <a:t>CORRELATION BETWEEN THE NUMERIC FEATURES</a:t>
             </a:r>
-            <a:endParaRPr lang="en-US" sz="3000" dirty="0"/>
+            <a:endParaRPr lang="en-US" sz="3600" dirty="0"/>
           </a:p>
         </p:txBody>
       </p:sp>
@@ -15289,7 +14073,7 @@
         </p:blipFill>
         <p:spPr>
           <a:xfrm>
-            <a:off x="2205311" y="3121792"/>
+            <a:off x="1946897" y="3121792"/>
             <a:ext cx="7415044" cy="2979986"/>
           </a:xfrm>
           <a:prstGeom prst="rect">
@@ -15448,15 +14232,15 @@
         </p:nvSpPr>
         <p:spPr>
           <a:xfrm>
-            <a:off x="685800" y="639315"/>
-            <a:ext cx="8610600" cy="1293028"/>
+            <a:off x="1885603" y="742839"/>
+            <a:ext cx="8610600" cy="797726"/>
           </a:xfrm>
         </p:spPr>
         <p:txBody>
           <a:bodyPr/>
           <a:lstStyle/>
           <a:p>
-            <a:pPr algn="just"/>
+            <a:pPr algn="ctr"/>
             <a:r>
               <a:rPr lang="en-US" b="1" cap="none" dirty="0">
                 <a:ln w="9525">
@@ -15500,7 +14284,7 @@
         </p:nvSpPr>
         <p:spPr>
           <a:xfrm>
-            <a:off x="685799" y="2194560"/>
+            <a:off x="685800" y="1687665"/>
             <a:ext cx="11010207" cy="4024125"/>
           </a:xfrm>
         </p:spPr>
@@ -15510,7 +14294,7 @@
           <a:p>
             <a:r>
               <a:rPr lang="en-US" dirty="0"/>
-              <a:t>After crawling the data and getting the information that we need,                lets check few common questions:</a:t>
+              <a:t>After crawling the data and getting the information that we need,                lets check few questions:</a:t>
             </a:r>
           </a:p>
           <a:p>
@@ -15661,7 +14445,7 @@
         </p:nvSpPr>
         <p:spPr>
           <a:xfrm>
-            <a:off x="596348" y="238527"/>
+            <a:off x="1790700" y="353153"/>
             <a:ext cx="8610600" cy="1293028"/>
           </a:xfrm>
         </p:spPr>
@@ -15669,7 +14453,7 @@
           <a:bodyPr/>
           <a:lstStyle/>
           <a:p>
-            <a:pPr algn="l"/>
+            <a:pPr algn="ctr"/>
             <a:r>
               <a:rPr lang="en-US" b="1" cap="none" dirty="0">
                 <a:ln w="9525">
@@ -16001,7 +14785,7 @@
         </p:nvSpPr>
         <p:spPr>
           <a:xfrm>
-            <a:off x="140804" y="1049495"/>
+            <a:off x="139329" y="786118"/>
             <a:ext cx="9521687" cy="1293028"/>
           </a:xfrm>
           <a:prstGeom prst="rect">
@@ -16212,15 +14996,15 @@
         </p:nvSpPr>
         <p:spPr>
           <a:xfrm>
-            <a:off x="685800" y="639315"/>
-            <a:ext cx="8610600" cy="1293028"/>
+            <a:off x="1790700" y="614759"/>
+            <a:ext cx="8610600" cy="727024"/>
           </a:xfrm>
         </p:spPr>
         <p:txBody>
           <a:bodyPr/>
           <a:lstStyle/>
           <a:p>
-            <a:pPr algn="l"/>
+            <a:pPr algn="ctr"/>
             <a:r>
               <a:rPr lang="en-US" b="1" cap="none" dirty="0">
                 <a:ln w="9525">
@@ -16280,7 +15064,13 @@
           <a:p>
             <a:r>
               <a:rPr lang="en-US" sz="2000" dirty="0"/>
-              <a:t>Decision Tree Regression</a:t>
+              <a:t>Decision Tree</a:t>
+            </a:r>
+          </a:p>
+          <a:p>
+            <a:r>
+              <a:rPr lang="en-US" sz="2000" dirty="0"/>
+              <a:t>K-means</a:t>
             </a:r>
           </a:p>
           <a:p>
@@ -16455,7 +15245,7 @@
           </a:bodyPr>
           <a:lstStyle/>
           <a:p>
-            <a:pPr lvl="1" algn="l" rtl="0">
+            <a:pPr lvl="1" algn="ctr" rtl="0">
               <a:lnSpc>
                 <a:spcPct val="90000"/>
               </a:lnSpc>
@@ -16823,7 +15613,7 @@
         <p:spPr>
           <a:xfrm>
             <a:off x="685798" y="352299"/>
-            <a:ext cx="10694326" cy="1293028"/>
+            <a:ext cx="10694326" cy="1009362"/>
           </a:xfrm>
         </p:spPr>
         <p:txBody>
@@ -16832,7 +15622,7 @@
           </a:bodyPr>
           <a:lstStyle/>
           <a:p>
-            <a:pPr lvl="1" algn="l" rtl="0">
+            <a:pPr lvl="1" algn="ctr" rtl="0">
               <a:lnSpc>
                 <a:spcPct val="90000"/>
               </a:lnSpc>
@@ -17121,6 +15911,36 @@
           </a:p>
         </p:txBody>
       </p:sp>
+      <p:pic>
+        <p:nvPicPr>
+          <p:cNvPr id="4" name="תמונה 3">
+            <a:extLst>
+              <a:ext uri="{FF2B5EF4-FFF2-40B4-BE49-F238E27FC236}">
+                <a16:creationId xmlns:a16="http://schemas.microsoft.com/office/drawing/2014/main" id="{DEA18540-EB07-6D61-B9D5-C55F1D2D01BF}"/>
+              </a:ext>
+            </a:extLst>
+          </p:cNvPr>
+          <p:cNvPicPr>
+            <a:picLocks noChangeAspect="1"/>
+          </p:cNvPicPr>
+          <p:nvPr/>
+        </p:nvPicPr>
+        <p:blipFill>
+          <a:blip r:embed="rId4"/>
+          <a:stretch>
+            <a:fillRect/>
+          </a:stretch>
+        </p:blipFill>
+        <p:spPr>
+          <a:xfrm>
+            <a:off x="407503" y="5676486"/>
+            <a:ext cx="3124200" cy="257175"/>
+          </a:xfrm>
+          <a:prstGeom prst="rect">
+            <a:avLst/>
+          </a:prstGeom>
+        </p:spPr>
+      </p:pic>
     </p:spTree>
     <p:extLst>
       <p:ext uri="{BB962C8B-B14F-4D97-AF65-F5344CB8AC3E}">
@@ -17169,17 +15989,17 @@
         </p:nvSpPr>
         <p:spPr>
           <a:xfrm>
-            <a:off x="622548" y="374200"/>
-            <a:ext cx="9819862" cy="1293028"/>
+            <a:off x="685799" y="527961"/>
+            <a:ext cx="9501810" cy="1293028"/>
           </a:xfrm>
         </p:spPr>
         <p:txBody>
           <a:bodyPr>
-            <a:normAutofit fontScale="90000"/>
+            <a:normAutofit/>
           </a:bodyPr>
           <a:lstStyle/>
           <a:p>
-            <a:pPr lvl="1" algn="l" rtl="0">
+            <a:pPr lvl="1" algn="ctr" rtl="0">
               <a:lnSpc>
                 <a:spcPct val="90000"/>
               </a:lnSpc>
@@ -17210,7 +16030,7 @@
                 <a:ea typeface="+mj-ea"/>
                 <a:cs typeface="Aharoni" panose="02010803020104030203" pitchFamily="2" charset="-79"/>
               </a:rPr>
-              <a:t>CAN WE PREDICT THE TEAMS ‘POINTS’ FOR EACH SEASON?</a:t>
+              <a:t>PREDICTED RANK IN 2021/2022</a:t>
             </a:r>
             <a:br>
               <a:rPr lang="en-US" sz="3200" b="1" kern="1200" dirty="0">
@@ -17261,87 +16081,12 @@
           </a:p>
         </p:txBody>
       </p:sp>
-      <p:sp>
-        <p:nvSpPr>
-          <p:cNvPr id="6" name="TextBox 5">
+      <p:pic>
+        <p:nvPicPr>
+          <p:cNvPr id="7" name="תמונה 6">
             <a:extLst>
               <a:ext uri="{FF2B5EF4-FFF2-40B4-BE49-F238E27FC236}">
-                <a16:creationId xmlns:a16="http://schemas.microsoft.com/office/drawing/2014/main" id="{65A5DA82-3E82-4B54-A0B9-4EDBE1FB8FE4}"/>
-              </a:ext>
-            </a:extLst>
-          </p:cNvPr>
-          <p:cNvSpPr txBox="1"/>
-          <p:nvPr/>
-        </p:nvSpPr>
-        <p:spPr>
-          <a:xfrm>
-            <a:off x="357807" y="1005509"/>
-            <a:ext cx="10349344" cy="1323439"/>
-          </a:xfrm>
-          <a:prstGeom prst="rect">
-            <a:avLst/>
-          </a:prstGeom>
-          <a:noFill/>
-        </p:spPr>
-        <p:txBody>
-          <a:bodyPr wrap="square" rtlCol="0">
-            <a:spAutoFit/>
-          </a:bodyPr>
-          <a:lstStyle/>
-          <a:p>
-            <a:pPr marL="285750" indent="-285750">
-              <a:buFont typeface="Arial" panose="020B0604020202020204" pitchFamily="34" charset="0"/>
-              <a:buChar char="•"/>
-            </a:pPr>
-            <a:endParaRPr lang="en-US" sz="1600" dirty="0"/>
-          </a:p>
-          <a:p>
-            <a:pPr marL="285750" indent="-285750">
-              <a:buFont typeface="Arial" panose="020B0604020202020204" pitchFamily="34" charset="0"/>
-              <a:buChar char="•"/>
-            </a:pPr>
-            <a:r>
-              <a:rPr lang="en-US" sz="1600" dirty="0"/>
-              <a:t>Used </a:t>
-            </a:r>
-            <a:r>
-              <a:rPr lang="en-US" sz="1600" dirty="0">
-                <a:solidFill>
-                  <a:srgbClr val="FF0000"/>
-                </a:solidFill>
-              </a:rPr>
-              <a:t>Linear Regression</a:t>
-            </a:r>
-            <a:r>
-              <a:rPr lang="en-US" sz="1600" dirty="0"/>
-              <a:t> in order to predict the actual points based on data from the last 5 years  </a:t>
-            </a:r>
-          </a:p>
-          <a:p>
-            <a:pPr marL="285750" indent="-285750">
-              <a:buFont typeface="Arial" panose="020B0604020202020204" pitchFamily="34" charset="0"/>
-              <a:buChar char="•"/>
-            </a:pPr>
-            <a:endParaRPr lang="en-US" sz="1600" dirty="0"/>
-          </a:p>
-          <a:p>
-            <a:pPr marL="285750" indent="-285750">
-              <a:buFont typeface="Arial" panose="020B0604020202020204" pitchFamily="34" charset="0"/>
-              <a:buChar char="•"/>
-            </a:pPr>
-            <a:endParaRPr lang="en-US" sz="1600" dirty="0"/>
-          </a:p>
-          <a:p>
-            <a:endParaRPr lang="en-US" sz="1600" dirty="0"/>
-          </a:p>
-        </p:txBody>
-      </p:sp>
-      <p:pic>
-        <p:nvPicPr>
-          <p:cNvPr id="5" name="תמונה 4">
-            <a:extLst>
-              <a:ext uri="{FF2B5EF4-FFF2-40B4-BE49-F238E27FC236}">
-                <a16:creationId xmlns:a16="http://schemas.microsoft.com/office/drawing/2014/main" id="{DDB403BA-BB84-5851-3AA9-302062EAA679}"/>
+                <a16:creationId xmlns:a16="http://schemas.microsoft.com/office/drawing/2014/main" id="{3DC99A5E-682D-DFB2-F8F5-09EC1113838F}"/>
               </a:ext>
             </a:extLst>
           </p:cNvPr>
@@ -17358,8 +16103,8 @@
         </p:blipFill>
         <p:spPr>
           <a:xfrm>
-            <a:off x="357807" y="1755076"/>
-            <a:ext cx="5753100" cy="3543300"/>
+            <a:off x="646043" y="1339976"/>
+            <a:ext cx="10067925" cy="962025"/>
           </a:xfrm>
           <a:prstGeom prst="rect">
             <a:avLst/>
@@ -17368,10 +16113,10 @@
       </p:pic>
       <p:pic>
         <p:nvPicPr>
-          <p:cNvPr id="9" name="תמונה 8">
+          <p:cNvPr id="10" name="תמונה 9">
             <a:extLst>
               <a:ext uri="{FF2B5EF4-FFF2-40B4-BE49-F238E27FC236}">
-                <a16:creationId xmlns:a16="http://schemas.microsoft.com/office/drawing/2014/main" id="{26056A2B-C2A0-2200-FCCC-00FFAE1BBA27}"/>
+                <a16:creationId xmlns:a16="http://schemas.microsoft.com/office/drawing/2014/main" id="{0E213A64-5827-5CA7-A076-9AB231AB1E50}"/>
               </a:ext>
             </a:extLst>
           </p:cNvPr>
@@ -17388,8 +16133,8 @@
         </p:blipFill>
         <p:spPr>
           <a:xfrm>
-            <a:off x="6290875" y="1755076"/>
-            <a:ext cx="5651882" cy="3184672"/>
+            <a:off x="646043" y="2487453"/>
+            <a:ext cx="8458201" cy="4077459"/>
           </a:xfrm>
           <a:prstGeom prst="rect">
             <a:avLst/>
@@ -17398,10 +16143,10 @@
       </p:pic>
       <p:sp>
         <p:nvSpPr>
-          <p:cNvPr id="14" name="משושה 13">
+          <p:cNvPr id="13" name="משושה 12">
             <a:extLst>
               <a:ext uri="{FF2B5EF4-FFF2-40B4-BE49-F238E27FC236}">
-                <a16:creationId xmlns:a16="http://schemas.microsoft.com/office/drawing/2014/main" id="{64936663-C2C3-6F4E-754E-B6C6022361A0}"/>
+                <a16:creationId xmlns:a16="http://schemas.microsoft.com/office/drawing/2014/main" id="{10D2E289-DE07-47D8-24E0-DC555E170BE0}"/>
               </a:ext>
             </a:extLst>
           </p:cNvPr>
@@ -17472,7 +16217,7 @@
     </p:spTree>
     <p:extLst>
       <p:ext uri="{BB962C8B-B14F-4D97-AF65-F5344CB8AC3E}">
-        <p14:creationId xmlns:p14="http://schemas.microsoft.com/office/powerpoint/2010/main" val="3611714866"/>
+        <p14:creationId xmlns:p14="http://schemas.microsoft.com/office/powerpoint/2010/main" val="1063757167"/>
       </p:ext>
     </p:extLst>
   </p:cSld>
@@ -17517,17 +16262,17 @@
         </p:nvSpPr>
         <p:spPr>
           <a:xfrm>
-            <a:off x="685799" y="527961"/>
-            <a:ext cx="9501810" cy="1293028"/>
+            <a:off x="1200976" y="374200"/>
+            <a:ext cx="9819862" cy="1293028"/>
           </a:xfrm>
         </p:spPr>
         <p:txBody>
           <a:bodyPr>
-            <a:normAutofit/>
+            <a:normAutofit fontScale="90000"/>
           </a:bodyPr>
           <a:lstStyle/>
           <a:p>
-            <a:pPr lvl="1" algn="l" rtl="0">
+            <a:pPr lvl="1" algn="ctr" rtl="0">
               <a:lnSpc>
                 <a:spcPct val="90000"/>
               </a:lnSpc>
@@ -17558,7 +16303,7 @@
                 <a:ea typeface="+mj-ea"/>
                 <a:cs typeface="Aharoni" panose="02010803020104030203" pitchFamily="2" charset="-79"/>
               </a:rPr>
-              <a:t>PREDICTED RANK IN 2021/2022</a:t>
+              <a:t>CAN WE PREDICT THE TEAMS ‘POINTS’ FOR EACH SEASON?</a:t>
             </a:r>
             <a:br>
               <a:rPr lang="en-US" sz="3200" b="1" kern="1200" dirty="0">
@@ -17609,12 +16354,87 @@
           </a:p>
         </p:txBody>
       </p:sp>
+      <p:sp>
+        <p:nvSpPr>
+          <p:cNvPr id="6" name="TextBox 5">
+            <a:extLst>
+              <a:ext uri="{FF2B5EF4-FFF2-40B4-BE49-F238E27FC236}">
+                <a16:creationId xmlns:a16="http://schemas.microsoft.com/office/drawing/2014/main" id="{65A5DA82-3E82-4B54-A0B9-4EDBE1FB8FE4}"/>
+              </a:ext>
+            </a:extLst>
+          </p:cNvPr>
+          <p:cNvSpPr txBox="1"/>
+          <p:nvPr/>
+        </p:nvSpPr>
+        <p:spPr>
+          <a:xfrm>
+            <a:off x="357807" y="1005509"/>
+            <a:ext cx="10349344" cy="1323439"/>
+          </a:xfrm>
+          <a:prstGeom prst="rect">
+            <a:avLst/>
+          </a:prstGeom>
+          <a:noFill/>
+        </p:spPr>
+        <p:txBody>
+          <a:bodyPr wrap="square" rtlCol="0">
+            <a:spAutoFit/>
+          </a:bodyPr>
+          <a:lstStyle/>
+          <a:p>
+            <a:pPr marL="285750" indent="-285750">
+              <a:buFont typeface="Arial" panose="020B0604020202020204" pitchFamily="34" charset="0"/>
+              <a:buChar char="•"/>
+            </a:pPr>
+            <a:endParaRPr lang="en-US" sz="1600" dirty="0"/>
+          </a:p>
+          <a:p>
+            <a:pPr marL="285750" indent="-285750">
+              <a:buFont typeface="Arial" panose="020B0604020202020204" pitchFamily="34" charset="0"/>
+              <a:buChar char="•"/>
+            </a:pPr>
+            <a:r>
+              <a:rPr lang="en-US" sz="1600" dirty="0"/>
+              <a:t>Used </a:t>
+            </a:r>
+            <a:r>
+              <a:rPr lang="en-US" sz="1600" dirty="0">
+                <a:solidFill>
+                  <a:srgbClr val="FF0000"/>
+                </a:solidFill>
+              </a:rPr>
+              <a:t>Linear Regression</a:t>
+            </a:r>
+            <a:r>
+              <a:rPr lang="en-US" sz="1600" dirty="0"/>
+              <a:t> in order to predict the actual points based on data from the last 5 years  </a:t>
+            </a:r>
+          </a:p>
+          <a:p>
+            <a:pPr marL="285750" indent="-285750">
+              <a:buFont typeface="Arial" panose="020B0604020202020204" pitchFamily="34" charset="0"/>
+              <a:buChar char="•"/>
+            </a:pPr>
+            <a:endParaRPr lang="en-US" sz="1600" dirty="0"/>
+          </a:p>
+          <a:p>
+            <a:pPr marL="285750" indent="-285750">
+              <a:buFont typeface="Arial" panose="020B0604020202020204" pitchFamily="34" charset="0"/>
+              <a:buChar char="•"/>
+            </a:pPr>
+            <a:endParaRPr lang="en-US" sz="1600" dirty="0"/>
+          </a:p>
+          <a:p>
+            <a:endParaRPr lang="en-US" sz="1600" dirty="0"/>
+          </a:p>
+        </p:txBody>
+      </p:sp>
       <p:pic>
         <p:nvPicPr>
-          <p:cNvPr id="7" name="תמונה 6">
+          <p:cNvPr id="5" name="תמונה 4">
             <a:extLst>
               <a:ext uri="{FF2B5EF4-FFF2-40B4-BE49-F238E27FC236}">
-                <a16:creationId xmlns:a16="http://schemas.microsoft.com/office/drawing/2014/main" id="{3DC99A5E-682D-DFB2-F8F5-09EC1113838F}"/>
+                <a16:creationId xmlns:a16="http://schemas.microsoft.com/office/drawing/2014/main" id="{DDB403BA-BB84-5851-3AA9-302062EAA679}"/>
               </a:ext>
             </a:extLst>
           </p:cNvPr>
@@ -17631,8 +16451,8 @@
         </p:blipFill>
         <p:spPr>
           <a:xfrm>
-            <a:off x="675860" y="1379732"/>
-            <a:ext cx="10067925" cy="962025"/>
+            <a:off x="357807" y="1755076"/>
+            <a:ext cx="5753100" cy="3543300"/>
           </a:xfrm>
           <a:prstGeom prst="rect">
             <a:avLst/>
@@ -17641,10 +16461,10 @@
       </p:pic>
       <p:pic>
         <p:nvPicPr>
-          <p:cNvPr id="10" name="תמונה 9">
+          <p:cNvPr id="9" name="תמונה 8">
             <a:extLst>
               <a:ext uri="{FF2B5EF4-FFF2-40B4-BE49-F238E27FC236}">
-                <a16:creationId xmlns:a16="http://schemas.microsoft.com/office/drawing/2014/main" id="{0E213A64-5827-5CA7-A076-9AB231AB1E50}"/>
+                <a16:creationId xmlns:a16="http://schemas.microsoft.com/office/drawing/2014/main" id="{26056A2B-C2A0-2200-FCCC-00FFAE1BBA27}"/>
               </a:ext>
             </a:extLst>
           </p:cNvPr>
@@ -17661,8 +16481,8 @@
         </p:blipFill>
         <p:spPr>
           <a:xfrm>
-            <a:off x="685799" y="2517270"/>
-            <a:ext cx="8458201" cy="4077459"/>
+            <a:off x="6290875" y="1755076"/>
+            <a:ext cx="5651882" cy="3184672"/>
           </a:xfrm>
           <a:prstGeom prst="rect">
             <a:avLst/>
@@ -17671,10 +16491,10 @@
       </p:pic>
       <p:sp>
         <p:nvSpPr>
-          <p:cNvPr id="13" name="משושה 12">
+          <p:cNvPr id="14" name="משושה 13">
             <a:extLst>
               <a:ext uri="{FF2B5EF4-FFF2-40B4-BE49-F238E27FC236}">
-                <a16:creationId xmlns:a16="http://schemas.microsoft.com/office/drawing/2014/main" id="{10D2E289-DE07-47D8-24E0-DC555E170BE0}"/>
+                <a16:creationId xmlns:a16="http://schemas.microsoft.com/office/drawing/2014/main" id="{64936663-C2C3-6F4E-754E-B6C6022361A0}"/>
               </a:ext>
             </a:extLst>
           </p:cNvPr>
@@ -17745,7 +16565,7 @@
     </p:spTree>
     <p:extLst>
       <p:ext uri="{BB962C8B-B14F-4D97-AF65-F5344CB8AC3E}">
-        <p14:creationId xmlns:p14="http://schemas.microsoft.com/office/powerpoint/2010/main" val="1063757167"/>
+        <p14:creationId xmlns:p14="http://schemas.microsoft.com/office/powerpoint/2010/main" val="3611714866"/>
       </p:ext>
     </p:extLst>
   </p:cSld>
@@ -17790,7 +16610,7 @@
         </p:nvSpPr>
         <p:spPr>
           <a:xfrm>
-            <a:off x="685800" y="764373"/>
+            <a:off x="1790700" y="639315"/>
             <a:ext cx="8610600" cy="1293028"/>
           </a:xfrm>
         </p:spPr>
@@ -17800,7 +16620,7 @@
           </a:bodyPr>
           <a:lstStyle/>
           <a:p>
-            <a:pPr algn="l"/>
+            <a:pPr algn="ctr"/>
             <a:r>
               <a:rPr lang="en-US" b="1" cap="none" spc="-150" dirty="0">
                 <a:ln w="9525">
@@ -17868,7 +16688,7 @@
           <a:p>
             <a:r>
               <a:rPr lang="en-US" dirty="0"/>
-              <a:t>Yarin Ifargan - 205986011</a:t>
+              <a:t>Yarin Ifargan</a:t>
             </a:r>
           </a:p>
           <a:p>
@@ -17878,7 +16698,7 @@
             </a:r>
             <a:r>
               <a:rPr lang="en-US" dirty="0"/>
-              <a:t> Kreis - 311333900</a:t>
+              <a:t> Kreis</a:t>
             </a:r>
           </a:p>
         </p:txBody>
@@ -17991,7 +16811,7 @@
           <p:cNvPr id="2" name="כותרת 1">
             <a:extLst>
               <a:ext uri="{FF2B5EF4-FFF2-40B4-BE49-F238E27FC236}">
-                <a16:creationId xmlns:a16="http://schemas.microsoft.com/office/drawing/2014/main" id="{282F48E7-2B6F-4107-B2B6-490AA0047B15}"/>
+                <a16:creationId xmlns:a16="http://schemas.microsoft.com/office/drawing/2014/main" id="{672D3A6C-4F47-4ACC-9ADB-181B4163E786}"/>
               </a:ext>
             </a:extLst>
           </p:cNvPr>
@@ -18004,23 +16824,35 @@
         </p:nvSpPr>
         <p:spPr>
           <a:xfrm>
-            <a:off x="1729047" y="435210"/>
-            <a:ext cx="8610600" cy="1293028"/>
-          </a:xfrm>
-        </p:spPr>
-        <p:txBody>
-          <a:bodyPr/>
+            <a:off x="712151" y="358995"/>
+            <a:ext cx="10260800" cy="1293028"/>
+          </a:xfrm>
+        </p:spPr>
+        <p:txBody>
+          <a:bodyPr>
+            <a:normAutofit fontScale="90000"/>
+          </a:bodyPr>
           <a:lstStyle/>
           <a:p>
-            <a:pPr algn="l"/>
-            <a:r>
-              <a:rPr lang="en-US" b="1" cap="none" dirty="0">
+            <a:pPr lvl="1" algn="ctr" rtl="0">
+              <a:lnSpc>
+                <a:spcPct val="90000"/>
+              </a:lnSpc>
+              <a:spcBef>
+                <a:spcPct val="0"/>
+              </a:spcBef>
+            </a:pPr>
+            <a:r>
+              <a:rPr lang="en-US" sz="3200" b="1" kern="1200" dirty="0">
                 <a:ln w="9525">
                   <a:solidFill>
                     <a:schemeClr val="bg1"/>
                   </a:solidFill>
                   <a:prstDash val="solid"/>
                 </a:ln>
+                <a:solidFill>
+                  <a:schemeClr val="tx1"/>
+                </a:solidFill>
                 <a:effectLst>
                   <a:outerShdw blurRad="12700" dist="38100" dir="2700000" algn="tl" rotWithShape="0">
                     <a:schemeClr val="accent5">
@@ -18030,71 +16862,141 @@
                   </a:outerShdw>
                 </a:effectLst>
                 <a:latin typeface="Rockwell" panose="02060603020205020403" pitchFamily="18" charset="0"/>
+                <a:ea typeface="+mj-ea"/>
                 <a:cs typeface="Aharoni" panose="02010803020104030203" pitchFamily="2" charset="-79"/>
               </a:rPr>
-              <a:t>SUMMARY AND CONCLUSIONS</a:t>
-            </a:r>
-            <a:endParaRPr lang="en-US" dirty="0"/>
-          </a:p>
-        </p:txBody>
-      </p:sp>
-      <p:sp>
-        <p:nvSpPr>
-          <p:cNvPr id="14" name="מציין מיקום תוכן 2">
+              <a:t>CAN WE CLASSIFY THE TEAMS INTO GROUPS AND SEE HOW OUR DATA AFFECT THE CLASSIFICATION?</a:t>
+            </a:r>
+            <a:br>
+              <a:rPr lang="en-US" sz="3200" b="1" kern="1200" dirty="0">
+                <a:ln w="9525">
+                  <a:solidFill>
+                    <a:schemeClr val="bg1"/>
+                  </a:solidFill>
+                  <a:prstDash val="solid"/>
+                </a:ln>
+                <a:solidFill>
+                  <a:schemeClr val="tx1"/>
+                </a:solidFill>
+                <a:effectLst>
+                  <a:outerShdw blurRad="12700" dist="38100" dir="2700000" algn="tl" rotWithShape="0">
+                    <a:schemeClr val="accent5">
+                      <a:lumMod val="60000"/>
+                      <a:lumOff val="40000"/>
+                    </a:schemeClr>
+                  </a:outerShdw>
+                </a:effectLst>
+                <a:latin typeface="Rockwell" panose="02060603020205020403" pitchFamily="18" charset="0"/>
+                <a:ea typeface="+mj-ea"/>
+                <a:cs typeface="Aharoni" panose="02010803020104030203" pitchFamily="2" charset="-79"/>
+              </a:rPr>
+            </a:br>
+            <a:endParaRPr lang="en-US" sz="3200" b="1" kern="1200" dirty="0">
+              <a:ln w="9525">
+                <a:solidFill>
+                  <a:schemeClr val="bg1"/>
+                </a:solidFill>
+                <a:prstDash val="solid"/>
+              </a:ln>
+              <a:solidFill>
+                <a:schemeClr val="tx1"/>
+              </a:solidFill>
+              <a:effectLst>
+                <a:outerShdw blurRad="12700" dist="38100" dir="2700000" algn="tl" rotWithShape="0">
+                  <a:schemeClr val="accent5">
+                    <a:lumMod val="60000"/>
+                    <a:lumOff val="40000"/>
+                  </a:schemeClr>
+                </a:outerShdw>
+              </a:effectLst>
+              <a:latin typeface="Rockwell" panose="02060603020205020403" pitchFamily="18" charset="0"/>
+              <a:ea typeface="+mj-ea"/>
+              <a:cs typeface="Aharoni" panose="02010803020104030203" pitchFamily="2" charset="-79"/>
+            </a:endParaRPr>
+          </a:p>
+        </p:txBody>
+      </p:sp>
+      <p:sp>
+        <p:nvSpPr>
+          <p:cNvPr id="6" name="TextBox 5">
             <a:extLst>
               <a:ext uri="{FF2B5EF4-FFF2-40B4-BE49-F238E27FC236}">
-                <a16:creationId xmlns:a16="http://schemas.microsoft.com/office/drawing/2014/main" id="{984FB7B5-3FF9-4716-7AC1-73075F373E6D}"/>
+                <a16:creationId xmlns:a16="http://schemas.microsoft.com/office/drawing/2014/main" id="{65A5DA82-3E82-4B54-A0B9-4EDBE1FB8FE4}"/>
               </a:ext>
             </a:extLst>
           </p:cNvPr>
-          <p:cNvSpPr>
-            <a:spLocks noGrp="1"/>
-          </p:cNvSpPr>
-          <p:nvPr>
-            <p:ph idx="1"/>
-          </p:nvPr>
-        </p:nvSpPr>
-        <p:spPr>
-          <a:xfrm>
-            <a:off x="685800" y="1870213"/>
-            <a:ext cx="10820400" cy="4024313"/>
-          </a:xfrm>
-        </p:spPr>
-        <p:txBody>
-          <a:bodyPr/>
+          <p:cNvSpPr txBox="1"/>
+          <p:nvPr/>
+        </p:nvSpPr>
+        <p:spPr>
+          <a:xfrm>
+            <a:off x="357807" y="1005509"/>
+            <a:ext cx="10349344" cy="1323439"/>
+          </a:xfrm>
+          <a:prstGeom prst="rect">
+            <a:avLst/>
+          </a:prstGeom>
+          <a:noFill/>
+        </p:spPr>
+        <p:txBody>
+          <a:bodyPr wrap="square" rtlCol="0">
+            <a:spAutoFit/>
+          </a:bodyPr>
           <a:lstStyle/>
           <a:p>
-            <a:r>
-              <a:rPr lang="en-US" dirty="0"/>
-              <a:t>To conclude, we tried to predict the rank and points using ML models – Linear Regression and Decision Tree.</a:t>
-            </a:r>
-          </a:p>
-          <a:p>
-            <a:r>
-              <a:rPr lang="en-US" dirty="0"/>
-              <a:t>Trying to predict the rank using Linear Regression seems to be pretty accurate.</a:t>
-            </a:r>
-          </a:p>
-          <a:p>
-            <a:r>
-              <a:rPr lang="en-US" dirty="0"/>
-              <a:t>The errors using “Points” or “Rank” data are quiet equal according MAE and RMSE values.</a:t>
-            </a:r>
-          </a:p>
-          <a:p>
-            <a:r>
-              <a:rPr lang="en-US" dirty="0"/>
-              <a:t>However, Decision Tree model got low accuracy because we tried to predict a numerical value, and not a classification problem.</a:t>
-            </a:r>
-          </a:p>
-        </p:txBody>
-      </p:sp>
-      <p:sp>
-        <p:nvSpPr>
-          <p:cNvPr id="15" name="משושה 14">
+            <a:pPr marL="285750" indent="-285750">
+              <a:buFont typeface="Arial" panose="020B0604020202020204" pitchFamily="34" charset="0"/>
+              <a:buChar char="•"/>
+            </a:pPr>
+            <a:endParaRPr lang="en-US" sz="1600" dirty="0"/>
+          </a:p>
+          <a:p>
+            <a:pPr marL="285750" indent="-285750">
+              <a:buFont typeface="Arial" panose="020B0604020202020204" pitchFamily="34" charset="0"/>
+              <a:buChar char="•"/>
+            </a:pPr>
+            <a:r>
+              <a:rPr lang="en-US" sz="1600" dirty="0"/>
+              <a:t>Used </a:t>
+            </a:r>
+            <a:r>
+              <a:rPr lang="en-US" sz="1600" dirty="0">
+                <a:solidFill>
+                  <a:srgbClr val="FF0000"/>
+                </a:solidFill>
+              </a:rPr>
+              <a:t>K-means </a:t>
+            </a:r>
+            <a:r>
+              <a:rPr lang="en-US" sz="1600" dirty="0"/>
+              <a:t>in order to classify the teams based on our data set  </a:t>
+            </a:r>
+          </a:p>
+          <a:p>
+            <a:pPr marL="285750" indent="-285750">
+              <a:buFont typeface="Arial" panose="020B0604020202020204" pitchFamily="34" charset="0"/>
+              <a:buChar char="•"/>
+            </a:pPr>
+            <a:endParaRPr lang="en-US" sz="1600" dirty="0"/>
+          </a:p>
+          <a:p>
+            <a:pPr marL="285750" indent="-285750">
+              <a:buFont typeface="Arial" panose="020B0604020202020204" pitchFamily="34" charset="0"/>
+              <a:buChar char="•"/>
+            </a:pPr>
+            <a:endParaRPr lang="en-US" sz="1600" dirty="0"/>
+          </a:p>
+          <a:p>
+            <a:endParaRPr lang="en-US" sz="1600" dirty="0"/>
+          </a:p>
+        </p:txBody>
+      </p:sp>
+      <p:sp>
+        <p:nvSpPr>
+          <p:cNvPr id="14" name="משושה 13">
             <a:extLst>
               <a:ext uri="{FF2B5EF4-FFF2-40B4-BE49-F238E27FC236}">
-                <a16:creationId xmlns:a16="http://schemas.microsoft.com/office/drawing/2014/main" id="{4712E19C-8273-192A-B5B0-52B6C4DEE53F}"/>
+                <a16:creationId xmlns:a16="http://schemas.microsoft.com/office/drawing/2014/main" id="{64936663-C2C3-6F4E-754E-B6C6022361A0}"/>
               </a:ext>
             </a:extLst>
           </p:cNvPr>
@@ -18158,6 +17060,1043 @@
             <a:r>
               <a:rPr lang="en-US" dirty="0"/>
               <a:t>20</a:t>
+            </a:r>
+          </a:p>
+        </p:txBody>
+      </p:sp>
+      <p:pic>
+        <p:nvPicPr>
+          <p:cNvPr id="4" name="תמונה 3">
+            <a:extLst>
+              <a:ext uri="{FF2B5EF4-FFF2-40B4-BE49-F238E27FC236}">
+                <a16:creationId xmlns:a16="http://schemas.microsoft.com/office/drawing/2014/main" id="{5A198990-D0CC-AD33-6A4B-E59E8640D30C}"/>
+              </a:ext>
+            </a:extLst>
+          </p:cNvPr>
+          <p:cNvPicPr>
+            <a:picLocks noChangeAspect="1"/>
+          </p:cNvPicPr>
+          <p:nvPr/>
+        </p:nvPicPr>
+        <p:blipFill>
+          <a:blip r:embed="rId2"/>
+          <a:stretch>
+            <a:fillRect/>
+          </a:stretch>
+        </p:blipFill>
+        <p:spPr>
+          <a:xfrm>
+            <a:off x="595520" y="1719263"/>
+            <a:ext cx="7433878" cy="2991886"/>
+          </a:xfrm>
+          <a:prstGeom prst="rect">
+            <a:avLst/>
+          </a:prstGeom>
+        </p:spPr>
+      </p:pic>
+      <p:pic>
+        <p:nvPicPr>
+          <p:cNvPr id="8" name="תמונה 7">
+            <a:extLst>
+              <a:ext uri="{FF2B5EF4-FFF2-40B4-BE49-F238E27FC236}">
+                <a16:creationId xmlns:a16="http://schemas.microsoft.com/office/drawing/2014/main" id="{FDD39C82-1BA8-E43B-A7FD-541365D94315}"/>
+              </a:ext>
+            </a:extLst>
+          </p:cNvPr>
+          <p:cNvPicPr>
+            <a:picLocks noChangeAspect="1"/>
+          </p:cNvPicPr>
+          <p:nvPr/>
+        </p:nvPicPr>
+        <p:blipFill>
+          <a:blip r:embed="rId3"/>
+          <a:stretch>
+            <a:fillRect/>
+          </a:stretch>
+        </p:blipFill>
+        <p:spPr>
+          <a:xfrm>
+            <a:off x="8179278" y="1719263"/>
+            <a:ext cx="3727438" cy="3546142"/>
+          </a:xfrm>
+          <a:prstGeom prst="rect">
+            <a:avLst/>
+          </a:prstGeom>
+        </p:spPr>
+      </p:pic>
+      <p:pic>
+        <p:nvPicPr>
+          <p:cNvPr id="11" name="תמונה 10">
+            <a:extLst>
+              <a:ext uri="{FF2B5EF4-FFF2-40B4-BE49-F238E27FC236}">
+                <a16:creationId xmlns:a16="http://schemas.microsoft.com/office/drawing/2014/main" id="{8108F5CB-089D-3254-F606-243C759C7C3C}"/>
+              </a:ext>
+            </a:extLst>
+          </p:cNvPr>
+          <p:cNvPicPr>
+            <a:picLocks noChangeAspect="1"/>
+          </p:cNvPicPr>
+          <p:nvPr/>
+        </p:nvPicPr>
+        <p:blipFill>
+          <a:blip r:embed="rId4"/>
+          <a:stretch>
+            <a:fillRect/>
+          </a:stretch>
+        </p:blipFill>
+        <p:spPr>
+          <a:xfrm>
+            <a:off x="595519" y="4871359"/>
+            <a:ext cx="7433879" cy="883397"/>
+          </a:xfrm>
+          <a:prstGeom prst="rect">
+            <a:avLst/>
+          </a:prstGeom>
+        </p:spPr>
+      </p:pic>
+    </p:spTree>
+    <p:extLst>
+      <p:ext uri="{BB962C8B-B14F-4D97-AF65-F5344CB8AC3E}">
+        <p14:creationId xmlns:p14="http://schemas.microsoft.com/office/powerpoint/2010/main" val="4254740732"/>
+      </p:ext>
+    </p:extLst>
+  </p:cSld>
+  <p:clrMapOvr>
+    <a:masterClrMapping/>
+  </p:clrMapOvr>
+</p:sld>
+</file>
+
+<file path=ppt/slides/slide21.xml><?xml version="1.0" encoding="utf-8"?>
+<p:sld xmlns:a="http://schemas.openxmlformats.org/drawingml/2006/main" xmlns:r="http://schemas.openxmlformats.org/officeDocument/2006/relationships" xmlns:p="http://schemas.openxmlformats.org/presentationml/2006/main">
+  <p:cSld>
+    <p:spTree>
+      <p:nvGrpSpPr>
+        <p:cNvPr id="1" name=""/>
+        <p:cNvGrpSpPr/>
+        <p:nvPr/>
+      </p:nvGrpSpPr>
+      <p:grpSpPr>
+        <a:xfrm>
+          <a:off x="0" y="0"/>
+          <a:ext cx="0" cy="0"/>
+          <a:chOff x="0" y="0"/>
+          <a:chExt cx="0" cy="0"/>
+        </a:xfrm>
+      </p:grpSpPr>
+      <p:sp>
+        <p:nvSpPr>
+          <p:cNvPr id="2" name="כותרת 1">
+            <a:extLst>
+              <a:ext uri="{FF2B5EF4-FFF2-40B4-BE49-F238E27FC236}">
+                <a16:creationId xmlns:a16="http://schemas.microsoft.com/office/drawing/2014/main" id="{672D3A6C-4F47-4ACC-9ADB-181B4163E786}"/>
+              </a:ext>
+            </a:extLst>
+          </p:cNvPr>
+          <p:cNvSpPr>
+            <a:spLocks noGrp="1"/>
+          </p:cNvSpPr>
+          <p:nvPr>
+            <p:ph type="title"/>
+          </p:nvPr>
+        </p:nvSpPr>
+        <p:spPr>
+          <a:xfrm>
+            <a:off x="712151" y="358995"/>
+            <a:ext cx="10260800" cy="1293028"/>
+          </a:xfrm>
+        </p:spPr>
+        <p:txBody>
+          <a:bodyPr>
+            <a:normAutofit fontScale="90000"/>
+          </a:bodyPr>
+          <a:lstStyle/>
+          <a:p>
+            <a:pPr lvl="1" algn="ctr" rtl="0">
+              <a:lnSpc>
+                <a:spcPct val="90000"/>
+              </a:lnSpc>
+              <a:spcBef>
+                <a:spcPct val="0"/>
+              </a:spcBef>
+            </a:pPr>
+            <a:r>
+              <a:rPr lang="en-US" sz="3200" b="1" kern="1200" dirty="0">
+                <a:ln w="9525">
+                  <a:solidFill>
+                    <a:schemeClr val="bg1"/>
+                  </a:solidFill>
+                  <a:prstDash val="solid"/>
+                </a:ln>
+                <a:solidFill>
+                  <a:schemeClr val="tx1"/>
+                </a:solidFill>
+                <a:effectLst>
+                  <a:outerShdw blurRad="12700" dist="38100" dir="2700000" algn="tl" rotWithShape="0">
+                    <a:schemeClr val="accent5">
+                      <a:lumMod val="60000"/>
+                      <a:lumOff val="40000"/>
+                    </a:schemeClr>
+                  </a:outerShdw>
+                </a:effectLst>
+                <a:latin typeface="Rockwell" panose="02060603020205020403" pitchFamily="18" charset="0"/>
+                <a:ea typeface="+mj-ea"/>
+                <a:cs typeface="Aharoni" panose="02010803020104030203" pitchFamily="2" charset="-79"/>
+              </a:rPr>
+              <a:t>CAN WE CLASSIFY THE TEAMS INTO GROUPS AND SEE HOW OUR DATA AFFECT THE CLASSIFICATION?</a:t>
+            </a:r>
+            <a:br>
+              <a:rPr lang="en-US" sz="3200" b="1" kern="1200" dirty="0">
+                <a:ln w="9525">
+                  <a:solidFill>
+                    <a:schemeClr val="bg1"/>
+                  </a:solidFill>
+                  <a:prstDash val="solid"/>
+                </a:ln>
+                <a:solidFill>
+                  <a:schemeClr val="tx1"/>
+                </a:solidFill>
+                <a:effectLst>
+                  <a:outerShdw blurRad="12700" dist="38100" dir="2700000" algn="tl" rotWithShape="0">
+                    <a:schemeClr val="accent5">
+                      <a:lumMod val="60000"/>
+                      <a:lumOff val="40000"/>
+                    </a:schemeClr>
+                  </a:outerShdw>
+                </a:effectLst>
+                <a:latin typeface="Rockwell" panose="02060603020205020403" pitchFamily="18" charset="0"/>
+                <a:ea typeface="+mj-ea"/>
+                <a:cs typeface="Aharoni" panose="02010803020104030203" pitchFamily="2" charset="-79"/>
+              </a:rPr>
+            </a:br>
+            <a:endParaRPr lang="en-US" sz="3200" b="1" kern="1200" dirty="0">
+              <a:ln w="9525">
+                <a:solidFill>
+                  <a:schemeClr val="bg1"/>
+                </a:solidFill>
+                <a:prstDash val="solid"/>
+              </a:ln>
+              <a:solidFill>
+                <a:schemeClr val="tx1"/>
+              </a:solidFill>
+              <a:effectLst>
+                <a:outerShdw blurRad="12700" dist="38100" dir="2700000" algn="tl" rotWithShape="0">
+                  <a:schemeClr val="accent5">
+                    <a:lumMod val="60000"/>
+                    <a:lumOff val="40000"/>
+                  </a:schemeClr>
+                </a:outerShdw>
+              </a:effectLst>
+              <a:latin typeface="Rockwell" panose="02060603020205020403" pitchFamily="18" charset="0"/>
+              <a:ea typeface="+mj-ea"/>
+              <a:cs typeface="Aharoni" panose="02010803020104030203" pitchFamily="2" charset="-79"/>
+            </a:endParaRPr>
+          </a:p>
+        </p:txBody>
+      </p:sp>
+      <p:sp>
+        <p:nvSpPr>
+          <p:cNvPr id="6" name="TextBox 5">
+            <a:extLst>
+              <a:ext uri="{FF2B5EF4-FFF2-40B4-BE49-F238E27FC236}">
+                <a16:creationId xmlns:a16="http://schemas.microsoft.com/office/drawing/2014/main" id="{65A5DA82-3E82-4B54-A0B9-4EDBE1FB8FE4}"/>
+              </a:ext>
+            </a:extLst>
+          </p:cNvPr>
+          <p:cNvSpPr txBox="1"/>
+          <p:nvPr/>
+        </p:nvSpPr>
+        <p:spPr>
+          <a:xfrm>
+            <a:off x="357807" y="1005509"/>
+            <a:ext cx="10349344" cy="1323439"/>
+          </a:xfrm>
+          <a:prstGeom prst="rect">
+            <a:avLst/>
+          </a:prstGeom>
+          <a:noFill/>
+        </p:spPr>
+        <p:txBody>
+          <a:bodyPr wrap="square" rtlCol="0">
+            <a:spAutoFit/>
+          </a:bodyPr>
+          <a:lstStyle/>
+          <a:p>
+            <a:pPr marL="285750" indent="-285750">
+              <a:buFont typeface="Arial" panose="020B0604020202020204" pitchFamily="34" charset="0"/>
+              <a:buChar char="•"/>
+            </a:pPr>
+            <a:endParaRPr lang="en-US" sz="1600" dirty="0"/>
+          </a:p>
+          <a:p>
+            <a:pPr marL="285750" indent="-285750">
+              <a:buFont typeface="Arial" panose="020B0604020202020204" pitchFamily="34" charset="0"/>
+              <a:buChar char="•"/>
+            </a:pPr>
+            <a:r>
+              <a:rPr lang="en-US" sz="1600" dirty="0"/>
+              <a:t>Based on our unnormalized data  </a:t>
+            </a:r>
+          </a:p>
+          <a:p>
+            <a:pPr marL="285750" indent="-285750">
+              <a:buFont typeface="Arial" panose="020B0604020202020204" pitchFamily="34" charset="0"/>
+              <a:buChar char="•"/>
+            </a:pPr>
+            <a:endParaRPr lang="en-US" sz="1600" dirty="0"/>
+          </a:p>
+          <a:p>
+            <a:pPr marL="285750" indent="-285750">
+              <a:buFont typeface="Arial" panose="020B0604020202020204" pitchFamily="34" charset="0"/>
+              <a:buChar char="•"/>
+            </a:pPr>
+            <a:endParaRPr lang="en-US" sz="1600" dirty="0"/>
+          </a:p>
+          <a:p>
+            <a:endParaRPr lang="en-US" sz="1600" dirty="0"/>
+          </a:p>
+        </p:txBody>
+      </p:sp>
+      <p:sp>
+        <p:nvSpPr>
+          <p:cNvPr id="14" name="משושה 13">
+            <a:extLst>
+              <a:ext uri="{FF2B5EF4-FFF2-40B4-BE49-F238E27FC236}">
+                <a16:creationId xmlns:a16="http://schemas.microsoft.com/office/drawing/2014/main" id="{64936663-C2C3-6F4E-754E-B6C6022361A0}"/>
+              </a:ext>
+            </a:extLst>
+          </p:cNvPr>
+          <p:cNvSpPr/>
+          <p:nvPr/>
+        </p:nvSpPr>
+        <p:spPr>
+          <a:xfrm>
+            <a:off x="11380124" y="6010102"/>
+            <a:ext cx="656706" cy="631767"/>
+          </a:xfrm>
+          <a:prstGeom prst="hexagon">
+            <a:avLst/>
+          </a:prstGeom>
+          <a:gradFill>
+            <a:gsLst>
+              <a:gs pos="7000">
+                <a:srgbClr val="1E468C">
+                  <a:alpha val="95000"/>
+                </a:srgbClr>
+              </a:gs>
+              <a:gs pos="26000">
+                <a:srgbClr val="2659B1"/>
+              </a:gs>
+              <a:gs pos="60000">
+                <a:schemeClr val="accent6">
+                  <a:lumMod val="40000"/>
+                  <a:lumOff val="60000"/>
+                </a:schemeClr>
+              </a:gs>
+              <a:gs pos="100000">
+                <a:schemeClr val="dk1"/>
+              </a:gs>
+            </a:gsLst>
+            <a:path path="circle">
+              <a:fillToRect l="50000" t="50000" r="50000" b="50000"/>
+            </a:path>
+          </a:gradFill>
+        </p:spPr>
+        <p:style>
+          <a:lnRef idx="2">
+            <a:schemeClr val="accent5">
+              <a:shade val="50000"/>
+            </a:schemeClr>
+          </a:lnRef>
+          <a:fillRef idx="1">
+            <a:schemeClr val="accent5"/>
+          </a:fillRef>
+          <a:effectRef idx="0">
+            <a:schemeClr val="accent5"/>
+          </a:effectRef>
+          <a:fontRef idx="minor">
+            <a:schemeClr val="lt1"/>
+          </a:fontRef>
+        </p:style>
+        <p:txBody>
+          <a:bodyPr rtlCol="0" anchor="ctr"/>
+          <a:lstStyle/>
+          <a:p>
+            <a:pPr algn="ctr"/>
+            <a:r>
+              <a:rPr lang="en-US" dirty="0"/>
+              <a:t>21</a:t>
+            </a:r>
+          </a:p>
+        </p:txBody>
+      </p:sp>
+      <p:pic>
+        <p:nvPicPr>
+          <p:cNvPr id="5" name="תמונה 4">
+            <a:extLst>
+              <a:ext uri="{FF2B5EF4-FFF2-40B4-BE49-F238E27FC236}">
+                <a16:creationId xmlns:a16="http://schemas.microsoft.com/office/drawing/2014/main" id="{625069C5-6A49-2EA1-6D12-7BA1547A85A8}"/>
+              </a:ext>
+            </a:extLst>
+          </p:cNvPr>
+          <p:cNvPicPr>
+            <a:picLocks noChangeAspect="1"/>
+          </p:cNvPicPr>
+          <p:nvPr/>
+        </p:nvPicPr>
+        <p:blipFill>
+          <a:blip r:embed="rId2"/>
+          <a:stretch>
+            <a:fillRect/>
+          </a:stretch>
+        </p:blipFill>
+        <p:spPr>
+          <a:xfrm>
+            <a:off x="503432" y="1667228"/>
+            <a:ext cx="4513623" cy="2669712"/>
+          </a:xfrm>
+          <a:prstGeom prst="rect">
+            <a:avLst/>
+          </a:prstGeom>
+        </p:spPr>
+      </p:pic>
+      <p:pic>
+        <p:nvPicPr>
+          <p:cNvPr id="12" name="תמונה 11">
+            <a:extLst>
+              <a:ext uri="{FF2B5EF4-FFF2-40B4-BE49-F238E27FC236}">
+                <a16:creationId xmlns:a16="http://schemas.microsoft.com/office/drawing/2014/main" id="{21C347DE-D6BF-7F73-9E17-A4033553CCAC}"/>
+              </a:ext>
+            </a:extLst>
+          </p:cNvPr>
+          <p:cNvPicPr>
+            <a:picLocks noChangeAspect="1"/>
+          </p:cNvPicPr>
+          <p:nvPr/>
+        </p:nvPicPr>
+        <p:blipFill>
+          <a:blip r:embed="rId3"/>
+          <a:stretch>
+            <a:fillRect/>
+          </a:stretch>
+        </p:blipFill>
+        <p:spPr>
+          <a:xfrm>
+            <a:off x="7567028" y="1667229"/>
+            <a:ext cx="4366771" cy="2397875"/>
+          </a:xfrm>
+          <a:prstGeom prst="rect">
+            <a:avLst/>
+          </a:prstGeom>
+        </p:spPr>
+      </p:pic>
+      <p:pic>
+        <p:nvPicPr>
+          <p:cNvPr id="9" name="תמונה 8">
+            <a:extLst>
+              <a:ext uri="{FF2B5EF4-FFF2-40B4-BE49-F238E27FC236}">
+                <a16:creationId xmlns:a16="http://schemas.microsoft.com/office/drawing/2014/main" id="{D63005C9-22D1-94E8-EDD8-B3B13ED35D98}"/>
+              </a:ext>
+            </a:extLst>
+          </p:cNvPr>
+          <p:cNvPicPr>
+            <a:picLocks noChangeAspect="1"/>
+          </p:cNvPicPr>
+          <p:nvPr/>
+        </p:nvPicPr>
+        <p:blipFill>
+          <a:blip r:embed="rId4"/>
+          <a:stretch>
+            <a:fillRect/>
+          </a:stretch>
+        </p:blipFill>
+        <p:spPr>
+          <a:xfrm>
+            <a:off x="2892287" y="3291965"/>
+            <a:ext cx="4675952" cy="3413387"/>
+          </a:xfrm>
+          <a:prstGeom prst="rect">
+            <a:avLst/>
+          </a:prstGeom>
+        </p:spPr>
+      </p:pic>
+    </p:spTree>
+    <p:extLst>
+      <p:ext uri="{BB962C8B-B14F-4D97-AF65-F5344CB8AC3E}">
+        <p14:creationId xmlns:p14="http://schemas.microsoft.com/office/powerpoint/2010/main" val="3288842387"/>
+      </p:ext>
+    </p:extLst>
+  </p:cSld>
+  <p:clrMapOvr>
+    <a:masterClrMapping/>
+  </p:clrMapOvr>
+</p:sld>
+</file>
+
+<file path=ppt/slides/slide22.xml><?xml version="1.0" encoding="utf-8"?>
+<p:sld xmlns:a="http://schemas.openxmlformats.org/drawingml/2006/main" xmlns:r="http://schemas.openxmlformats.org/officeDocument/2006/relationships" xmlns:p="http://schemas.openxmlformats.org/presentationml/2006/main">
+  <p:cSld>
+    <p:spTree>
+      <p:nvGrpSpPr>
+        <p:cNvPr id="1" name=""/>
+        <p:cNvGrpSpPr/>
+        <p:nvPr/>
+      </p:nvGrpSpPr>
+      <p:grpSpPr>
+        <a:xfrm>
+          <a:off x="0" y="0"/>
+          <a:ext cx="0" cy="0"/>
+          <a:chOff x="0" y="0"/>
+          <a:chExt cx="0" cy="0"/>
+        </a:xfrm>
+      </p:grpSpPr>
+      <p:sp>
+        <p:nvSpPr>
+          <p:cNvPr id="2" name="כותרת 1">
+            <a:extLst>
+              <a:ext uri="{FF2B5EF4-FFF2-40B4-BE49-F238E27FC236}">
+                <a16:creationId xmlns:a16="http://schemas.microsoft.com/office/drawing/2014/main" id="{672D3A6C-4F47-4ACC-9ADB-181B4163E786}"/>
+              </a:ext>
+            </a:extLst>
+          </p:cNvPr>
+          <p:cNvSpPr>
+            <a:spLocks noGrp="1"/>
+          </p:cNvSpPr>
+          <p:nvPr>
+            <p:ph type="title"/>
+          </p:nvPr>
+        </p:nvSpPr>
+        <p:spPr>
+          <a:xfrm>
+            <a:off x="712151" y="358995"/>
+            <a:ext cx="10260800" cy="1293028"/>
+          </a:xfrm>
+        </p:spPr>
+        <p:txBody>
+          <a:bodyPr>
+            <a:normAutofit fontScale="90000"/>
+          </a:bodyPr>
+          <a:lstStyle/>
+          <a:p>
+            <a:pPr lvl="1" algn="ctr" rtl="0">
+              <a:lnSpc>
+                <a:spcPct val="90000"/>
+              </a:lnSpc>
+              <a:spcBef>
+                <a:spcPct val="0"/>
+              </a:spcBef>
+            </a:pPr>
+            <a:r>
+              <a:rPr lang="en-US" sz="3200" b="1" kern="1200" dirty="0">
+                <a:ln w="9525">
+                  <a:solidFill>
+                    <a:schemeClr val="bg1"/>
+                  </a:solidFill>
+                  <a:prstDash val="solid"/>
+                </a:ln>
+                <a:solidFill>
+                  <a:schemeClr val="tx1"/>
+                </a:solidFill>
+                <a:effectLst>
+                  <a:outerShdw blurRad="12700" dist="38100" dir="2700000" algn="tl" rotWithShape="0">
+                    <a:schemeClr val="accent5">
+                      <a:lumMod val="60000"/>
+                      <a:lumOff val="40000"/>
+                    </a:schemeClr>
+                  </a:outerShdw>
+                </a:effectLst>
+                <a:latin typeface="Rockwell" panose="02060603020205020403" pitchFamily="18" charset="0"/>
+                <a:ea typeface="+mj-ea"/>
+                <a:cs typeface="Aharoni" panose="02010803020104030203" pitchFamily="2" charset="-79"/>
+              </a:rPr>
+              <a:t>CAN WE CLASSIFY THE TEAMS INTO GROUPS AND SEE HOW OUR DATA AFFECT THE CLASSIFICATION?</a:t>
+            </a:r>
+            <a:br>
+              <a:rPr lang="en-US" sz="3200" b="1" kern="1200" dirty="0">
+                <a:ln w="9525">
+                  <a:solidFill>
+                    <a:schemeClr val="bg1"/>
+                  </a:solidFill>
+                  <a:prstDash val="solid"/>
+                </a:ln>
+                <a:solidFill>
+                  <a:schemeClr val="tx1"/>
+                </a:solidFill>
+                <a:effectLst>
+                  <a:outerShdw blurRad="12700" dist="38100" dir="2700000" algn="tl" rotWithShape="0">
+                    <a:schemeClr val="accent5">
+                      <a:lumMod val="60000"/>
+                      <a:lumOff val="40000"/>
+                    </a:schemeClr>
+                  </a:outerShdw>
+                </a:effectLst>
+                <a:latin typeface="Rockwell" panose="02060603020205020403" pitchFamily="18" charset="0"/>
+                <a:ea typeface="+mj-ea"/>
+                <a:cs typeface="Aharoni" panose="02010803020104030203" pitchFamily="2" charset="-79"/>
+              </a:rPr>
+            </a:br>
+            <a:endParaRPr lang="en-US" sz="3200" b="1" kern="1200" dirty="0">
+              <a:ln w="9525">
+                <a:solidFill>
+                  <a:schemeClr val="bg1"/>
+                </a:solidFill>
+                <a:prstDash val="solid"/>
+              </a:ln>
+              <a:solidFill>
+                <a:schemeClr val="tx1"/>
+              </a:solidFill>
+              <a:effectLst>
+                <a:outerShdw blurRad="12700" dist="38100" dir="2700000" algn="tl" rotWithShape="0">
+                  <a:schemeClr val="accent5">
+                    <a:lumMod val="60000"/>
+                    <a:lumOff val="40000"/>
+                  </a:schemeClr>
+                </a:outerShdw>
+              </a:effectLst>
+              <a:latin typeface="Rockwell" panose="02060603020205020403" pitchFamily="18" charset="0"/>
+              <a:ea typeface="+mj-ea"/>
+              <a:cs typeface="Aharoni" panose="02010803020104030203" pitchFamily="2" charset="-79"/>
+            </a:endParaRPr>
+          </a:p>
+        </p:txBody>
+      </p:sp>
+      <p:sp>
+        <p:nvSpPr>
+          <p:cNvPr id="6" name="TextBox 5">
+            <a:extLst>
+              <a:ext uri="{FF2B5EF4-FFF2-40B4-BE49-F238E27FC236}">
+                <a16:creationId xmlns:a16="http://schemas.microsoft.com/office/drawing/2014/main" id="{65A5DA82-3E82-4B54-A0B9-4EDBE1FB8FE4}"/>
+              </a:ext>
+            </a:extLst>
+          </p:cNvPr>
+          <p:cNvSpPr txBox="1"/>
+          <p:nvPr/>
+        </p:nvSpPr>
+        <p:spPr>
+          <a:xfrm>
+            <a:off x="357807" y="1005509"/>
+            <a:ext cx="10349344" cy="1323439"/>
+          </a:xfrm>
+          <a:prstGeom prst="rect">
+            <a:avLst/>
+          </a:prstGeom>
+          <a:noFill/>
+        </p:spPr>
+        <p:txBody>
+          <a:bodyPr wrap="square" rtlCol="0">
+            <a:spAutoFit/>
+          </a:bodyPr>
+          <a:lstStyle/>
+          <a:p>
+            <a:pPr marL="285750" indent="-285750">
+              <a:buFont typeface="Arial" panose="020B0604020202020204" pitchFamily="34" charset="0"/>
+              <a:buChar char="•"/>
+            </a:pPr>
+            <a:endParaRPr lang="en-US" sz="1600" dirty="0"/>
+          </a:p>
+          <a:p>
+            <a:pPr marL="285750" indent="-285750">
+              <a:buFont typeface="Arial" panose="020B0604020202020204" pitchFamily="34" charset="0"/>
+              <a:buChar char="•"/>
+            </a:pPr>
+            <a:r>
+              <a:rPr lang="en-US" sz="1600" dirty="0"/>
+              <a:t>Based on our normalized data  </a:t>
+            </a:r>
+          </a:p>
+          <a:p>
+            <a:pPr marL="285750" indent="-285750">
+              <a:buFont typeface="Arial" panose="020B0604020202020204" pitchFamily="34" charset="0"/>
+              <a:buChar char="•"/>
+            </a:pPr>
+            <a:endParaRPr lang="en-US" sz="1600" dirty="0"/>
+          </a:p>
+          <a:p>
+            <a:pPr marL="285750" indent="-285750">
+              <a:buFont typeface="Arial" panose="020B0604020202020204" pitchFamily="34" charset="0"/>
+              <a:buChar char="•"/>
+            </a:pPr>
+            <a:endParaRPr lang="en-US" sz="1600" dirty="0"/>
+          </a:p>
+          <a:p>
+            <a:endParaRPr lang="en-US" sz="1600" dirty="0"/>
+          </a:p>
+        </p:txBody>
+      </p:sp>
+      <p:sp>
+        <p:nvSpPr>
+          <p:cNvPr id="14" name="משושה 13">
+            <a:extLst>
+              <a:ext uri="{FF2B5EF4-FFF2-40B4-BE49-F238E27FC236}">
+                <a16:creationId xmlns:a16="http://schemas.microsoft.com/office/drawing/2014/main" id="{64936663-C2C3-6F4E-754E-B6C6022361A0}"/>
+              </a:ext>
+            </a:extLst>
+          </p:cNvPr>
+          <p:cNvSpPr/>
+          <p:nvPr/>
+        </p:nvSpPr>
+        <p:spPr>
+          <a:xfrm>
+            <a:off x="11380124" y="6010102"/>
+            <a:ext cx="656706" cy="631767"/>
+          </a:xfrm>
+          <a:prstGeom prst="hexagon">
+            <a:avLst/>
+          </a:prstGeom>
+          <a:gradFill>
+            <a:gsLst>
+              <a:gs pos="7000">
+                <a:srgbClr val="1E468C">
+                  <a:alpha val="95000"/>
+                </a:srgbClr>
+              </a:gs>
+              <a:gs pos="26000">
+                <a:srgbClr val="2659B1"/>
+              </a:gs>
+              <a:gs pos="60000">
+                <a:schemeClr val="accent6">
+                  <a:lumMod val="40000"/>
+                  <a:lumOff val="60000"/>
+                </a:schemeClr>
+              </a:gs>
+              <a:gs pos="100000">
+                <a:schemeClr val="dk1"/>
+              </a:gs>
+            </a:gsLst>
+            <a:path path="circle">
+              <a:fillToRect l="50000" t="50000" r="50000" b="50000"/>
+            </a:path>
+          </a:gradFill>
+        </p:spPr>
+        <p:style>
+          <a:lnRef idx="2">
+            <a:schemeClr val="accent5">
+              <a:shade val="50000"/>
+            </a:schemeClr>
+          </a:lnRef>
+          <a:fillRef idx="1">
+            <a:schemeClr val="accent5"/>
+          </a:fillRef>
+          <a:effectRef idx="0">
+            <a:schemeClr val="accent5"/>
+          </a:effectRef>
+          <a:fontRef idx="minor">
+            <a:schemeClr val="lt1"/>
+          </a:fontRef>
+        </p:style>
+        <p:txBody>
+          <a:bodyPr rtlCol="0" anchor="ctr"/>
+          <a:lstStyle/>
+          <a:p>
+            <a:pPr algn="ctr"/>
+            <a:r>
+              <a:rPr lang="en-US" dirty="0"/>
+              <a:t>22</a:t>
+            </a:r>
+          </a:p>
+        </p:txBody>
+      </p:sp>
+      <p:pic>
+        <p:nvPicPr>
+          <p:cNvPr id="8" name="תמונה 7">
+            <a:extLst>
+              <a:ext uri="{FF2B5EF4-FFF2-40B4-BE49-F238E27FC236}">
+                <a16:creationId xmlns:a16="http://schemas.microsoft.com/office/drawing/2014/main" id="{65573CA7-052D-7030-4FDB-38DEC06AE03C}"/>
+              </a:ext>
+            </a:extLst>
+          </p:cNvPr>
+          <p:cNvPicPr>
+            <a:picLocks noChangeAspect="1"/>
+          </p:cNvPicPr>
+          <p:nvPr/>
+        </p:nvPicPr>
+        <p:blipFill>
+          <a:blip r:embed="rId2"/>
+          <a:stretch>
+            <a:fillRect/>
+          </a:stretch>
+        </p:blipFill>
+        <p:spPr>
+          <a:xfrm>
+            <a:off x="7563713" y="1665746"/>
+            <a:ext cx="4368594" cy="2518628"/>
+          </a:xfrm>
+          <a:prstGeom prst="rect">
+            <a:avLst/>
+          </a:prstGeom>
+        </p:spPr>
+      </p:pic>
+      <p:pic>
+        <p:nvPicPr>
+          <p:cNvPr id="11" name="תמונה 10">
+            <a:extLst>
+              <a:ext uri="{FF2B5EF4-FFF2-40B4-BE49-F238E27FC236}">
+                <a16:creationId xmlns:a16="http://schemas.microsoft.com/office/drawing/2014/main" id="{CD6C2A06-15EE-FC77-C037-19AD732809A8}"/>
+              </a:ext>
+            </a:extLst>
+          </p:cNvPr>
+          <p:cNvPicPr>
+            <a:picLocks noChangeAspect="1"/>
+          </p:cNvPicPr>
+          <p:nvPr/>
+        </p:nvPicPr>
+        <p:blipFill>
+          <a:blip r:embed="rId3"/>
+          <a:stretch>
+            <a:fillRect/>
+          </a:stretch>
+        </p:blipFill>
+        <p:spPr>
+          <a:xfrm>
+            <a:off x="326604" y="1665746"/>
+            <a:ext cx="4645201" cy="2705771"/>
+          </a:xfrm>
+          <a:prstGeom prst="rect">
+            <a:avLst/>
+          </a:prstGeom>
+        </p:spPr>
+      </p:pic>
+      <p:pic>
+        <p:nvPicPr>
+          <p:cNvPr id="4" name="תמונה 3">
+            <a:extLst>
+              <a:ext uri="{FF2B5EF4-FFF2-40B4-BE49-F238E27FC236}">
+                <a16:creationId xmlns:a16="http://schemas.microsoft.com/office/drawing/2014/main" id="{A29AB7E3-08FE-074E-3A6D-F7EBE8C51CEA}"/>
+              </a:ext>
+            </a:extLst>
+          </p:cNvPr>
+          <p:cNvPicPr>
+            <a:picLocks noChangeAspect="1"/>
+          </p:cNvPicPr>
+          <p:nvPr/>
+        </p:nvPicPr>
+        <p:blipFill>
+          <a:blip r:embed="rId4"/>
+          <a:stretch>
+            <a:fillRect/>
+          </a:stretch>
+        </p:blipFill>
+        <p:spPr>
+          <a:xfrm>
+            <a:off x="3003711" y="3301904"/>
+            <a:ext cx="4645201" cy="3413388"/>
+          </a:xfrm>
+          <a:prstGeom prst="rect">
+            <a:avLst/>
+          </a:prstGeom>
+        </p:spPr>
+      </p:pic>
+    </p:spTree>
+    <p:extLst>
+      <p:ext uri="{BB962C8B-B14F-4D97-AF65-F5344CB8AC3E}">
+        <p14:creationId xmlns:p14="http://schemas.microsoft.com/office/powerpoint/2010/main" val="28286465"/>
+      </p:ext>
+    </p:extLst>
+  </p:cSld>
+  <p:clrMapOvr>
+    <a:masterClrMapping/>
+  </p:clrMapOvr>
+</p:sld>
+</file>
+
+<file path=ppt/slides/slide23.xml><?xml version="1.0" encoding="utf-8"?>
+<p:sld xmlns:a="http://schemas.openxmlformats.org/drawingml/2006/main" xmlns:r="http://schemas.openxmlformats.org/officeDocument/2006/relationships" xmlns:p="http://schemas.openxmlformats.org/presentationml/2006/main">
+  <p:cSld>
+    <p:spTree>
+      <p:nvGrpSpPr>
+        <p:cNvPr id="1" name=""/>
+        <p:cNvGrpSpPr/>
+        <p:nvPr/>
+      </p:nvGrpSpPr>
+      <p:grpSpPr>
+        <a:xfrm>
+          <a:off x="0" y="0"/>
+          <a:ext cx="0" cy="0"/>
+          <a:chOff x="0" y="0"/>
+          <a:chExt cx="0" cy="0"/>
+        </a:xfrm>
+      </p:grpSpPr>
+      <p:sp>
+        <p:nvSpPr>
+          <p:cNvPr id="2" name="כותרת 1">
+            <a:extLst>
+              <a:ext uri="{FF2B5EF4-FFF2-40B4-BE49-F238E27FC236}">
+                <a16:creationId xmlns:a16="http://schemas.microsoft.com/office/drawing/2014/main" id="{282F48E7-2B6F-4107-B2B6-490AA0047B15}"/>
+              </a:ext>
+            </a:extLst>
+          </p:cNvPr>
+          <p:cNvSpPr>
+            <a:spLocks noGrp="1"/>
+          </p:cNvSpPr>
+          <p:nvPr>
+            <p:ph type="title"/>
+          </p:nvPr>
+        </p:nvSpPr>
+        <p:spPr>
+          <a:xfrm>
+            <a:off x="1570021" y="663810"/>
+            <a:ext cx="8610600" cy="757486"/>
+          </a:xfrm>
+        </p:spPr>
+        <p:txBody>
+          <a:bodyPr/>
+          <a:lstStyle/>
+          <a:p>
+            <a:pPr algn="ctr"/>
+            <a:r>
+              <a:rPr lang="en-US" b="1" cap="none" dirty="0">
+                <a:ln w="9525">
+                  <a:solidFill>
+                    <a:schemeClr val="bg1"/>
+                  </a:solidFill>
+                  <a:prstDash val="solid"/>
+                </a:ln>
+                <a:effectLst>
+                  <a:outerShdw blurRad="12700" dist="38100" dir="2700000" algn="tl" rotWithShape="0">
+                    <a:schemeClr val="accent5">
+                      <a:lumMod val="60000"/>
+                      <a:lumOff val="40000"/>
+                    </a:schemeClr>
+                  </a:outerShdw>
+                </a:effectLst>
+                <a:latin typeface="Rockwell" panose="02060603020205020403" pitchFamily="18" charset="0"/>
+                <a:cs typeface="Aharoni" panose="02010803020104030203" pitchFamily="2" charset="-79"/>
+              </a:rPr>
+              <a:t>SUMMARY AND CONCLUSIONS</a:t>
+            </a:r>
+            <a:endParaRPr lang="en-US" dirty="0"/>
+          </a:p>
+        </p:txBody>
+      </p:sp>
+      <p:sp>
+        <p:nvSpPr>
+          <p:cNvPr id="14" name="מציין מיקום תוכן 2">
+            <a:extLst>
+              <a:ext uri="{FF2B5EF4-FFF2-40B4-BE49-F238E27FC236}">
+                <a16:creationId xmlns:a16="http://schemas.microsoft.com/office/drawing/2014/main" id="{984FB7B5-3FF9-4716-7AC1-73075F373E6D}"/>
+              </a:ext>
+            </a:extLst>
+          </p:cNvPr>
+          <p:cNvSpPr>
+            <a:spLocks noGrp="1"/>
+          </p:cNvSpPr>
+          <p:nvPr>
+            <p:ph idx="1"/>
+          </p:nvPr>
+        </p:nvSpPr>
+        <p:spPr>
+          <a:xfrm>
+            <a:off x="685800" y="1870213"/>
+            <a:ext cx="10820400" cy="4024313"/>
+          </a:xfrm>
+        </p:spPr>
+        <p:txBody>
+          <a:bodyPr/>
+          <a:lstStyle/>
+          <a:p>
+            <a:r>
+              <a:rPr lang="en-US" dirty="0"/>
+              <a:t>To conclude, we tried to predict the rank and points using ML models – Linear Regression and Decision Tree.</a:t>
+            </a:r>
+          </a:p>
+          <a:p>
+            <a:r>
+              <a:rPr lang="en-US" dirty="0"/>
+              <a:t>Trying to predict the rank using Linear Regression seems to be pretty accurate.</a:t>
+            </a:r>
+          </a:p>
+          <a:p>
+            <a:r>
+              <a:rPr lang="en-US" dirty="0"/>
+              <a:t>The errors using “Points” or “Rank” data are quiet equal according MAE and RMSE values.</a:t>
+            </a:r>
+          </a:p>
+          <a:p>
+            <a:r>
+              <a:rPr lang="en-US" dirty="0"/>
+              <a:t>However, Decision Tree model got low accuracy because we tried to predict a numerical value, and not a classification problem.</a:t>
+            </a:r>
+          </a:p>
+          <a:p>
+            <a:r>
+              <a:rPr lang="en-US" b="0" i="0" dirty="0">
+                <a:effectLst/>
+              </a:rPr>
+              <a:t>In addition, we tried to classify the teams into several groups by using an unsupervised model, and we saw how the different characteristics affect the classification</a:t>
+            </a:r>
+            <a:endParaRPr lang="en-US" dirty="0"/>
+          </a:p>
+        </p:txBody>
+      </p:sp>
+      <p:sp>
+        <p:nvSpPr>
+          <p:cNvPr id="15" name="משושה 14">
+            <a:extLst>
+              <a:ext uri="{FF2B5EF4-FFF2-40B4-BE49-F238E27FC236}">
+                <a16:creationId xmlns:a16="http://schemas.microsoft.com/office/drawing/2014/main" id="{4712E19C-8273-192A-B5B0-52B6C4DEE53F}"/>
+              </a:ext>
+            </a:extLst>
+          </p:cNvPr>
+          <p:cNvSpPr/>
+          <p:nvPr/>
+        </p:nvSpPr>
+        <p:spPr>
+          <a:xfrm>
+            <a:off x="11380124" y="6010102"/>
+            <a:ext cx="656706" cy="631767"/>
+          </a:xfrm>
+          <a:prstGeom prst="hexagon">
+            <a:avLst/>
+          </a:prstGeom>
+          <a:gradFill>
+            <a:gsLst>
+              <a:gs pos="7000">
+                <a:srgbClr val="1E468C">
+                  <a:alpha val="95000"/>
+                </a:srgbClr>
+              </a:gs>
+              <a:gs pos="26000">
+                <a:srgbClr val="2659B1"/>
+              </a:gs>
+              <a:gs pos="60000">
+                <a:schemeClr val="accent6">
+                  <a:lumMod val="40000"/>
+                  <a:lumOff val="60000"/>
+                </a:schemeClr>
+              </a:gs>
+              <a:gs pos="100000">
+                <a:schemeClr val="dk1"/>
+              </a:gs>
+            </a:gsLst>
+            <a:path path="circle">
+              <a:fillToRect l="50000" t="50000" r="50000" b="50000"/>
+            </a:path>
+          </a:gradFill>
+        </p:spPr>
+        <p:style>
+          <a:lnRef idx="2">
+            <a:schemeClr val="accent5">
+              <a:shade val="50000"/>
+            </a:schemeClr>
+          </a:lnRef>
+          <a:fillRef idx="1">
+            <a:schemeClr val="accent5"/>
+          </a:fillRef>
+          <a:effectRef idx="0">
+            <a:schemeClr val="accent5"/>
+          </a:effectRef>
+          <a:fontRef idx="minor">
+            <a:schemeClr val="lt1"/>
+          </a:fontRef>
+        </p:style>
+        <p:txBody>
+          <a:bodyPr rtlCol="0" anchor="ctr"/>
+          <a:lstStyle/>
+          <a:p>
+            <a:pPr algn="ctr"/>
+            <a:r>
+              <a:rPr lang="en-US" dirty="0"/>
+              <a:t>23</a:t>
             </a:r>
           </a:p>
         </p:txBody>
@@ -18210,8 +18149,8 @@
         </p:nvSpPr>
         <p:spPr>
           <a:xfrm>
-            <a:off x="347870" y="157942"/>
-            <a:ext cx="8610600" cy="1293028"/>
+            <a:off x="1570384" y="495873"/>
+            <a:ext cx="8610600" cy="796215"/>
           </a:xfrm>
         </p:spPr>
         <p:txBody>
@@ -18220,7 +18159,7 @@
           </a:bodyPr>
           <a:lstStyle/>
           <a:p>
-            <a:pPr algn="just"/>
+            <a:pPr algn="ctr"/>
             <a:r>
               <a:rPr lang="en-US" b="1" cap="none" spc="-150" dirty="0">
                 <a:ln w="9525">
@@ -18662,7 +18601,7 @@
           <p:nvPr>
             <p:extLst>
               <p:ext uri="{D42A27DB-BD31-4B8C-83A1-F6EECF244321}">
-                <p14:modId xmlns:p14="http://schemas.microsoft.com/office/powerpoint/2010/main" val="1212731301"/>
+                <p14:modId xmlns:p14="http://schemas.microsoft.com/office/powerpoint/2010/main" val="1888691575"/>
               </p:ext>
             </p:extLst>
           </p:nvPr>
@@ -18719,7 +18658,7 @@
                       </a:pPr>
                       <a:r>
                         <a:rPr lang="en-US" sz="1400" dirty="0"/>
-                        <a:t>Examining the data by   2 different models</a:t>
+                        <a:t>Examining the data by   3 different models</a:t>
                       </a:r>
                       <a:endParaRPr lang="en-US" sz="1000" dirty="0"/>
                     </a:p>
@@ -18740,7 +18679,17 @@
                       </a:pPr>
                       <a:r>
                         <a:rPr lang="en-US" sz="1000" dirty="0"/>
-                        <a:t>Decision Tree Regressor</a:t>
+                        <a:t>Decision Tree</a:t>
+                      </a:r>
+                    </a:p>
+                    <a:p>
+                      <a:pPr marL="274320" lvl="1" indent="-171450">
+                        <a:buFont typeface="Arial" panose="020B0604020202020204" pitchFamily="34" charset="0"/>
+                        <a:buChar char="•"/>
+                      </a:pPr>
+                      <a:r>
+                        <a:rPr lang="en-US" sz="1000" dirty="0"/>
+                        <a:t>K-means</a:t>
                       </a:r>
                     </a:p>
                     <a:p>
@@ -18757,7 +18706,7 @@
                       </a:pPr>
                       <a:r>
                         <a:rPr lang="en-US" sz="1400" kern="1200" dirty="0"/>
-                        <a:t>Linear and Decision Tree Regressions</a:t>
+                        <a:t>Linear and Decision Tree</a:t>
                       </a:r>
                     </a:p>
                     <a:p>
@@ -18785,6 +18734,49 @@
                         <a:rPr lang="en-US" sz="1000" dirty="0"/>
                         <a:t>Predict all teams Ranks in the table league from all the seasons</a:t>
                       </a:r>
+                    </a:p>
+                    <a:p>
+                      <a:pPr marL="274320" lvl="0" indent="0">
+                        <a:lnSpc>
+                          <a:spcPct val="100000"/>
+                        </a:lnSpc>
+                        <a:buFont typeface="Arial" panose="020B0604020202020204" pitchFamily="34" charset="0"/>
+                        <a:buNone/>
+                      </a:pPr>
+                      <a:endParaRPr lang="en-US" sz="1000" dirty="0"/>
+                    </a:p>
+                    <a:p>
+                      <a:pPr marL="274320" lvl="1" indent="-171450" algn="l" defTabSz="914400" rtl="0" eaLnBrk="1" latinLnBrk="0" hangingPunct="1">
+                        <a:buFont typeface="Arial" panose="020B0604020202020204" pitchFamily="34" charset="0"/>
+                        <a:buChar char="•"/>
+                      </a:pPr>
+                      <a:r>
+                        <a:rPr lang="en-US" sz="1400" kern="1200" dirty="0"/>
+                        <a:t>K-means</a:t>
+                      </a:r>
+                    </a:p>
+                    <a:p>
+                      <a:pPr marL="457200" lvl="0" indent="-182880">
+                        <a:lnSpc>
+                          <a:spcPct val="100000"/>
+                        </a:lnSpc>
+                        <a:buFont typeface="Arial" panose="020B0604020202020204" pitchFamily="34" charset="0"/>
+                        <a:buChar char="•"/>
+                      </a:pPr>
+                      <a:r>
+                        <a:rPr lang="en-US" sz="1000" dirty="0"/>
+                        <a:t>Classification into 3 clusters by using an unsupervised model</a:t>
+                      </a:r>
+                    </a:p>
+                    <a:p>
+                      <a:pPr marL="274320" lvl="0" indent="0">
+                        <a:lnSpc>
+                          <a:spcPct val="100000"/>
+                        </a:lnSpc>
+                        <a:buFont typeface="Arial" panose="020B0604020202020204" pitchFamily="34" charset="0"/>
+                        <a:buNone/>
+                      </a:pPr>
+                      <a:endParaRPr lang="en-US" sz="1000" dirty="0"/>
                     </a:p>
                   </a:txBody>
                   <a:tcPr/>
@@ -19039,8 +19031,8 @@
         </p:nvSpPr>
         <p:spPr>
           <a:xfrm>
-            <a:off x="675861" y="446144"/>
-            <a:ext cx="8610600" cy="1293028"/>
+            <a:off x="1760882" y="585291"/>
+            <a:ext cx="8610600" cy="855882"/>
           </a:xfrm>
         </p:spPr>
         <p:txBody>
@@ -19049,7 +19041,7 @@
           </a:bodyPr>
           <a:lstStyle/>
           <a:p>
-            <a:pPr algn="l"/>
+            <a:pPr algn="ctr"/>
             <a:r>
               <a:rPr lang="en-US" b="1" cap="none" dirty="0">
                 <a:ln w="9525">
@@ -19247,8 +19239,8 @@
         </p:nvSpPr>
         <p:spPr>
           <a:xfrm>
-            <a:off x="685800" y="639315"/>
-            <a:ext cx="11267902" cy="1293028"/>
+            <a:off x="655983" y="758583"/>
+            <a:ext cx="11267902" cy="791920"/>
           </a:xfrm>
         </p:spPr>
         <p:txBody>
@@ -19257,7 +19249,7 @@
           </a:bodyPr>
           <a:lstStyle/>
           <a:p>
-            <a:pPr algn="just"/>
+            <a:pPr algn="ctr"/>
             <a:r>
               <a:rPr lang="en-US" b="1" cap="none" spc="-150" dirty="0">
                 <a:ln w="9525">
@@ -19298,7 +19290,12 @@
             <p:ph idx="1"/>
           </p:nvPr>
         </p:nvSpPr>
-        <p:spPr/>
+        <p:spPr>
+          <a:xfrm>
+            <a:off x="685800" y="1767175"/>
+            <a:ext cx="10820400" cy="4024125"/>
+          </a:xfrm>
+        </p:spPr>
         <p:txBody>
           <a:bodyPr/>
           <a:lstStyle/>
@@ -19319,7 +19316,7 @@
             <a:pPr lvl="1"/>
             <a:r>
               <a:rPr lang="en-US" dirty="0"/>
-              <a:t>Total of 93 seasons</a:t>
+              <a:t>Total of 93 years</a:t>
             </a:r>
           </a:p>
           <a:p>
@@ -19453,15 +19450,15 @@
         </p:nvSpPr>
         <p:spPr>
           <a:xfrm>
-            <a:off x="685799" y="639315"/>
-            <a:ext cx="11280914" cy="1293028"/>
+            <a:off x="646043" y="728766"/>
+            <a:ext cx="11280914" cy="831676"/>
           </a:xfrm>
         </p:spPr>
         <p:txBody>
           <a:bodyPr/>
           <a:lstStyle/>
           <a:p>
-            <a:pPr algn="l"/>
+            <a:pPr algn="ctr"/>
             <a:r>
               <a:rPr lang="en-US" b="1" cap="none" spc="-150" dirty="0">
                 <a:ln w="9525">
@@ -19503,7 +19500,12 @@
             <p:ph idx="1"/>
           </p:nvPr>
         </p:nvSpPr>
-        <p:spPr/>
+        <p:spPr>
+          <a:xfrm>
+            <a:off x="685800" y="1767173"/>
+            <a:ext cx="10820400" cy="4024125"/>
+          </a:xfrm>
+        </p:spPr>
         <p:txBody>
           <a:bodyPr/>
           <a:lstStyle/>
@@ -19664,15 +19666,15 @@
         </p:nvSpPr>
         <p:spPr>
           <a:xfrm>
-            <a:off x="519547" y="633359"/>
-            <a:ext cx="8610600" cy="1293028"/>
+            <a:off x="1721127" y="722810"/>
+            <a:ext cx="8610600" cy="827693"/>
           </a:xfrm>
         </p:spPr>
         <p:txBody>
           <a:bodyPr/>
           <a:lstStyle/>
           <a:p>
-            <a:pPr algn="l"/>
+            <a:pPr algn="ctr"/>
             <a:r>
               <a:rPr lang="en-US" b="1" cap="none" spc="-150" dirty="0">
                 <a:ln w="9525">
@@ -20035,15 +20037,15 @@
         </p:nvSpPr>
         <p:spPr>
           <a:xfrm>
-            <a:off x="685800" y="663855"/>
-            <a:ext cx="8610600" cy="1293028"/>
+            <a:off x="1689652" y="847898"/>
+            <a:ext cx="8610600" cy="861632"/>
           </a:xfrm>
         </p:spPr>
         <p:txBody>
           <a:bodyPr/>
           <a:lstStyle/>
           <a:p>
-            <a:pPr algn="l"/>
+            <a:pPr algn="ctr"/>
             <a:r>
               <a:rPr lang="en-US" b="1" cap="none" spc="-150" dirty="0">
                 <a:ln w="9525">
@@ -20237,7 +20239,7 @@
         </p:nvSpPr>
         <p:spPr>
           <a:xfrm>
-            <a:off x="188184" y="946617"/>
+            <a:off x="370648" y="1012512"/>
             <a:ext cx="10960331" cy="1093341"/>
           </a:xfrm>
         </p:spPr>
@@ -20247,7 +20249,7 @@
           </a:bodyPr>
           <a:lstStyle/>
           <a:p>
-            <a:pPr algn="just"/>
+            <a:pPr algn="ctr"/>
             <a:r>
               <a:rPr lang="en-US" sz="3200" b="1" cap="none" spc="-150" dirty="0">
                 <a:ln w="9525">
